--- a/presentation/A Flexible Schedular for Single-Processor Embedded systems for Arduino UNO.pptx
+++ b/presentation/A Flexible Schedular for Single-Processor Embedded systems for Arduino UNO.pptx
@@ -24,6 +24,13 @@
     <p:sldId id="262" r:id="rId19"/>
     <p:sldId id="263" r:id="rId20"/>
     <p:sldId id="264" r:id="rId21"/>
+    <p:sldId id="265" r:id="rId22"/>
+    <p:sldId id="266" r:id="rId23"/>
+    <p:sldId id="267" r:id="rId24"/>
+    <p:sldId id="268" r:id="rId25"/>
+    <p:sldId id="269" r:id="rId26"/>
+    <p:sldId id="270" r:id="rId27"/>
+    <p:sldId id="271" r:id="rId28"/>
   </p:sldIdLst>
   <p:sldSz cx="12192000" cy="6858000"/>
   <p:notesSz cx="7559675" cy="10691813"/>
@@ -60,7 +67,7 @@
         <p:spPr>
           <a:xfrm>
             <a:off x="1523880" y="1122480"/>
-            <a:ext cx="9143640" cy="2387160"/>
+            <a:ext cx="9143280" cy="2386800"/>
           </a:xfrm>
           <a:prstGeom prst="rect">
             <a:avLst/>
@@ -75,14 +82,14 @@
             <a:noAutofit/>
           </a:bodyPr>
           <a:p>
-            <a:pPr indent="0">
+            <a:pPr indent="0" algn="ctr">
               <a:buNone/>
             </a:pPr>
-            <a:endParaRPr b="0" lang="en-EG" sz="1800" spc="-1" strike="noStrike">
-              <a:solidFill>
-                <a:schemeClr val="dk1"/>
-              </a:solidFill>
-              <a:latin typeface="Calibri"/>
+            <a:endParaRPr b="0" lang="en-US" sz="4400" spc="-1" strike="noStrike">
+              <a:solidFill>
+                <a:srgbClr val="000000"/>
+              </a:solidFill>
+              <a:latin typeface="Arial"/>
             </a:endParaRPr>
           </a:p>
         </p:txBody>
@@ -134,7 +141,7 @@
             <a:spLocks noGrp="1"/>
           </p:cNvSpPr>
           <p:nvPr>
-            <p:ph type="ftr" idx="2"/>
+            <p:ph type="ftr" idx="1"/>
           </p:nvPr>
         </p:nvSpPr>
         <p:spPr/>
@@ -154,14 +161,14 @@
             <a:spLocks noGrp="1"/>
           </p:cNvSpPr>
           <p:nvPr>
-            <p:ph type="sldNum" idx="3"/>
+            <p:ph type="sldNum" idx="2"/>
           </p:nvPr>
         </p:nvSpPr>
         <p:spPr/>
         <p:txBody>
           <a:bodyPr/>
           <a:p>
-            <a:fld id="{3C7E29EF-1264-4461-AB99-C5C380929A9C}" type="slidenum">
+            <a:fld id="{B3ED6384-14F2-41A3-9F1A-E363BA8CFCA0}" type="slidenum">
               <a:t>&lt;#&gt;</a:t>
             </a:fld>
           </a:p>
@@ -174,7 +181,7 @@
             <a:spLocks noGrp="1"/>
           </p:cNvSpPr>
           <p:nvPr>
-            <p:ph type="dt" idx="1"/>
+            <p:ph type="dt" idx="3"/>
           </p:nvPr>
         </p:nvSpPr>
         <p:spPr/>
@@ -217,7 +224,7 @@
             <a:spLocks noGrp="1"/>
           </p:cNvSpPr>
           <p:nvPr>
-            <p:ph type="ftr" idx="29"/>
+            <p:ph type="ftr" idx="28"/>
           </p:nvPr>
         </p:nvSpPr>
         <p:spPr/>
@@ -237,14 +244,14 @@
             <a:spLocks noGrp="1"/>
           </p:cNvSpPr>
           <p:nvPr>
-            <p:ph type="sldNum" idx="30"/>
+            <p:ph type="sldNum" idx="29"/>
           </p:nvPr>
         </p:nvSpPr>
         <p:spPr/>
         <p:txBody>
           <a:bodyPr/>
           <a:p>
-            <a:fld id="{43BA82E9-DE4C-4A2C-B0B4-6E6EC40A42B0}" type="slidenum">
+            <a:fld id="{D3AC27D0-559A-4382-B91D-1096D97A49CA}" type="slidenum">
               <a:t>&lt;#&gt;</a:t>
             </a:fld>
           </a:p>
@@ -257,7 +264,7 @@
             <a:spLocks noGrp="1"/>
           </p:cNvSpPr>
           <p:nvPr>
-            <p:ph type="dt" idx="28"/>
+            <p:ph type="dt" idx="30"/>
           </p:nvPr>
         </p:nvSpPr>
         <p:spPr/>
@@ -300,7 +307,7 @@
             <a:spLocks noGrp="1"/>
           </p:cNvSpPr>
           <p:nvPr>
-            <p:ph type="ftr" idx="32"/>
+            <p:ph type="ftr" idx="31"/>
           </p:nvPr>
         </p:nvSpPr>
         <p:spPr/>
@@ -320,14 +327,14 @@
             <a:spLocks noGrp="1"/>
           </p:cNvSpPr>
           <p:nvPr>
-            <p:ph type="sldNum" idx="33"/>
+            <p:ph type="sldNum" idx="32"/>
           </p:nvPr>
         </p:nvSpPr>
         <p:spPr/>
         <p:txBody>
           <a:bodyPr/>
           <a:p>
-            <a:fld id="{7610EFA0-2E4F-42F3-8836-9DF04479AD29}" type="slidenum">
+            <a:fld id="{B755BC07-321F-4913-B0D8-FAC666092A8F}" type="slidenum">
               <a:t>&lt;#&gt;</a:t>
             </a:fld>
           </a:p>
@@ -340,7 +347,7 @@
             <a:spLocks noGrp="1"/>
           </p:cNvSpPr>
           <p:nvPr>
-            <p:ph type="dt" idx="31"/>
+            <p:ph type="dt" idx="33"/>
           </p:nvPr>
         </p:nvSpPr>
         <p:spPr/>
@@ -383,7 +390,7 @@
             <a:spLocks noGrp="1"/>
           </p:cNvSpPr>
           <p:nvPr>
-            <p:ph type="ftr" idx="5"/>
+            <p:ph type="ftr" idx="4"/>
           </p:nvPr>
         </p:nvSpPr>
         <p:spPr/>
@@ -403,14 +410,14 @@
             <a:spLocks noGrp="1"/>
           </p:cNvSpPr>
           <p:nvPr>
-            <p:ph type="sldNum" idx="6"/>
+            <p:ph type="sldNum" idx="5"/>
           </p:nvPr>
         </p:nvSpPr>
         <p:spPr/>
         <p:txBody>
           <a:bodyPr/>
           <a:p>
-            <a:fld id="{F4D23454-3BF5-41C3-8E74-A4B985868084}" type="slidenum">
+            <a:fld id="{50E280D8-880D-4BB4-8239-A68D88B374C3}" type="slidenum">
               <a:t>&lt;#&gt;</a:t>
             </a:fld>
           </a:p>
@@ -423,7 +430,7 @@
             <a:spLocks noGrp="1"/>
           </p:cNvSpPr>
           <p:nvPr>
-            <p:ph type="dt" idx="4"/>
+            <p:ph type="dt" idx="6"/>
           </p:nvPr>
         </p:nvSpPr>
         <p:spPr/>
@@ -466,7 +473,7 @@
             <a:spLocks noGrp="1"/>
           </p:cNvSpPr>
           <p:nvPr>
-            <p:ph type="ftr" idx="8"/>
+            <p:ph type="ftr" idx="7"/>
           </p:nvPr>
         </p:nvSpPr>
         <p:spPr/>
@@ -486,14 +493,14 @@
             <a:spLocks noGrp="1"/>
           </p:cNvSpPr>
           <p:nvPr>
-            <p:ph type="sldNum" idx="9"/>
+            <p:ph type="sldNum" idx="8"/>
           </p:nvPr>
         </p:nvSpPr>
         <p:spPr/>
         <p:txBody>
           <a:bodyPr/>
           <a:p>
-            <a:fld id="{73FB7FF3-B9EA-4159-9299-8DDD7CAE397E}" type="slidenum">
+            <a:fld id="{43582F3A-ED16-4568-81BA-D1EB895C6473}" type="slidenum">
               <a:t>&lt;#&gt;</a:t>
             </a:fld>
           </a:p>
@@ -506,7 +513,7 @@
             <a:spLocks noGrp="1"/>
           </p:cNvSpPr>
           <p:nvPr>
-            <p:ph type="dt" idx="7"/>
+            <p:ph type="dt" idx="9"/>
           </p:nvPr>
         </p:nvSpPr>
         <p:spPr/>
@@ -544,7 +551,7 @@
       </p:grpSpPr>
       <p:sp>
         <p:nvSpPr>
-          <p:cNvPr id="22" name="PlaceHolder 1"/>
+          <p:cNvPr id="18" name="PlaceHolder 1"/>
           <p:cNvSpPr>
             <a:spLocks noGrp="1"/>
           </p:cNvSpPr>
@@ -555,7 +562,7 @@
         <p:spPr>
           <a:xfrm>
             <a:off x="1523880" y="1122480"/>
-            <a:ext cx="9143640" cy="2387160"/>
+            <a:ext cx="9143280" cy="2386800"/>
           </a:xfrm>
           <a:prstGeom prst="rect">
             <a:avLst/>
@@ -570,21 +577,21 @@
             <a:noAutofit/>
           </a:bodyPr>
           <a:p>
-            <a:pPr indent="0">
+            <a:pPr indent="0" algn="ctr">
               <a:buNone/>
             </a:pPr>
-            <a:endParaRPr b="0" lang="en-EG" sz="1800" spc="-1" strike="noStrike">
-              <a:solidFill>
-                <a:schemeClr val="dk1"/>
-              </a:solidFill>
-              <a:latin typeface="Calibri"/>
-            </a:endParaRPr>
-          </a:p>
-        </p:txBody>
-      </p:sp>
-      <p:sp>
-        <p:nvSpPr>
-          <p:cNvPr id="23" name="PlaceHolder 2"/>
+            <a:endParaRPr b="0" lang="en-US" sz="4400" spc="-1" strike="noStrike">
+              <a:solidFill>
+                <a:srgbClr val="000000"/>
+              </a:solidFill>
+              <a:latin typeface="Arial"/>
+            </a:endParaRPr>
+          </a:p>
+        </p:txBody>
+      </p:sp>
+      <p:sp>
+        <p:nvSpPr>
+          <p:cNvPr id="19" name="PlaceHolder 2"/>
           <p:cNvSpPr>
             <a:spLocks noGrp="1"/>
           </p:cNvSpPr>
@@ -611,19 +618,16 @@
           </a:bodyPr>
           <a:p>
             <a:pPr indent="0">
-              <a:lnSpc>
-                <a:spcPct val="90000"/>
-              </a:lnSpc>
               <a:spcBef>
                 <a:spcPts val="1417"/>
               </a:spcBef>
               <a:buNone/>
             </a:pPr>
-            <a:endParaRPr b="0" lang="en-EG" sz="2800" spc="-1" strike="noStrike">
-              <a:solidFill>
-                <a:schemeClr val="dk1"/>
-              </a:solidFill>
-              <a:latin typeface="Calibri"/>
+            <a:endParaRPr b="0" lang="en-US" sz="3200" spc="-1" strike="noStrike">
+              <a:solidFill>
+                <a:srgbClr val="000000"/>
+              </a:solidFill>
+              <a:latin typeface="Arial"/>
             </a:endParaRPr>
           </a:p>
         </p:txBody>
@@ -635,7 +639,7 @@
             <a:spLocks noGrp="1"/>
           </p:cNvSpPr>
           <p:nvPr>
-            <p:ph type="ftr" idx="11"/>
+            <p:ph type="ftr" idx="10"/>
           </p:nvPr>
         </p:nvSpPr>
         <p:spPr/>
@@ -655,14 +659,14 @@
             <a:spLocks noGrp="1"/>
           </p:cNvSpPr>
           <p:nvPr>
-            <p:ph type="sldNum" idx="12"/>
+            <p:ph type="sldNum" idx="11"/>
           </p:nvPr>
         </p:nvSpPr>
         <p:spPr/>
         <p:txBody>
           <a:bodyPr/>
           <a:p>
-            <a:fld id="{4DB15F1F-3A52-4466-930D-EC64CCABE4AA}" type="slidenum">
+            <a:fld id="{18687929-216F-403A-9497-86558E853945}" type="slidenum">
               <a:t>&lt;#&gt;</a:t>
             </a:fld>
           </a:p>
@@ -675,7 +679,7 @@
             <a:spLocks noGrp="1"/>
           </p:cNvSpPr>
           <p:nvPr>
-            <p:ph type="dt" idx="10"/>
+            <p:ph type="dt" idx="12"/>
           </p:nvPr>
         </p:nvSpPr>
         <p:spPr/>
@@ -718,7 +722,7 @@
             <a:spLocks noGrp="1"/>
           </p:cNvSpPr>
           <p:nvPr>
-            <p:ph type="ftr" idx="14"/>
+            <p:ph type="ftr" idx="13"/>
           </p:nvPr>
         </p:nvSpPr>
         <p:spPr/>
@@ -738,14 +742,14 @@
             <a:spLocks noGrp="1"/>
           </p:cNvSpPr>
           <p:nvPr>
-            <p:ph type="sldNum" idx="15"/>
+            <p:ph type="sldNum" idx="14"/>
           </p:nvPr>
         </p:nvSpPr>
         <p:spPr/>
         <p:txBody>
           <a:bodyPr/>
           <a:p>
-            <a:fld id="{6632DD27-477C-4BFD-9425-7442005AE7EE}" type="slidenum">
+            <a:fld id="{90092A49-5B60-466B-B2E1-0A3FFE86665A}" type="slidenum">
               <a:t>&lt;#&gt;</a:t>
             </a:fld>
           </a:p>
@@ -758,7 +762,7 @@
             <a:spLocks noGrp="1"/>
           </p:cNvSpPr>
           <p:nvPr>
-            <p:ph type="dt" idx="13"/>
+            <p:ph type="dt" idx="15"/>
           </p:nvPr>
         </p:nvSpPr>
         <p:spPr/>
@@ -796,7 +800,7 @@
       </p:grpSpPr>
       <p:sp>
         <p:nvSpPr>
-          <p:cNvPr id="35" name="PlaceHolder 1"/>
+          <p:cNvPr id="29" name="PlaceHolder 1"/>
           <p:cNvSpPr>
             <a:spLocks noGrp="1"/>
           </p:cNvSpPr>
@@ -807,7 +811,7 @@
         <p:spPr>
           <a:xfrm>
             <a:off x="1523880" y="1122480"/>
-            <a:ext cx="9143640" cy="2387160"/>
+            <a:ext cx="9143280" cy="2386800"/>
           </a:xfrm>
           <a:prstGeom prst="rect">
             <a:avLst/>
@@ -822,21 +826,21 @@
             <a:noAutofit/>
           </a:bodyPr>
           <a:p>
-            <a:pPr indent="0">
+            <a:pPr indent="0" algn="ctr">
               <a:buNone/>
             </a:pPr>
-            <a:endParaRPr b="0" lang="en-EG" sz="1800" spc="-1" strike="noStrike">
-              <a:solidFill>
-                <a:schemeClr val="dk1"/>
-              </a:solidFill>
-              <a:latin typeface="Calibri"/>
-            </a:endParaRPr>
-          </a:p>
-        </p:txBody>
-      </p:sp>
-      <p:sp>
-        <p:nvSpPr>
-          <p:cNvPr id="36" name="PlaceHolder 2"/>
+            <a:endParaRPr b="0" lang="en-US" sz="4400" spc="-1" strike="noStrike">
+              <a:solidFill>
+                <a:srgbClr val="000000"/>
+              </a:solidFill>
+              <a:latin typeface="Arial"/>
+            </a:endParaRPr>
+          </a:p>
+        </p:txBody>
+      </p:sp>
+      <p:sp>
+        <p:nvSpPr>
+          <p:cNvPr id="30" name="PlaceHolder 2"/>
           <p:cNvSpPr>
             <a:spLocks noGrp="1"/>
           </p:cNvSpPr>
@@ -863,26 +867,23 @@
           </a:bodyPr>
           <a:p>
             <a:pPr indent="0">
-              <a:lnSpc>
-                <a:spcPct val="90000"/>
-              </a:lnSpc>
               <a:spcBef>
                 <a:spcPts val="1417"/>
               </a:spcBef>
               <a:buNone/>
             </a:pPr>
-            <a:endParaRPr b="0" lang="en-EG" sz="2800" spc="-1" strike="noStrike">
-              <a:solidFill>
-                <a:schemeClr val="dk1"/>
-              </a:solidFill>
-              <a:latin typeface="Calibri"/>
-            </a:endParaRPr>
-          </a:p>
-        </p:txBody>
-      </p:sp>
-      <p:sp>
-        <p:nvSpPr>
-          <p:cNvPr id="37" name="PlaceHolder 3"/>
+            <a:endParaRPr b="0" lang="en-US" sz="3200" spc="-1" strike="noStrike">
+              <a:solidFill>
+                <a:srgbClr val="000000"/>
+              </a:solidFill>
+              <a:latin typeface="Arial"/>
+            </a:endParaRPr>
+          </a:p>
+        </p:txBody>
+      </p:sp>
+      <p:sp>
+        <p:nvSpPr>
+          <p:cNvPr id="31" name="PlaceHolder 3"/>
           <p:cNvSpPr>
             <a:spLocks noGrp="1"/>
           </p:cNvSpPr>
@@ -909,19 +910,16 @@
           </a:bodyPr>
           <a:p>
             <a:pPr indent="0">
-              <a:lnSpc>
-                <a:spcPct val="90000"/>
-              </a:lnSpc>
               <a:spcBef>
                 <a:spcPts val="1417"/>
               </a:spcBef>
               <a:buNone/>
             </a:pPr>
-            <a:endParaRPr b="0" lang="en-EG" sz="2800" spc="-1" strike="noStrike">
-              <a:solidFill>
-                <a:schemeClr val="dk1"/>
-              </a:solidFill>
-              <a:latin typeface="Calibri"/>
+            <a:endParaRPr b="0" lang="en-US" sz="3200" spc="-1" strike="noStrike">
+              <a:solidFill>
+                <a:srgbClr val="000000"/>
+              </a:solidFill>
+              <a:latin typeface="Arial"/>
             </a:endParaRPr>
           </a:p>
         </p:txBody>
@@ -933,7 +931,7 @@
             <a:spLocks noGrp="1"/>
           </p:cNvSpPr>
           <p:nvPr>
-            <p:ph type="ftr" idx="17"/>
+            <p:ph type="ftr" idx="16"/>
           </p:nvPr>
         </p:nvSpPr>
         <p:spPr/>
@@ -953,14 +951,14 @@
             <a:spLocks noGrp="1"/>
           </p:cNvSpPr>
           <p:nvPr>
-            <p:ph type="sldNum" idx="18"/>
+            <p:ph type="sldNum" idx="17"/>
           </p:nvPr>
         </p:nvSpPr>
         <p:spPr/>
         <p:txBody>
           <a:bodyPr/>
           <a:p>
-            <a:fld id="{34185902-E0F4-4696-B19B-1187FBBC876E}" type="slidenum">
+            <a:fld id="{F02C13F5-FB38-45E6-9347-FCAA4F4F618A}" type="slidenum">
               <a:t>&lt;#&gt;</a:t>
             </a:fld>
           </a:p>
@@ -973,7 +971,7 @@
             <a:spLocks noGrp="1"/>
           </p:cNvSpPr>
           <p:nvPr>
-            <p:ph type="dt" idx="16"/>
+            <p:ph type="dt" idx="18"/>
           </p:nvPr>
         </p:nvSpPr>
         <p:spPr/>
@@ -1016,7 +1014,7 @@
             <a:spLocks noGrp="1"/>
           </p:cNvSpPr>
           <p:nvPr>
-            <p:ph type="ftr" idx="20"/>
+            <p:ph type="ftr" idx="19"/>
           </p:nvPr>
         </p:nvSpPr>
         <p:spPr/>
@@ -1036,14 +1034,14 @@
             <a:spLocks noGrp="1"/>
           </p:cNvSpPr>
           <p:nvPr>
-            <p:ph type="sldNum" idx="21"/>
+            <p:ph type="sldNum" idx="20"/>
           </p:nvPr>
         </p:nvSpPr>
         <p:spPr/>
         <p:txBody>
           <a:bodyPr/>
           <a:p>
-            <a:fld id="{84C0ABAB-F021-43AC-A670-1EC43B166DF7}" type="slidenum">
+            <a:fld id="{70F7043B-8B51-41FA-8D84-B1CB6F7CF2FC}" type="slidenum">
               <a:t>&lt;#&gt;</a:t>
             </a:fld>
           </a:p>
@@ -1056,7 +1054,7 @@
             <a:spLocks noGrp="1"/>
           </p:cNvSpPr>
           <p:nvPr>
-            <p:ph type="dt" idx="19"/>
+            <p:ph type="dt" idx="21"/>
           </p:nvPr>
         </p:nvSpPr>
         <p:spPr/>
@@ -1094,7 +1092,7 @@
       </p:grpSpPr>
       <p:sp>
         <p:nvSpPr>
-          <p:cNvPr id="50" name="PlaceHolder 1"/>
+          <p:cNvPr id="39" name="PlaceHolder 1"/>
           <p:cNvSpPr>
             <a:spLocks noGrp="1"/>
           </p:cNvSpPr>
@@ -1105,7 +1103,7 @@
         <p:spPr>
           <a:xfrm>
             <a:off x="1523880" y="1122480"/>
-            <a:ext cx="9143640" cy="2387160"/>
+            <a:ext cx="9143280" cy="2386800"/>
           </a:xfrm>
           <a:prstGeom prst="rect">
             <a:avLst/>
@@ -1120,14 +1118,14 @@
             <a:noAutofit/>
           </a:bodyPr>
           <a:p>
-            <a:pPr indent="0">
+            <a:pPr indent="0" algn="ctr">
               <a:buNone/>
             </a:pPr>
-            <a:endParaRPr b="0" lang="en-EG" sz="1800" spc="-1" strike="noStrike">
-              <a:solidFill>
-                <a:schemeClr val="dk1"/>
-              </a:solidFill>
-              <a:latin typeface="Calibri"/>
+            <a:endParaRPr b="0" lang="en-US" sz="4400" spc="-1" strike="noStrike">
+              <a:solidFill>
+                <a:srgbClr val="000000"/>
+              </a:solidFill>
+              <a:latin typeface="Arial"/>
             </a:endParaRPr>
           </a:p>
         </p:txBody>
@@ -1139,7 +1137,7 @@
             <a:spLocks noGrp="1"/>
           </p:cNvSpPr>
           <p:nvPr>
-            <p:ph type="ftr" idx="23"/>
+            <p:ph type="ftr" idx="22"/>
           </p:nvPr>
         </p:nvSpPr>
         <p:spPr/>
@@ -1159,14 +1157,14 @@
             <a:spLocks noGrp="1"/>
           </p:cNvSpPr>
           <p:nvPr>
-            <p:ph type="sldNum" idx="24"/>
+            <p:ph type="sldNum" idx="23"/>
           </p:nvPr>
         </p:nvSpPr>
         <p:spPr/>
         <p:txBody>
           <a:bodyPr/>
           <a:p>
-            <a:fld id="{5F1184CA-B2D7-40BF-9365-56FC1A268D91}" type="slidenum">
+            <a:fld id="{9F594C05-8749-4DEE-BDB1-6F05CB315D07}" type="slidenum">
               <a:t>&lt;#&gt;</a:t>
             </a:fld>
           </a:p>
@@ -1179,7 +1177,7 @@
             <a:spLocks noGrp="1"/>
           </p:cNvSpPr>
           <p:nvPr>
-            <p:ph type="dt" idx="22"/>
+            <p:ph type="dt" idx="24"/>
           </p:nvPr>
         </p:nvSpPr>
         <p:spPr/>
@@ -1222,7 +1220,7 @@
             <a:spLocks noGrp="1"/>
           </p:cNvSpPr>
           <p:nvPr>
-            <p:ph type="ftr" idx="26"/>
+            <p:ph type="ftr" idx="25"/>
           </p:nvPr>
         </p:nvSpPr>
         <p:spPr/>
@@ -1242,14 +1240,14 @@
             <a:spLocks noGrp="1"/>
           </p:cNvSpPr>
           <p:nvPr>
-            <p:ph type="sldNum" idx="27"/>
+            <p:ph type="sldNum" idx="26"/>
           </p:nvPr>
         </p:nvSpPr>
         <p:spPr/>
         <p:txBody>
           <a:bodyPr/>
           <a:p>
-            <a:fld id="{FBB52DC9-5FF2-4509-A7A2-099384911A93}" type="slidenum">
+            <a:fld id="{8C36E0C2-6AF7-45CE-A240-FA756EFD83BC}" type="slidenum">
               <a:t>&lt;#&gt;</a:t>
             </a:fld>
           </a:p>
@@ -1262,7 +1260,7 @@
             <a:spLocks noGrp="1"/>
           </p:cNvSpPr>
           <p:nvPr>
-            <p:ph type="dt" idx="25"/>
+            <p:ph type="dt" idx="27"/>
           </p:nvPr>
         </p:nvSpPr>
         <p:spPr/>
@@ -1318,7 +1316,7 @@
         <p:spPr>
           <a:xfrm>
             <a:off x="1523880" y="1122480"/>
-            <a:ext cx="9143640" cy="2387160"/>
+            <a:ext cx="9143280" cy="2386800"/>
           </a:xfrm>
           <a:prstGeom prst="rect">
             <a:avLst/>
@@ -1329,48 +1327,27 @@
           </a:ln>
         </p:spPr>
         <p:txBody>
-          <a:bodyPr lIns="91440" rIns="91440" tIns="45720" bIns="45720" anchor="b">
+          <a:bodyPr lIns="0" rIns="0" tIns="0" bIns="0" anchor="ctr">
             <a:noAutofit/>
           </a:bodyPr>
           <a:p>
-            <a:pPr indent="0" algn="ctr" defTabSz="914400">
-              <a:lnSpc>
-                <a:spcPct val="90000"/>
-              </a:lnSpc>
+            <a:pPr indent="0">
               <a:buNone/>
             </a:pPr>
             <a:r>
-              <a:rPr b="0" lang="en-US" sz="6000" spc="-1" strike="noStrike">
-                <a:solidFill>
-                  <a:schemeClr val="dk1"/>
-                </a:solidFill>
-                <a:latin typeface="Calibri Light"/>
-              </a:rPr>
-              <a:t>Click to edit </a:t>
-            </a:r>
-            <a:r>
-              <a:rPr b="0" lang="en-US" sz="6000" spc="-1" strike="noStrike">
-                <a:solidFill>
-                  <a:schemeClr val="dk1"/>
-                </a:solidFill>
-                <a:latin typeface="Calibri Light"/>
-              </a:rPr>
-              <a:t>Master title </a:t>
-            </a:r>
-            <a:r>
-              <a:rPr b="0" lang="en-US" sz="6000" spc="-1" strike="noStrike">
-                <a:solidFill>
-                  <a:schemeClr val="dk1"/>
-                </a:solidFill>
-                <a:latin typeface="Calibri Light"/>
-              </a:rPr>
-              <a:t>style</a:t>
-            </a:r>
-            <a:endParaRPr b="0" lang="en-EG" sz="6000" spc="-1" strike="noStrike">
-              <a:solidFill>
-                <a:schemeClr val="dk1"/>
-              </a:solidFill>
-              <a:latin typeface="Calibri"/>
+              <a:rPr b="0" lang="en-US" sz="1800" spc="-1" strike="noStrike">
+                <a:solidFill>
+                  <a:srgbClr val="000000"/>
+                </a:solidFill>
+                <a:latin typeface="Arial"/>
+              </a:rPr>
+              <a:t>Click to edit the title text format</a:t>
+            </a:r>
+            <a:endParaRPr b="0" lang="en-US" sz="1800" spc="-1" strike="noStrike">
+              <a:solidFill>
+                <a:srgbClr val="000000"/>
+              </a:solidFill>
+              <a:latin typeface="Arial"/>
             </a:endParaRPr>
           </a:p>
         </p:txBody>
@@ -1382,13 +1359,13 @@
             <a:spLocks noGrp="1"/>
           </p:cNvSpPr>
           <p:nvPr>
-            <p:ph type="dt" idx="1"/>
+            <p:ph type="ftr" idx="1"/>
           </p:nvPr>
         </p:nvSpPr>
         <p:spPr>
           <a:xfrm>
-            <a:off x="838080" y="6356520"/>
-            <a:ext cx="2742840" cy="364680"/>
+            <a:off x="4038480" y="6356520"/>
+            <a:ext cx="4114080" cy="364320"/>
           </a:xfrm>
           <a:prstGeom prst="rect">
             <a:avLst/>
@@ -1403,40 +1380,42 @@
             <a:noAutofit/>
           </a:bodyPr>
           <a:lstStyle>
-            <a:lvl1pPr indent="0" defTabSz="914400">
+            <a:lvl1pPr indent="0" algn="ctr">
               <a:lnSpc>
                 <a:spcPct val="100000"/>
               </a:lnSpc>
               <a:buNone/>
-              <a:defRPr b="0" lang="en-EG" sz="1200" spc="-1" strike="noStrike">
-                <a:solidFill>
-                  <a:schemeClr val="dk1">
-                    <a:tint val="75000"/>
-                  </a:schemeClr>
-                </a:solidFill>
-                <a:latin typeface="Calibri"/>
+              <a:tabLst>
+                <a:tab algn="l" pos="0"/>
+              </a:tabLst>
+              <a:defRPr b="0" lang="en-US" sz="1400" spc="-1" strike="noStrike">
+                <a:solidFill>
+                  <a:srgbClr val="000000"/>
+                </a:solidFill>
+                <a:latin typeface="Times New Roman"/>
               </a:defRPr>
             </a:lvl1pPr>
           </a:lstStyle>
           <a:p>
-            <a:pPr indent="0" defTabSz="914400">
+            <a:pPr indent="0" algn="ctr">
               <a:lnSpc>
                 <a:spcPct val="100000"/>
               </a:lnSpc>
               <a:buNone/>
-            </a:pPr>
-            <a:r>
-              <a:rPr b="0" lang="en-EG" sz="1200" spc="-1" strike="noStrike">
-                <a:solidFill>
-                  <a:schemeClr val="dk1">
-                    <a:tint val="75000"/>
-                  </a:schemeClr>
-                </a:solidFill>
-                <a:latin typeface="Calibri"/>
-              </a:rPr>
-              <a:t>&lt;date/time&gt;</a:t>
-            </a:r>
-            <a:endParaRPr b="0" lang="en-US" sz="1200" spc="-1" strike="noStrike">
+              <a:tabLst>
+                <a:tab algn="l" pos="0"/>
+              </a:tabLst>
+            </a:pPr>
+            <a:r>
+              <a:rPr b="0" lang="en-US" sz="1400" spc="-1" strike="noStrike">
+                <a:solidFill>
+                  <a:srgbClr val="000000"/>
+                </a:solidFill>
+                <a:latin typeface="Times New Roman"/>
+              </a:rPr>
+              <a:t>&lt;footer&gt;</a:t>
+            </a:r>
+            <a:endParaRPr b="0" lang="en-US" sz="1400" spc="-1" strike="noStrike">
               <a:solidFill>
                 <a:srgbClr val="000000"/>
               </a:solidFill>
@@ -1452,13 +1431,13 @@
             <a:spLocks noGrp="1"/>
           </p:cNvSpPr>
           <p:nvPr>
-            <p:ph type="ftr" idx="2"/>
+            <p:ph type="sldNum" idx="2"/>
           </p:nvPr>
         </p:nvSpPr>
         <p:spPr>
           <a:xfrm>
-            <a:off x="4038480" y="6356520"/>
-            <a:ext cx="4114440" cy="364680"/>
+            <a:off x="8610480" y="6356520"/>
+            <a:ext cx="2742480" cy="364320"/>
           </a:xfrm>
           <a:prstGeom prst="rect">
             <a:avLst/>
@@ -1473,30 +1452,46 @@
             <a:noAutofit/>
           </a:bodyPr>
           <a:lstStyle>
-            <a:lvl1pPr indent="0" algn="ctr">
+            <a:lvl1pPr indent="0" algn="r" defTabSz="914400">
+              <a:lnSpc>
+                <a:spcPct val="100000"/>
+              </a:lnSpc>
               <a:buNone/>
-              <a:defRPr b="0" lang="en-US" sz="1400" spc="-1" strike="noStrike">
-                <a:solidFill>
-                  <a:srgbClr val="000000"/>
-                </a:solidFill>
-                <a:latin typeface="Times New Roman"/>
+              <a:tabLst>
+                <a:tab algn="l" pos="0"/>
+              </a:tabLst>
+              <a:defRPr b="0" lang="en-EG" sz="1200" spc="-1" strike="noStrike">
+                <a:solidFill>
+                  <a:schemeClr val="dk1">
+                    <a:tint val="75000"/>
+                  </a:schemeClr>
+                </a:solidFill>
+                <a:latin typeface="Calibri"/>
               </a:defRPr>
             </a:lvl1pPr>
           </a:lstStyle>
           <a:p>
-            <a:pPr indent="0" algn="ctr">
+            <a:pPr indent="0" algn="r" defTabSz="914400">
+              <a:lnSpc>
+                <a:spcPct val="100000"/>
+              </a:lnSpc>
               <a:buNone/>
-            </a:pPr>
-            <a:r>
-              <a:rPr b="0" lang="en-US" sz="1400" spc="-1" strike="noStrike">
-                <a:solidFill>
-                  <a:srgbClr val="000000"/>
-                </a:solidFill>
-                <a:latin typeface="Times New Roman"/>
-              </a:rPr>
-              <a:t>&lt;footer&gt;</a:t>
-            </a:r>
-            <a:endParaRPr b="0" lang="en-US" sz="1400" spc="-1" strike="noStrike">
+              <a:tabLst>
+                <a:tab algn="l" pos="0"/>
+              </a:tabLst>
+            </a:pPr>
+            <a:fld id="{A748C1EB-768C-4BF7-B8FF-4278AD8F3026}" type="slidenum">
+              <a:rPr b="0" lang="en-EG" sz="1200" spc="-1" strike="noStrike">
+                <a:solidFill>
+                  <a:schemeClr val="dk1">
+                    <a:tint val="75000"/>
+                  </a:schemeClr>
+                </a:solidFill>
+                <a:latin typeface="Calibri"/>
+              </a:rPr>
+              <a:t>&lt;number&gt;</a:t>
+            </a:fld>
+            <a:endParaRPr b="0" lang="en-US" sz="1200" spc="-1" strike="noStrike">
               <a:solidFill>
                 <a:srgbClr val="000000"/>
               </a:solidFill>
@@ -1512,13 +1507,13 @@
             <a:spLocks noGrp="1"/>
           </p:cNvSpPr>
           <p:nvPr>
-            <p:ph type="sldNum" idx="3"/>
+            <p:ph type="dt" idx="3"/>
           </p:nvPr>
         </p:nvSpPr>
         <p:spPr>
           <a:xfrm>
-            <a:off x="8610480" y="6356520"/>
-            <a:ext cx="2742840" cy="364680"/>
+            <a:off x="838080" y="6356520"/>
+            <a:ext cx="2742480" cy="364320"/>
           </a:xfrm>
           <a:prstGeom prst="rect">
             <a:avLst/>
@@ -1533,40 +1528,30 @@
             <a:noAutofit/>
           </a:bodyPr>
           <a:lstStyle>
-            <a:lvl1pPr indent="0" algn="r" defTabSz="914400">
-              <a:lnSpc>
-                <a:spcPct val="100000"/>
-              </a:lnSpc>
+            <a:lvl1pPr indent="0">
               <a:buNone/>
-              <a:defRPr b="0" lang="en-EG" sz="1200" spc="-1" strike="noStrike">
-                <a:solidFill>
-                  <a:schemeClr val="dk1">
-                    <a:tint val="75000"/>
-                  </a:schemeClr>
-                </a:solidFill>
-                <a:latin typeface="Calibri"/>
+              <a:defRPr b="0" lang="en-US" sz="1400" spc="-1" strike="noStrike">
+                <a:solidFill>
+                  <a:srgbClr val="000000"/>
+                </a:solidFill>
+                <a:latin typeface="Times New Roman"/>
               </a:defRPr>
             </a:lvl1pPr>
           </a:lstStyle>
           <a:p>
-            <a:pPr indent="0" algn="r" defTabSz="914400">
-              <a:lnSpc>
-                <a:spcPct val="100000"/>
-              </a:lnSpc>
+            <a:pPr indent="0">
               <a:buNone/>
             </a:pPr>
-            <a:fld id="{71D5E4C1-5569-4789-A9BD-2CF7D078E1E9}" type="slidenum">
-              <a:rPr b="0" lang="en-EG" sz="1200" spc="-1" strike="noStrike">
-                <a:solidFill>
-                  <a:schemeClr val="dk1">
-                    <a:tint val="75000"/>
-                  </a:schemeClr>
-                </a:solidFill>
-                <a:latin typeface="Calibri"/>
-              </a:rPr>
-              <a:t>&lt;number&gt;</a:t>
-            </a:fld>
-            <a:endParaRPr b="0" lang="en-US" sz="1200" spc="-1" strike="noStrike">
+            <a:r>
+              <a:rPr b="0" lang="en-US" sz="1400" spc="-1" strike="noStrike">
+                <a:solidFill>
+                  <a:srgbClr val="000000"/>
+                </a:solidFill>
+                <a:latin typeface="Times New Roman"/>
+              </a:rPr>
+              <a:t>&lt;date/time&gt;</a:t>
+            </a:r>
+            <a:endParaRPr b="0" lang="en-US" sz="1400" spc="-1" strike="noStrike">
               <a:solidFill>
                 <a:srgbClr val="000000"/>
               </a:solidFill>
@@ -1604,9 +1589,6 @@
           </a:bodyPr>
           <a:p>
             <a:pPr marL="432000" indent="-324000">
-              <a:lnSpc>
-                <a:spcPct val="90000"/>
-              </a:lnSpc>
               <a:spcBef>
                 <a:spcPts val="1417"/>
               </a:spcBef>
@@ -1618,26 +1600,23 @@
               <a:buChar char=""/>
             </a:pPr>
             <a:r>
-              <a:rPr b="0" lang="en-EG" sz="2800" spc="-1" strike="noStrike">
-                <a:solidFill>
-                  <a:schemeClr val="dk1"/>
-                </a:solidFill>
-                <a:latin typeface="Calibri"/>
+              <a:rPr b="0" lang="en-US" sz="3200" spc="-1" strike="noStrike">
+                <a:solidFill>
+                  <a:srgbClr val="000000"/>
+                </a:solidFill>
+                <a:latin typeface="Arial"/>
               </a:rPr>
               <a:t>Click to edit the outline text format</a:t>
             </a:r>
-            <a:endParaRPr b="0" lang="en-EG" sz="2800" spc="-1" strike="noStrike">
-              <a:solidFill>
-                <a:schemeClr val="dk1"/>
-              </a:solidFill>
-              <a:latin typeface="Calibri"/>
+            <a:endParaRPr b="0" lang="en-US" sz="3200" spc="-1" strike="noStrike">
+              <a:solidFill>
+                <a:srgbClr val="000000"/>
+              </a:solidFill>
+              <a:latin typeface="Arial"/>
             </a:endParaRPr>
           </a:p>
           <a:p>
             <a:pPr lvl="1" marL="864000" indent="-324000">
-              <a:lnSpc>
-                <a:spcPct val="90000"/>
-              </a:lnSpc>
               <a:spcBef>
                 <a:spcPts val="1134"/>
               </a:spcBef>
@@ -1649,26 +1628,23 @@
               <a:buChar char=""/>
             </a:pPr>
             <a:r>
-              <a:rPr b="0" lang="en-EG" sz="2000" spc="-1" strike="noStrike">
-                <a:solidFill>
-                  <a:schemeClr val="dk1"/>
-                </a:solidFill>
-                <a:latin typeface="Calibri"/>
+              <a:rPr b="0" lang="en-US" sz="2800" spc="-1" strike="noStrike">
+                <a:solidFill>
+                  <a:srgbClr val="000000"/>
+                </a:solidFill>
+                <a:latin typeface="Arial"/>
               </a:rPr>
               <a:t>Second Outline Level</a:t>
             </a:r>
-            <a:endParaRPr b="0" lang="en-EG" sz="2000" spc="-1" strike="noStrike">
-              <a:solidFill>
-                <a:schemeClr val="dk1"/>
-              </a:solidFill>
-              <a:latin typeface="Calibri"/>
+            <a:endParaRPr b="0" lang="en-US" sz="2800" spc="-1" strike="noStrike">
+              <a:solidFill>
+                <a:srgbClr val="000000"/>
+              </a:solidFill>
+              <a:latin typeface="Arial"/>
             </a:endParaRPr>
           </a:p>
           <a:p>
             <a:pPr lvl="2" marL="1296000" indent="-288000">
-              <a:lnSpc>
-                <a:spcPct val="90000"/>
-              </a:lnSpc>
               <a:spcBef>
                 <a:spcPts val="850"/>
               </a:spcBef>
@@ -1680,26 +1656,23 @@
               <a:buChar char=""/>
             </a:pPr>
             <a:r>
-              <a:rPr b="0" lang="en-EG" sz="1800" spc="-1" strike="noStrike">
-                <a:solidFill>
-                  <a:schemeClr val="dk1"/>
-                </a:solidFill>
-                <a:latin typeface="Calibri"/>
+              <a:rPr b="0" lang="en-US" sz="2400" spc="-1" strike="noStrike">
+                <a:solidFill>
+                  <a:srgbClr val="000000"/>
+                </a:solidFill>
+                <a:latin typeface="Arial"/>
               </a:rPr>
               <a:t>Third Outline Level</a:t>
             </a:r>
-            <a:endParaRPr b="0" lang="en-EG" sz="1800" spc="-1" strike="noStrike">
-              <a:solidFill>
-                <a:schemeClr val="dk1"/>
-              </a:solidFill>
-              <a:latin typeface="Calibri"/>
+            <a:endParaRPr b="0" lang="en-US" sz="2400" spc="-1" strike="noStrike">
+              <a:solidFill>
+                <a:srgbClr val="000000"/>
+              </a:solidFill>
+              <a:latin typeface="Arial"/>
             </a:endParaRPr>
           </a:p>
           <a:p>
             <a:pPr lvl="3" marL="1728000" indent="-216000">
-              <a:lnSpc>
-                <a:spcPct val="90000"/>
-              </a:lnSpc>
               <a:spcBef>
                 <a:spcPts val="567"/>
               </a:spcBef>
@@ -1711,26 +1684,23 @@
               <a:buChar char=""/>
             </a:pPr>
             <a:r>
-              <a:rPr b="0" lang="en-EG" sz="1800" spc="-1" strike="noStrike">
-                <a:solidFill>
-                  <a:schemeClr val="dk1"/>
-                </a:solidFill>
-                <a:latin typeface="Calibri"/>
+              <a:rPr b="0" lang="en-US" sz="2000" spc="-1" strike="noStrike">
+                <a:solidFill>
+                  <a:srgbClr val="000000"/>
+                </a:solidFill>
+                <a:latin typeface="Arial"/>
               </a:rPr>
               <a:t>Fourth Outline Level</a:t>
             </a:r>
-            <a:endParaRPr b="0" lang="en-EG" sz="1800" spc="-1" strike="noStrike">
-              <a:solidFill>
-                <a:schemeClr val="dk1"/>
-              </a:solidFill>
-              <a:latin typeface="Calibri"/>
+            <a:endParaRPr b="0" lang="en-US" sz="2000" spc="-1" strike="noStrike">
+              <a:solidFill>
+                <a:srgbClr val="000000"/>
+              </a:solidFill>
+              <a:latin typeface="Arial"/>
             </a:endParaRPr>
           </a:p>
           <a:p>
             <a:pPr lvl="4" marL="2160000" indent="-216000">
-              <a:lnSpc>
-                <a:spcPct val="90000"/>
-              </a:lnSpc>
               <a:spcBef>
                 <a:spcPts val="283"/>
               </a:spcBef>
@@ -1742,26 +1712,23 @@
               <a:buChar char=""/>
             </a:pPr>
             <a:r>
-              <a:rPr b="0" lang="en-EG" sz="2000" spc="-1" strike="noStrike">
-                <a:solidFill>
-                  <a:schemeClr val="dk1"/>
-                </a:solidFill>
-                <a:latin typeface="Calibri"/>
+              <a:rPr b="0" lang="en-US" sz="2000" spc="-1" strike="noStrike">
+                <a:solidFill>
+                  <a:srgbClr val="000000"/>
+                </a:solidFill>
+                <a:latin typeface="Arial"/>
               </a:rPr>
               <a:t>Fifth Outline Level</a:t>
             </a:r>
-            <a:endParaRPr b="0" lang="en-EG" sz="2000" spc="-1" strike="noStrike">
-              <a:solidFill>
-                <a:schemeClr val="dk1"/>
-              </a:solidFill>
-              <a:latin typeface="Calibri"/>
+            <a:endParaRPr b="0" lang="en-US" sz="2000" spc="-1" strike="noStrike">
+              <a:solidFill>
+                <a:srgbClr val="000000"/>
+              </a:solidFill>
+              <a:latin typeface="Arial"/>
             </a:endParaRPr>
           </a:p>
           <a:p>
             <a:pPr lvl="5" marL="2592000" indent="-216000">
-              <a:lnSpc>
-                <a:spcPct val="90000"/>
-              </a:lnSpc>
               <a:spcBef>
                 <a:spcPts val="283"/>
               </a:spcBef>
@@ -1773,26 +1740,23 @@
               <a:buChar char=""/>
             </a:pPr>
             <a:r>
-              <a:rPr b="0" lang="en-EG" sz="2000" spc="-1" strike="noStrike">
-                <a:solidFill>
-                  <a:schemeClr val="dk1"/>
-                </a:solidFill>
-                <a:latin typeface="Calibri"/>
+              <a:rPr b="0" lang="en-US" sz="2000" spc="-1" strike="noStrike">
+                <a:solidFill>
+                  <a:srgbClr val="000000"/>
+                </a:solidFill>
+                <a:latin typeface="Arial"/>
               </a:rPr>
               <a:t>Sixth Outline Level</a:t>
             </a:r>
-            <a:endParaRPr b="0" lang="en-EG" sz="2000" spc="-1" strike="noStrike">
-              <a:solidFill>
-                <a:schemeClr val="dk1"/>
-              </a:solidFill>
-              <a:latin typeface="Calibri"/>
+            <a:endParaRPr b="0" lang="en-US" sz="2000" spc="-1" strike="noStrike">
+              <a:solidFill>
+                <a:srgbClr val="000000"/>
+              </a:solidFill>
+              <a:latin typeface="Arial"/>
             </a:endParaRPr>
           </a:p>
           <a:p>
             <a:pPr lvl="6" marL="3024000" indent="-216000">
-              <a:lnSpc>
-                <a:spcPct val="90000"/>
-              </a:lnSpc>
               <a:spcBef>
                 <a:spcPts val="283"/>
               </a:spcBef>
@@ -1804,19 +1768,19 @@
               <a:buChar char=""/>
             </a:pPr>
             <a:r>
-              <a:rPr b="0" lang="en-EG" sz="2000" spc="-1" strike="noStrike">
-                <a:solidFill>
-                  <a:schemeClr val="dk1"/>
-                </a:solidFill>
-                <a:latin typeface="Calibri"/>
+              <a:rPr b="0" lang="en-US" sz="2000" spc="-1" strike="noStrike">
+                <a:solidFill>
+                  <a:srgbClr val="000000"/>
+                </a:solidFill>
+                <a:latin typeface="Arial"/>
               </a:rPr>
               <a:t>Seventh Outline Level</a:t>
             </a:r>
-            <a:endParaRPr b="0" lang="en-EG" sz="2000" spc="-1" strike="noStrike">
-              <a:solidFill>
-                <a:schemeClr val="dk1"/>
-              </a:solidFill>
-              <a:latin typeface="Calibri"/>
+            <a:endParaRPr b="0" lang="en-US" sz="2000" spc="-1" strike="noStrike">
+              <a:solidFill>
+                <a:srgbClr val="000000"/>
+              </a:solidFill>
+              <a:latin typeface="Arial"/>
             </a:endParaRPr>
           </a:p>
         </p:txBody>
@@ -1856,18 +1820,18 @@
       </p:grpSpPr>
       <p:sp>
         <p:nvSpPr>
-          <p:cNvPr id="54" name="PlaceHolder 1"/>
+          <p:cNvPr id="43" name="PlaceHolder 1"/>
           <p:cNvSpPr>
             <a:spLocks noGrp="1"/>
           </p:cNvSpPr>
           <p:nvPr>
-            <p:ph type="title"/>
+            <p:ph type="ftr" idx="28"/>
           </p:nvPr>
         </p:nvSpPr>
         <p:spPr>
           <a:xfrm>
-            <a:off x="839880" y="457200"/>
-            <a:ext cx="3931920" cy="1599840"/>
+            <a:off x="4038480" y="6356520"/>
+            <a:ext cx="4114080" cy="364320"/>
           </a:xfrm>
           <a:prstGeom prst="rect">
             <a:avLst/>
@@ -1878,48 +1842,68 @@
           </a:ln>
         </p:spPr>
         <p:txBody>
-          <a:bodyPr lIns="91440" rIns="91440" tIns="45720" bIns="45720" anchor="b">
+          <a:bodyPr lIns="91440" rIns="91440" tIns="45720" bIns="45720" anchor="ctr">
             <a:noAutofit/>
           </a:bodyPr>
-          <a:p>
-            <a:pPr indent="0" defTabSz="914400">
+          <a:lstStyle>
+            <a:lvl1pPr indent="0" algn="ctr">
               <a:lnSpc>
-                <a:spcPct val="90000"/>
+                <a:spcPct val="100000"/>
               </a:lnSpc>
               <a:buNone/>
-            </a:pPr>
-            <a:r>
-              <a:rPr b="0" lang="en-US" sz="3200" spc="-1" strike="noStrike">
-                <a:solidFill>
-                  <a:schemeClr val="dk1"/>
-                </a:solidFill>
-                <a:latin typeface="Calibri Light"/>
-              </a:rPr>
-              <a:t>Click to edit Master title style</a:t>
-            </a:r>
-            <a:endParaRPr b="0" lang="en-EG" sz="3200" spc="-1" strike="noStrike">
-              <a:solidFill>
-                <a:schemeClr val="dk1"/>
-              </a:solidFill>
-              <a:latin typeface="Calibri"/>
-            </a:endParaRPr>
-          </a:p>
-        </p:txBody>
-      </p:sp>
-      <p:sp>
-        <p:nvSpPr>
-          <p:cNvPr id="55" name="PlaceHolder 2"/>
+              <a:tabLst>
+                <a:tab algn="l" pos="0"/>
+              </a:tabLst>
+              <a:defRPr b="0" lang="en-US" sz="1400" spc="-1" strike="noStrike">
+                <a:solidFill>
+                  <a:srgbClr val="000000"/>
+                </a:solidFill>
+                <a:latin typeface="Times New Roman"/>
+              </a:defRPr>
+            </a:lvl1pPr>
+          </a:lstStyle>
+          <a:p>
+            <a:pPr indent="0" algn="ctr">
+              <a:lnSpc>
+                <a:spcPct val="100000"/>
+              </a:lnSpc>
+              <a:buNone/>
+              <a:tabLst>
+                <a:tab algn="l" pos="0"/>
+              </a:tabLst>
+            </a:pPr>
+            <a:r>
+              <a:rPr b="0" lang="en-US" sz="1400" spc="-1" strike="noStrike">
+                <a:solidFill>
+                  <a:srgbClr val="000000"/>
+                </a:solidFill>
+                <a:latin typeface="Times New Roman"/>
+              </a:rPr>
+              <a:t>&lt;footer&gt;</a:t>
+            </a:r>
+            <a:endParaRPr b="0" lang="en-US" sz="1400" spc="-1" strike="noStrike">
+              <a:solidFill>
+                <a:srgbClr val="000000"/>
+              </a:solidFill>
+              <a:latin typeface="Times New Roman"/>
+            </a:endParaRPr>
+          </a:p>
+        </p:txBody>
+      </p:sp>
+      <p:sp>
+        <p:nvSpPr>
+          <p:cNvPr id="44" name="PlaceHolder 2"/>
           <p:cNvSpPr>
             <a:spLocks noGrp="1"/>
           </p:cNvSpPr>
           <p:nvPr>
-            <p:ph type="body"/>
+            <p:ph type="sldNum" idx="29"/>
           </p:nvPr>
         </p:nvSpPr>
         <p:spPr>
           <a:xfrm>
-            <a:off x="5183280" y="987480"/>
-            <a:ext cx="6171840" cy="4873320"/>
+            <a:off x="8610480" y="6356520"/>
+            <a:ext cx="2742480" cy="364320"/>
           </a:xfrm>
           <a:prstGeom prst="rect">
             <a:avLst/>
@@ -1930,175 +1914,72 @@
           </a:ln>
         </p:spPr>
         <p:txBody>
-          <a:bodyPr lIns="91440" rIns="91440" tIns="45720" bIns="45720" anchor="t">
+          <a:bodyPr lIns="91440" rIns="91440" tIns="45720" bIns="45720" anchor="ctr">
             <a:noAutofit/>
           </a:bodyPr>
-          <a:p>
-            <a:pPr marL="228600" indent="-228600" defTabSz="914400">
+          <a:lstStyle>
+            <a:lvl1pPr indent="0" algn="r" defTabSz="914400">
               <a:lnSpc>
-                <a:spcPct val="90000"/>
+                <a:spcPct val="100000"/>
               </a:lnSpc>
-              <a:spcBef>
-                <a:spcPts val="1001"/>
-              </a:spcBef>
-              <a:buClr>
-                <a:srgbClr val="000000"/>
-              </a:buClr>
-              <a:buFont typeface="Arial"/>
-              <a:buChar char="•"/>
-            </a:pPr>
-            <a:r>
-              <a:rPr b="0" lang="en-US" sz="3200" spc="-1" strike="noStrike">
-                <a:solidFill>
-                  <a:schemeClr val="dk1"/>
+              <a:buNone/>
+              <a:tabLst>
+                <a:tab algn="l" pos="0"/>
+              </a:tabLst>
+              <a:defRPr b="0" lang="en-EG" sz="1200" spc="-1" strike="noStrike">
+                <a:solidFill>
+                  <a:schemeClr val="dk1">
+                    <a:tint val="75000"/>
+                  </a:schemeClr>
                 </a:solidFill>
                 <a:latin typeface="Calibri"/>
-              </a:rPr>
-              <a:t>Click to edit Master text styles</a:t>
-            </a:r>
-            <a:endParaRPr b="0" lang="en-EG" sz="3200" spc="-1" strike="noStrike">
-              <a:solidFill>
-                <a:schemeClr val="dk1"/>
-              </a:solidFill>
-              <a:latin typeface="Calibri"/>
-            </a:endParaRPr>
-          </a:p>
-          <a:p>
-            <a:pPr lvl="1" marL="685800" indent="-228600" defTabSz="914400">
+              </a:defRPr>
+            </a:lvl1pPr>
+          </a:lstStyle>
+          <a:p>
+            <a:pPr indent="0" algn="r" defTabSz="914400">
               <a:lnSpc>
-                <a:spcPct val="90000"/>
+                <a:spcPct val="100000"/>
               </a:lnSpc>
-              <a:spcBef>
-                <a:spcPts val="499"/>
-              </a:spcBef>
-              <a:buClr>
-                <a:srgbClr val="000000"/>
-              </a:buClr>
-              <a:buFont typeface="Arial"/>
-              <a:buChar char="•"/>
-            </a:pPr>
-            <a:r>
-              <a:rPr b="0" lang="en-US" sz="2800" spc="-1" strike="noStrike">
-                <a:solidFill>
-                  <a:schemeClr val="dk1"/>
+              <a:buNone/>
+              <a:tabLst>
+                <a:tab algn="l" pos="0"/>
+              </a:tabLst>
+            </a:pPr>
+            <a:fld id="{F1666564-CF79-4147-8305-28437677FE68}" type="slidenum">
+              <a:rPr b="0" lang="en-EG" sz="1200" spc="-1" strike="noStrike">
+                <a:solidFill>
+                  <a:schemeClr val="dk1">
+                    <a:tint val="75000"/>
+                  </a:schemeClr>
                 </a:solidFill>
                 <a:latin typeface="Calibri"/>
               </a:rPr>
-              <a:t>Second level</a:t>
-            </a:r>
-            <a:endParaRPr b="0" lang="en-EG" sz="2800" spc="-1" strike="noStrike">
-              <a:solidFill>
-                <a:schemeClr val="dk1"/>
-              </a:solidFill>
-              <a:latin typeface="Calibri"/>
-            </a:endParaRPr>
-          </a:p>
-          <a:p>
-            <a:pPr lvl="2" marL="1143000" indent="-228600" defTabSz="914400">
-              <a:lnSpc>
-                <a:spcPct val="90000"/>
-              </a:lnSpc>
-              <a:spcBef>
-                <a:spcPts val="499"/>
-              </a:spcBef>
-              <a:buClr>
-                <a:srgbClr val="000000"/>
-              </a:buClr>
-              <a:buFont typeface="Arial"/>
-              <a:buChar char="•"/>
-            </a:pPr>
-            <a:r>
-              <a:rPr b="0" lang="en-US" sz="2400" spc="-1" strike="noStrike">
-                <a:solidFill>
-                  <a:schemeClr val="dk1"/>
-                </a:solidFill>
-                <a:latin typeface="Calibri"/>
-              </a:rPr>
-              <a:t>Third level</a:t>
-            </a:r>
-            <a:endParaRPr b="0" lang="en-EG" sz="2400" spc="-1" strike="noStrike">
-              <a:solidFill>
-                <a:schemeClr val="dk1"/>
-              </a:solidFill>
-              <a:latin typeface="Calibri"/>
-            </a:endParaRPr>
-          </a:p>
-          <a:p>
-            <a:pPr lvl="3" marL="1600200" indent="-228600" defTabSz="914400">
-              <a:lnSpc>
-                <a:spcPct val="90000"/>
-              </a:lnSpc>
-              <a:spcBef>
-                <a:spcPts val="499"/>
-              </a:spcBef>
-              <a:buClr>
-                <a:srgbClr val="000000"/>
-              </a:buClr>
-              <a:buFont typeface="Arial"/>
-              <a:buChar char="•"/>
-            </a:pPr>
-            <a:r>
-              <a:rPr b="0" lang="en-US" sz="2000" spc="-1" strike="noStrike">
-                <a:solidFill>
-                  <a:schemeClr val="dk1"/>
-                </a:solidFill>
-                <a:latin typeface="Calibri"/>
-              </a:rPr>
-              <a:t>Fourth level</a:t>
-            </a:r>
-            <a:endParaRPr b="0" lang="en-EG" sz="2000" spc="-1" strike="noStrike">
-              <a:solidFill>
-                <a:schemeClr val="dk1"/>
-              </a:solidFill>
-              <a:latin typeface="Calibri"/>
-            </a:endParaRPr>
-          </a:p>
-          <a:p>
-            <a:pPr lvl="4" marL="2057400" indent="-228600" defTabSz="914400">
-              <a:lnSpc>
-                <a:spcPct val="90000"/>
-              </a:lnSpc>
-              <a:spcBef>
-                <a:spcPts val="499"/>
-              </a:spcBef>
-              <a:buClr>
-                <a:srgbClr val="000000"/>
-              </a:buClr>
-              <a:buFont typeface="Arial"/>
-              <a:buChar char="•"/>
-            </a:pPr>
-            <a:r>
-              <a:rPr b="0" lang="en-US" sz="2000" spc="-1" strike="noStrike">
-                <a:solidFill>
-                  <a:schemeClr val="dk1"/>
-                </a:solidFill>
-                <a:latin typeface="Calibri"/>
-              </a:rPr>
-              <a:t>Fifth level</a:t>
-            </a:r>
-            <a:endParaRPr b="0" lang="en-EG" sz="2000" spc="-1" strike="noStrike">
-              <a:solidFill>
-                <a:schemeClr val="dk1"/>
-              </a:solidFill>
-              <a:latin typeface="Calibri"/>
-            </a:endParaRPr>
-          </a:p>
-        </p:txBody>
-      </p:sp>
-      <p:sp>
-        <p:nvSpPr>
-          <p:cNvPr id="56" name="PlaceHolder 3"/>
+              <a:t>&lt;number&gt;</a:t>
+            </a:fld>
+            <a:endParaRPr b="0" lang="en-US" sz="1200" spc="-1" strike="noStrike">
+              <a:solidFill>
+                <a:srgbClr val="000000"/>
+              </a:solidFill>
+              <a:latin typeface="Times New Roman"/>
+            </a:endParaRPr>
+          </a:p>
+        </p:txBody>
+      </p:sp>
+      <p:sp>
+        <p:nvSpPr>
+          <p:cNvPr id="45" name="PlaceHolder 3"/>
           <p:cNvSpPr>
             <a:spLocks noGrp="1"/>
           </p:cNvSpPr>
           <p:nvPr>
-            <p:ph type="body"/>
+            <p:ph type="dt" idx="30"/>
           </p:nvPr>
         </p:nvSpPr>
         <p:spPr>
           <a:xfrm>
-            <a:off x="839880" y="2057400"/>
-            <a:ext cx="3931920" cy="3811320"/>
+            <a:off x="838080" y="6356520"/>
+            <a:ext cx="2742480" cy="364320"/>
           </a:xfrm>
           <a:prstGeom prst="rect">
             <a:avLst/>
@@ -2109,139 +1990,11 @@
           </a:ln>
         </p:spPr>
         <p:txBody>
-          <a:bodyPr lIns="91440" rIns="91440" tIns="45720" bIns="45720" anchor="t">
-            <a:noAutofit/>
-          </a:bodyPr>
-          <a:p>
-            <a:pPr indent="0" defTabSz="914400">
-              <a:lnSpc>
-                <a:spcPct val="90000"/>
-              </a:lnSpc>
-              <a:spcBef>
-                <a:spcPts val="1001"/>
-              </a:spcBef>
-              <a:buNone/>
-              <a:tabLst>
-                <a:tab algn="l" pos="0"/>
-              </a:tabLst>
-            </a:pPr>
-            <a:r>
-              <a:rPr b="0" lang="en-US" sz="1600" spc="-1" strike="noStrike">
-                <a:solidFill>
-                  <a:schemeClr val="dk1"/>
-                </a:solidFill>
-                <a:latin typeface="Calibri"/>
-              </a:rPr>
-              <a:t>Click to edit Master text styles</a:t>
-            </a:r>
-            <a:endParaRPr b="0" lang="en-EG" sz="1600" spc="-1" strike="noStrike">
-              <a:solidFill>
-                <a:schemeClr val="dk1"/>
-              </a:solidFill>
-              <a:latin typeface="Calibri"/>
-            </a:endParaRPr>
-          </a:p>
-        </p:txBody>
-      </p:sp>
-      <p:sp>
-        <p:nvSpPr>
-          <p:cNvPr id="57" name="PlaceHolder 4"/>
-          <p:cNvSpPr>
-            <a:spLocks noGrp="1"/>
-          </p:cNvSpPr>
-          <p:nvPr>
-            <p:ph type="dt" idx="28"/>
-          </p:nvPr>
-        </p:nvSpPr>
-        <p:spPr>
-          <a:xfrm>
-            <a:off x="838080" y="6356520"/>
-            <a:ext cx="2742840" cy="364680"/>
-          </a:xfrm>
-          <a:prstGeom prst="rect">
-            <a:avLst/>
-          </a:prstGeom>
-          <a:noFill/>
-          <a:ln w="0">
-            <a:noFill/>
-          </a:ln>
-        </p:spPr>
-        <p:txBody>
           <a:bodyPr lIns="91440" rIns="91440" tIns="45720" bIns="45720" anchor="ctr">
             <a:noAutofit/>
           </a:bodyPr>
           <a:lstStyle>
-            <a:lvl1pPr indent="0" defTabSz="914400">
-              <a:lnSpc>
-                <a:spcPct val="100000"/>
-              </a:lnSpc>
-              <a:buNone/>
-              <a:defRPr b="0" lang="en-EG" sz="1200" spc="-1" strike="noStrike">
-                <a:solidFill>
-                  <a:schemeClr val="dk1">
-                    <a:tint val="75000"/>
-                  </a:schemeClr>
-                </a:solidFill>
-                <a:latin typeface="Calibri"/>
-              </a:defRPr>
-            </a:lvl1pPr>
-          </a:lstStyle>
-          <a:p>
-            <a:pPr indent="0" defTabSz="914400">
-              <a:lnSpc>
-                <a:spcPct val="100000"/>
-              </a:lnSpc>
-              <a:buNone/>
-            </a:pPr>
-            <a:r>
-              <a:rPr b="0" lang="en-EG" sz="1200" spc="-1" strike="noStrike">
-                <a:solidFill>
-                  <a:schemeClr val="dk1">
-                    <a:tint val="75000"/>
-                  </a:schemeClr>
-                </a:solidFill>
-                <a:latin typeface="Calibri"/>
-              </a:rPr>
-              <a:t>&lt;date/time&gt;</a:t>
-            </a:r>
-            <a:endParaRPr b="0" lang="en-US" sz="1200" spc="-1" strike="noStrike">
-              <a:solidFill>
-                <a:srgbClr val="000000"/>
-              </a:solidFill>
-              <a:latin typeface="Times New Roman"/>
-            </a:endParaRPr>
-          </a:p>
-        </p:txBody>
-      </p:sp>
-      <p:sp>
-        <p:nvSpPr>
-          <p:cNvPr id="58" name="PlaceHolder 5"/>
-          <p:cNvSpPr>
-            <a:spLocks noGrp="1"/>
-          </p:cNvSpPr>
-          <p:nvPr>
-            <p:ph type="ftr" idx="29"/>
-          </p:nvPr>
-        </p:nvSpPr>
-        <p:spPr>
-          <a:xfrm>
-            <a:off x="4038480" y="6356520"/>
-            <a:ext cx="4114440" cy="364680"/>
-          </a:xfrm>
-          <a:prstGeom prst="rect">
-            <a:avLst/>
-          </a:prstGeom>
-          <a:noFill/>
-          <a:ln w="0">
-            <a:noFill/>
-          </a:ln>
-        </p:spPr>
-        <p:txBody>
-          <a:bodyPr lIns="91440" rIns="91440" tIns="45720" bIns="45720" anchor="ctr">
-            <a:noAutofit/>
-          </a:bodyPr>
-          <a:lstStyle>
-            <a:lvl1pPr indent="0" algn="ctr">
+            <a:lvl1pPr indent="0">
               <a:buNone/>
               <a:defRPr b="0" lang="en-US" sz="1400" spc="-1" strike="noStrike">
                 <a:solidFill>
@@ -2252,7 +2005,7 @@
             </a:lvl1pPr>
           </a:lstStyle>
           <a:p>
-            <a:pPr indent="0" algn="ctr">
+            <a:pPr indent="0">
               <a:buNone/>
             </a:pPr>
             <a:r>
@@ -2262,79 +2015,9 @@
                 </a:solidFill>
                 <a:latin typeface="Times New Roman"/>
               </a:rPr>
-              <a:t>&lt;footer&gt;</a:t>
+              <a:t>&lt;date/time&gt;</a:t>
             </a:r>
             <a:endParaRPr b="0" lang="en-US" sz="1400" spc="-1" strike="noStrike">
-              <a:solidFill>
-                <a:srgbClr val="000000"/>
-              </a:solidFill>
-              <a:latin typeface="Times New Roman"/>
-            </a:endParaRPr>
-          </a:p>
-        </p:txBody>
-      </p:sp>
-      <p:sp>
-        <p:nvSpPr>
-          <p:cNvPr id="59" name="PlaceHolder 6"/>
-          <p:cNvSpPr>
-            <a:spLocks noGrp="1"/>
-          </p:cNvSpPr>
-          <p:nvPr>
-            <p:ph type="sldNum" idx="30"/>
-          </p:nvPr>
-        </p:nvSpPr>
-        <p:spPr>
-          <a:xfrm>
-            <a:off x="8610480" y="6356520"/>
-            <a:ext cx="2742840" cy="364680"/>
-          </a:xfrm>
-          <a:prstGeom prst="rect">
-            <a:avLst/>
-          </a:prstGeom>
-          <a:noFill/>
-          <a:ln w="0">
-            <a:noFill/>
-          </a:ln>
-        </p:spPr>
-        <p:txBody>
-          <a:bodyPr lIns="91440" rIns="91440" tIns="45720" bIns="45720" anchor="ctr">
-            <a:noAutofit/>
-          </a:bodyPr>
-          <a:lstStyle>
-            <a:lvl1pPr indent="0" algn="r" defTabSz="914400">
-              <a:lnSpc>
-                <a:spcPct val="100000"/>
-              </a:lnSpc>
-              <a:buNone/>
-              <a:defRPr b="0" lang="en-EG" sz="1200" spc="-1" strike="noStrike">
-                <a:solidFill>
-                  <a:schemeClr val="dk1">
-                    <a:tint val="75000"/>
-                  </a:schemeClr>
-                </a:solidFill>
-                <a:latin typeface="Calibri"/>
-              </a:defRPr>
-            </a:lvl1pPr>
-          </a:lstStyle>
-          <a:p>
-            <a:pPr indent="0" algn="r" defTabSz="914400">
-              <a:lnSpc>
-                <a:spcPct val="100000"/>
-              </a:lnSpc>
-              <a:buNone/>
-            </a:pPr>
-            <a:fld id="{7AC5907D-1579-4F41-A4CB-AD6A74E09A34}" type="slidenum">
-              <a:rPr b="0" lang="en-EG" sz="1200" spc="-1" strike="noStrike">
-                <a:solidFill>
-                  <a:schemeClr val="dk1">
-                    <a:tint val="75000"/>
-                  </a:schemeClr>
-                </a:solidFill>
-                <a:latin typeface="Calibri"/>
-              </a:rPr>
-              <a:t>&lt;number&gt;</a:t>
-            </a:fld>
-            <a:endParaRPr b="0" lang="en-US" sz="1200" spc="-1" strike="noStrike">
               <a:solidFill>
                 <a:srgbClr val="000000"/>
               </a:solidFill>
@@ -2378,18 +2061,18 @@
       </p:grpSpPr>
       <p:sp>
         <p:nvSpPr>
-          <p:cNvPr id="60" name="PlaceHolder 1"/>
+          <p:cNvPr id="46" name="PlaceHolder 1"/>
           <p:cNvSpPr>
             <a:spLocks noGrp="1"/>
           </p:cNvSpPr>
           <p:nvPr>
-            <p:ph type="title"/>
+            <p:ph type="ftr" idx="31"/>
           </p:nvPr>
         </p:nvSpPr>
         <p:spPr>
           <a:xfrm>
-            <a:off x="839880" y="457200"/>
-            <a:ext cx="3931920" cy="1599840"/>
+            <a:off x="4038480" y="6356520"/>
+            <a:ext cx="4114080" cy="364320"/>
           </a:xfrm>
           <a:prstGeom prst="rect">
             <a:avLst/>
@@ -2400,48 +2083,68 @@
           </a:ln>
         </p:spPr>
         <p:txBody>
-          <a:bodyPr lIns="91440" rIns="91440" tIns="45720" bIns="45720" anchor="b">
+          <a:bodyPr lIns="91440" rIns="91440" tIns="45720" bIns="45720" anchor="ctr">
             <a:noAutofit/>
           </a:bodyPr>
-          <a:p>
-            <a:pPr indent="0" defTabSz="914400">
+          <a:lstStyle>
+            <a:lvl1pPr indent="0" algn="ctr">
               <a:lnSpc>
-                <a:spcPct val="90000"/>
+                <a:spcPct val="100000"/>
               </a:lnSpc>
               <a:buNone/>
-            </a:pPr>
-            <a:r>
-              <a:rPr b="0" lang="en-US" sz="3200" spc="-1" strike="noStrike">
-                <a:solidFill>
-                  <a:schemeClr val="dk1"/>
-                </a:solidFill>
-                <a:latin typeface="Calibri Light"/>
-              </a:rPr>
-              <a:t>Click to edit Master title style</a:t>
-            </a:r>
-            <a:endParaRPr b="0" lang="en-EG" sz="3200" spc="-1" strike="noStrike">
-              <a:solidFill>
-                <a:schemeClr val="dk1"/>
-              </a:solidFill>
-              <a:latin typeface="Calibri"/>
-            </a:endParaRPr>
-          </a:p>
-        </p:txBody>
-      </p:sp>
-      <p:sp>
-        <p:nvSpPr>
-          <p:cNvPr id="61" name="PlaceHolder 2"/>
+              <a:tabLst>
+                <a:tab algn="l" pos="0"/>
+              </a:tabLst>
+              <a:defRPr b="0" lang="en-US" sz="1400" spc="-1" strike="noStrike">
+                <a:solidFill>
+                  <a:srgbClr val="000000"/>
+                </a:solidFill>
+                <a:latin typeface="Times New Roman"/>
+              </a:defRPr>
+            </a:lvl1pPr>
+          </a:lstStyle>
+          <a:p>
+            <a:pPr indent="0" algn="ctr">
+              <a:lnSpc>
+                <a:spcPct val="100000"/>
+              </a:lnSpc>
+              <a:buNone/>
+              <a:tabLst>
+                <a:tab algn="l" pos="0"/>
+              </a:tabLst>
+            </a:pPr>
+            <a:r>
+              <a:rPr b="0" lang="en-US" sz="1400" spc="-1" strike="noStrike">
+                <a:solidFill>
+                  <a:srgbClr val="000000"/>
+                </a:solidFill>
+                <a:latin typeface="Times New Roman"/>
+              </a:rPr>
+              <a:t>&lt;footer&gt;</a:t>
+            </a:r>
+            <a:endParaRPr b="0" lang="en-US" sz="1400" spc="-1" strike="noStrike">
+              <a:solidFill>
+                <a:srgbClr val="000000"/>
+              </a:solidFill>
+              <a:latin typeface="Times New Roman"/>
+            </a:endParaRPr>
+          </a:p>
+        </p:txBody>
+      </p:sp>
+      <p:sp>
+        <p:nvSpPr>
+          <p:cNvPr id="47" name="PlaceHolder 2"/>
           <p:cNvSpPr>
             <a:spLocks noGrp="1"/>
           </p:cNvSpPr>
           <p:nvPr>
-            <p:ph type="body"/>
+            <p:ph type="sldNum" idx="32"/>
           </p:nvPr>
         </p:nvSpPr>
         <p:spPr>
           <a:xfrm>
-            <a:off x="5183280" y="987480"/>
-            <a:ext cx="6171840" cy="4873320"/>
+            <a:off x="8610480" y="6356520"/>
+            <a:ext cx="2742480" cy="364320"/>
           </a:xfrm>
           <a:prstGeom prst="rect">
             <a:avLst/>
@@ -2452,242 +2155,72 @@
           </a:ln>
         </p:spPr>
         <p:txBody>
-          <a:bodyPr lIns="90000" rIns="90000" tIns="45000" bIns="45000" anchor="t">
+          <a:bodyPr lIns="91440" rIns="91440" tIns="45720" bIns="45720" anchor="ctr">
             <a:noAutofit/>
           </a:bodyPr>
-          <a:p>
-            <a:pPr marL="432000" indent="-324000">
+          <a:lstStyle>
+            <a:lvl1pPr indent="0" algn="r" defTabSz="914400">
               <a:lnSpc>
-                <a:spcPct val="90000"/>
+                <a:spcPct val="100000"/>
               </a:lnSpc>
-              <a:spcBef>
-                <a:spcPts val="1417"/>
-              </a:spcBef>
-              <a:buClr>
-                <a:srgbClr val="000000"/>
-              </a:buClr>
-              <a:buSzPct val="45000"/>
-              <a:buFont typeface="Wingdings" charset="2"/>
-              <a:buChar char=""/>
-            </a:pPr>
-            <a:r>
-              <a:rPr b="0" lang="en-EG" sz="3200" spc="-1" strike="noStrike">
-                <a:solidFill>
-                  <a:schemeClr val="dk1"/>
+              <a:buNone/>
+              <a:tabLst>
+                <a:tab algn="l" pos="0"/>
+              </a:tabLst>
+              <a:defRPr b="0" lang="en-EG" sz="1200" spc="-1" strike="noStrike">
+                <a:solidFill>
+                  <a:schemeClr val="dk1">
+                    <a:tint val="75000"/>
+                  </a:schemeClr>
                 </a:solidFill>
                 <a:latin typeface="Calibri"/>
-              </a:rPr>
-              <a:t>Click to edit the outline text format</a:t>
-            </a:r>
-            <a:endParaRPr b="0" lang="en-EG" sz="3200" spc="-1" strike="noStrike">
-              <a:solidFill>
-                <a:schemeClr val="dk1"/>
-              </a:solidFill>
-              <a:latin typeface="Calibri"/>
-            </a:endParaRPr>
-          </a:p>
-          <a:p>
-            <a:pPr lvl="1" marL="864000" indent="-324000">
+              </a:defRPr>
+            </a:lvl1pPr>
+          </a:lstStyle>
+          <a:p>
+            <a:pPr indent="0" algn="r" defTabSz="914400">
               <a:lnSpc>
-                <a:spcPct val="90000"/>
+                <a:spcPct val="100000"/>
               </a:lnSpc>
-              <a:spcBef>
-                <a:spcPts val="1134"/>
-              </a:spcBef>
-              <a:buClr>
-                <a:srgbClr val="000000"/>
-              </a:buClr>
-              <a:buSzPct val="75000"/>
-              <a:buFont typeface="Symbol" charset="2"/>
-              <a:buChar char=""/>
-            </a:pPr>
-            <a:r>
-              <a:rPr b="0" lang="en-EG" sz="3200" spc="-1" strike="noStrike">
-                <a:solidFill>
-                  <a:schemeClr val="dk1"/>
+              <a:buNone/>
+              <a:tabLst>
+                <a:tab algn="l" pos="0"/>
+              </a:tabLst>
+            </a:pPr>
+            <a:fld id="{BEB0F117-1CA8-4C2B-8D52-F42379B7C2F6}" type="slidenum">
+              <a:rPr b="0" lang="en-EG" sz="1200" spc="-1" strike="noStrike">
+                <a:solidFill>
+                  <a:schemeClr val="dk1">
+                    <a:tint val="75000"/>
+                  </a:schemeClr>
                 </a:solidFill>
                 <a:latin typeface="Calibri"/>
               </a:rPr>
-              <a:t>Second Outline Level</a:t>
-            </a:r>
-            <a:endParaRPr b="0" lang="en-EG" sz="3200" spc="-1" strike="noStrike">
-              <a:solidFill>
-                <a:schemeClr val="dk1"/>
-              </a:solidFill>
-              <a:latin typeface="Calibri"/>
-            </a:endParaRPr>
-          </a:p>
-          <a:p>
-            <a:pPr lvl="2" marL="1296000" indent="-288000">
-              <a:lnSpc>
-                <a:spcPct val="90000"/>
-              </a:lnSpc>
-              <a:spcBef>
-                <a:spcPts val="850"/>
-              </a:spcBef>
-              <a:buClr>
-                <a:srgbClr val="000000"/>
-              </a:buClr>
-              <a:buSzPct val="45000"/>
-              <a:buFont typeface="Wingdings" charset="2"/>
-              <a:buChar char=""/>
-            </a:pPr>
-            <a:r>
-              <a:rPr b="0" lang="en-EG" sz="3200" spc="-1" strike="noStrike">
-                <a:solidFill>
-                  <a:schemeClr val="dk1"/>
-                </a:solidFill>
-                <a:latin typeface="Calibri"/>
-              </a:rPr>
-              <a:t>Third Outline Level</a:t>
-            </a:r>
-            <a:endParaRPr b="0" lang="en-EG" sz="3200" spc="-1" strike="noStrike">
-              <a:solidFill>
-                <a:schemeClr val="dk1"/>
-              </a:solidFill>
-              <a:latin typeface="Calibri"/>
-            </a:endParaRPr>
-          </a:p>
-          <a:p>
-            <a:pPr lvl="3" marL="1728000" indent="-216000">
-              <a:lnSpc>
-                <a:spcPct val="90000"/>
-              </a:lnSpc>
-              <a:spcBef>
-                <a:spcPts val="567"/>
-              </a:spcBef>
-              <a:buClr>
-                <a:srgbClr val="000000"/>
-              </a:buClr>
-              <a:buSzPct val="75000"/>
-              <a:buFont typeface="Symbol" charset="2"/>
-              <a:buChar char=""/>
-            </a:pPr>
-            <a:r>
-              <a:rPr b="0" lang="en-EG" sz="3200" spc="-1" strike="noStrike">
-                <a:solidFill>
-                  <a:schemeClr val="dk1"/>
-                </a:solidFill>
-                <a:latin typeface="Calibri"/>
-              </a:rPr>
-              <a:t>Fourth Outline Level</a:t>
-            </a:r>
-            <a:endParaRPr b="0" lang="en-EG" sz="3200" spc="-1" strike="noStrike">
-              <a:solidFill>
-                <a:schemeClr val="dk1"/>
-              </a:solidFill>
-              <a:latin typeface="Calibri"/>
-            </a:endParaRPr>
-          </a:p>
-          <a:p>
-            <a:pPr lvl="4" marL="2160000" indent="-216000">
-              <a:lnSpc>
-                <a:spcPct val="90000"/>
-              </a:lnSpc>
-              <a:spcBef>
-                <a:spcPts val="283"/>
-              </a:spcBef>
-              <a:buClr>
-                <a:srgbClr val="000000"/>
-              </a:buClr>
-              <a:buSzPct val="45000"/>
-              <a:buFont typeface="Wingdings" charset="2"/>
-              <a:buChar char=""/>
-            </a:pPr>
-            <a:r>
-              <a:rPr b="0" lang="en-EG" sz="3200" spc="-1" strike="noStrike">
-                <a:solidFill>
-                  <a:schemeClr val="dk1"/>
-                </a:solidFill>
-                <a:latin typeface="Calibri"/>
-              </a:rPr>
-              <a:t>Fifth Outline Level</a:t>
-            </a:r>
-            <a:endParaRPr b="0" lang="en-EG" sz="3200" spc="-1" strike="noStrike">
-              <a:solidFill>
-                <a:schemeClr val="dk1"/>
-              </a:solidFill>
-              <a:latin typeface="Calibri"/>
-            </a:endParaRPr>
-          </a:p>
-          <a:p>
-            <a:pPr lvl="5" marL="2592000" indent="-216000">
-              <a:lnSpc>
-                <a:spcPct val="90000"/>
-              </a:lnSpc>
-              <a:spcBef>
-                <a:spcPts val="283"/>
-              </a:spcBef>
-              <a:buClr>
-                <a:srgbClr val="000000"/>
-              </a:buClr>
-              <a:buSzPct val="45000"/>
-              <a:buFont typeface="Wingdings" charset="2"/>
-              <a:buChar char=""/>
-            </a:pPr>
-            <a:r>
-              <a:rPr b="0" lang="en-EG" sz="3200" spc="-1" strike="noStrike">
-                <a:solidFill>
-                  <a:schemeClr val="dk1"/>
-                </a:solidFill>
-                <a:latin typeface="Calibri"/>
-              </a:rPr>
-              <a:t>Sixth Outline Level</a:t>
-            </a:r>
-            <a:endParaRPr b="0" lang="en-EG" sz="3200" spc="-1" strike="noStrike">
-              <a:solidFill>
-                <a:schemeClr val="dk1"/>
-              </a:solidFill>
-              <a:latin typeface="Calibri"/>
-            </a:endParaRPr>
-          </a:p>
-          <a:p>
-            <a:pPr lvl="6" marL="3024000" indent="-216000">
-              <a:lnSpc>
-                <a:spcPct val="90000"/>
-              </a:lnSpc>
-              <a:spcBef>
-                <a:spcPts val="283"/>
-              </a:spcBef>
-              <a:buClr>
-                <a:srgbClr val="000000"/>
-              </a:buClr>
-              <a:buSzPct val="45000"/>
-              <a:buFont typeface="Wingdings" charset="2"/>
-              <a:buChar char=""/>
-            </a:pPr>
-            <a:r>
-              <a:rPr b="0" lang="en-EG" sz="3200" spc="-1" strike="noStrike">
-                <a:solidFill>
-                  <a:schemeClr val="dk1"/>
-                </a:solidFill>
-                <a:latin typeface="Calibri"/>
-              </a:rPr>
-              <a:t>Seventh Outline Level</a:t>
-            </a:r>
-            <a:endParaRPr b="0" lang="en-EG" sz="3200" spc="-1" strike="noStrike">
-              <a:solidFill>
-                <a:schemeClr val="dk1"/>
-              </a:solidFill>
-              <a:latin typeface="Calibri"/>
-            </a:endParaRPr>
-          </a:p>
-        </p:txBody>
-      </p:sp>
-      <p:sp>
-        <p:nvSpPr>
-          <p:cNvPr id="62" name="PlaceHolder 3"/>
+              <a:t>&lt;number&gt;</a:t>
+            </a:fld>
+            <a:endParaRPr b="0" lang="en-US" sz="1200" spc="-1" strike="noStrike">
+              <a:solidFill>
+                <a:srgbClr val="000000"/>
+              </a:solidFill>
+              <a:latin typeface="Times New Roman"/>
+            </a:endParaRPr>
+          </a:p>
+        </p:txBody>
+      </p:sp>
+      <p:sp>
+        <p:nvSpPr>
+          <p:cNvPr id="48" name="PlaceHolder 3"/>
           <p:cNvSpPr>
             <a:spLocks noGrp="1"/>
           </p:cNvSpPr>
           <p:nvPr>
-            <p:ph type="body"/>
+            <p:ph type="dt" idx="33"/>
           </p:nvPr>
         </p:nvSpPr>
         <p:spPr>
           <a:xfrm>
-            <a:off x="839880" y="2057400"/>
-            <a:ext cx="3931920" cy="3811320"/>
+            <a:off x="838080" y="6356520"/>
+            <a:ext cx="2742480" cy="364320"/>
           </a:xfrm>
           <a:prstGeom prst="rect">
             <a:avLst/>
@@ -2698,139 +2231,11 @@
           </a:ln>
         </p:spPr>
         <p:txBody>
-          <a:bodyPr lIns="91440" rIns="91440" tIns="45720" bIns="45720" anchor="t">
-            <a:noAutofit/>
-          </a:bodyPr>
-          <a:p>
-            <a:pPr indent="0" defTabSz="914400">
-              <a:lnSpc>
-                <a:spcPct val="90000"/>
-              </a:lnSpc>
-              <a:spcBef>
-                <a:spcPts val="1001"/>
-              </a:spcBef>
-              <a:buNone/>
-              <a:tabLst>
-                <a:tab algn="l" pos="0"/>
-              </a:tabLst>
-            </a:pPr>
-            <a:r>
-              <a:rPr b="0" lang="en-US" sz="1600" spc="-1" strike="noStrike">
-                <a:solidFill>
-                  <a:schemeClr val="dk1"/>
-                </a:solidFill>
-                <a:latin typeface="Calibri"/>
-              </a:rPr>
-              <a:t>Click to edit Master text styles</a:t>
-            </a:r>
-            <a:endParaRPr b="0" lang="en-EG" sz="1600" spc="-1" strike="noStrike">
-              <a:solidFill>
-                <a:schemeClr val="dk1"/>
-              </a:solidFill>
-              <a:latin typeface="Calibri"/>
-            </a:endParaRPr>
-          </a:p>
-        </p:txBody>
-      </p:sp>
-      <p:sp>
-        <p:nvSpPr>
-          <p:cNvPr id="63" name="PlaceHolder 4"/>
-          <p:cNvSpPr>
-            <a:spLocks noGrp="1"/>
-          </p:cNvSpPr>
-          <p:nvPr>
-            <p:ph type="dt" idx="31"/>
-          </p:nvPr>
-        </p:nvSpPr>
-        <p:spPr>
-          <a:xfrm>
-            <a:off x="838080" y="6356520"/>
-            <a:ext cx="2742840" cy="364680"/>
-          </a:xfrm>
-          <a:prstGeom prst="rect">
-            <a:avLst/>
-          </a:prstGeom>
-          <a:noFill/>
-          <a:ln w="0">
-            <a:noFill/>
-          </a:ln>
-        </p:spPr>
-        <p:txBody>
           <a:bodyPr lIns="91440" rIns="91440" tIns="45720" bIns="45720" anchor="ctr">
             <a:noAutofit/>
           </a:bodyPr>
           <a:lstStyle>
-            <a:lvl1pPr indent="0" defTabSz="914400">
-              <a:lnSpc>
-                <a:spcPct val="100000"/>
-              </a:lnSpc>
-              <a:buNone/>
-              <a:defRPr b="0" lang="en-EG" sz="1200" spc="-1" strike="noStrike">
-                <a:solidFill>
-                  <a:schemeClr val="dk1">
-                    <a:tint val="75000"/>
-                  </a:schemeClr>
-                </a:solidFill>
-                <a:latin typeface="Calibri"/>
-              </a:defRPr>
-            </a:lvl1pPr>
-          </a:lstStyle>
-          <a:p>
-            <a:pPr indent="0" defTabSz="914400">
-              <a:lnSpc>
-                <a:spcPct val="100000"/>
-              </a:lnSpc>
-              <a:buNone/>
-            </a:pPr>
-            <a:r>
-              <a:rPr b="0" lang="en-EG" sz="1200" spc="-1" strike="noStrike">
-                <a:solidFill>
-                  <a:schemeClr val="dk1">
-                    <a:tint val="75000"/>
-                  </a:schemeClr>
-                </a:solidFill>
-                <a:latin typeface="Calibri"/>
-              </a:rPr>
-              <a:t>&lt;date/time&gt;</a:t>
-            </a:r>
-            <a:endParaRPr b="0" lang="en-US" sz="1200" spc="-1" strike="noStrike">
-              <a:solidFill>
-                <a:srgbClr val="000000"/>
-              </a:solidFill>
-              <a:latin typeface="Times New Roman"/>
-            </a:endParaRPr>
-          </a:p>
-        </p:txBody>
-      </p:sp>
-      <p:sp>
-        <p:nvSpPr>
-          <p:cNvPr id="64" name="PlaceHolder 5"/>
-          <p:cNvSpPr>
-            <a:spLocks noGrp="1"/>
-          </p:cNvSpPr>
-          <p:nvPr>
-            <p:ph type="ftr" idx="32"/>
-          </p:nvPr>
-        </p:nvSpPr>
-        <p:spPr>
-          <a:xfrm>
-            <a:off x="4038480" y="6356520"/>
-            <a:ext cx="4114440" cy="364680"/>
-          </a:xfrm>
-          <a:prstGeom prst="rect">
-            <a:avLst/>
-          </a:prstGeom>
-          <a:noFill/>
-          <a:ln w="0">
-            <a:noFill/>
-          </a:ln>
-        </p:spPr>
-        <p:txBody>
-          <a:bodyPr lIns="91440" rIns="91440" tIns="45720" bIns="45720" anchor="ctr">
-            <a:noAutofit/>
-          </a:bodyPr>
-          <a:lstStyle>
-            <a:lvl1pPr indent="0" algn="ctr">
+            <a:lvl1pPr indent="0">
               <a:buNone/>
               <a:defRPr b="0" lang="en-US" sz="1400" spc="-1" strike="noStrike">
                 <a:solidFill>
@@ -2841,7 +2246,7 @@
             </a:lvl1pPr>
           </a:lstStyle>
           <a:p>
-            <a:pPr indent="0" algn="ctr">
+            <a:pPr indent="0">
               <a:buNone/>
             </a:pPr>
             <a:r>
@@ -2851,79 +2256,9 @@
                 </a:solidFill>
                 <a:latin typeface="Times New Roman"/>
               </a:rPr>
-              <a:t>&lt;footer&gt;</a:t>
+              <a:t>&lt;date/time&gt;</a:t>
             </a:r>
             <a:endParaRPr b="0" lang="en-US" sz="1400" spc="-1" strike="noStrike">
-              <a:solidFill>
-                <a:srgbClr val="000000"/>
-              </a:solidFill>
-              <a:latin typeface="Times New Roman"/>
-            </a:endParaRPr>
-          </a:p>
-        </p:txBody>
-      </p:sp>
-      <p:sp>
-        <p:nvSpPr>
-          <p:cNvPr id="65" name="PlaceHolder 6"/>
-          <p:cNvSpPr>
-            <a:spLocks noGrp="1"/>
-          </p:cNvSpPr>
-          <p:nvPr>
-            <p:ph type="sldNum" idx="33"/>
-          </p:nvPr>
-        </p:nvSpPr>
-        <p:spPr>
-          <a:xfrm>
-            <a:off x="8610480" y="6356520"/>
-            <a:ext cx="2742840" cy="364680"/>
-          </a:xfrm>
-          <a:prstGeom prst="rect">
-            <a:avLst/>
-          </a:prstGeom>
-          <a:noFill/>
-          <a:ln w="0">
-            <a:noFill/>
-          </a:ln>
-        </p:spPr>
-        <p:txBody>
-          <a:bodyPr lIns="91440" rIns="91440" tIns="45720" bIns="45720" anchor="ctr">
-            <a:noAutofit/>
-          </a:bodyPr>
-          <a:lstStyle>
-            <a:lvl1pPr indent="0" algn="r" defTabSz="914400">
-              <a:lnSpc>
-                <a:spcPct val="100000"/>
-              </a:lnSpc>
-              <a:buNone/>
-              <a:defRPr b="0" lang="en-EG" sz="1200" spc="-1" strike="noStrike">
-                <a:solidFill>
-                  <a:schemeClr val="dk1">
-                    <a:tint val="75000"/>
-                  </a:schemeClr>
-                </a:solidFill>
-                <a:latin typeface="Calibri"/>
-              </a:defRPr>
-            </a:lvl1pPr>
-          </a:lstStyle>
-          <a:p>
-            <a:pPr indent="0" algn="r" defTabSz="914400">
-              <a:lnSpc>
-                <a:spcPct val="100000"/>
-              </a:lnSpc>
-              <a:buNone/>
-            </a:pPr>
-            <a:fld id="{F74D7F5C-BD03-4278-8844-92491CBCA148}" type="slidenum">
-              <a:rPr b="0" lang="en-EG" sz="1200" spc="-1" strike="noStrike">
-                <a:solidFill>
-                  <a:schemeClr val="dk1">
-                    <a:tint val="75000"/>
-                  </a:schemeClr>
-                </a:solidFill>
-                <a:latin typeface="Calibri"/>
-              </a:rPr>
-              <a:t>&lt;number&gt;</a:t>
-            </a:fld>
-            <a:endParaRPr b="0" lang="en-US" sz="1200" spc="-1" strike="noStrike">
               <a:solidFill>
                 <a:srgbClr val="000000"/>
               </a:solidFill>
@@ -2972,13 +2307,13 @@
             <a:spLocks noGrp="1"/>
           </p:cNvSpPr>
           <p:nvPr>
-            <p:ph type="title"/>
+            <p:ph type="ftr" idx="4"/>
           </p:nvPr>
         </p:nvSpPr>
         <p:spPr>
           <a:xfrm>
-            <a:off x="838080" y="365040"/>
-            <a:ext cx="10515240" cy="1325160"/>
+            <a:off x="4038480" y="6356520"/>
+            <a:ext cx="4114080" cy="364320"/>
           </a:xfrm>
           <a:prstGeom prst="rect">
             <a:avLst/>
@@ -2992,27 +2327,47 @@
           <a:bodyPr lIns="91440" rIns="91440" tIns="45720" bIns="45720" anchor="ctr">
             <a:noAutofit/>
           </a:bodyPr>
-          <a:p>
-            <a:pPr indent="0" defTabSz="914400">
+          <a:lstStyle>
+            <a:lvl1pPr indent="0" algn="ctr">
               <a:lnSpc>
-                <a:spcPct val="90000"/>
+                <a:spcPct val="100000"/>
               </a:lnSpc>
               <a:buNone/>
-            </a:pPr>
-            <a:r>
-              <a:rPr b="0" lang="en-US" sz="4400" spc="-1" strike="noStrike">
-                <a:solidFill>
-                  <a:schemeClr val="dk1"/>
-                </a:solidFill>
-                <a:latin typeface="Calibri Light"/>
-              </a:rPr>
-              <a:t>Click to edit Master title style</a:t>
-            </a:r>
-            <a:endParaRPr b="0" lang="en-EG" sz="4400" spc="-1" strike="noStrike">
-              <a:solidFill>
-                <a:schemeClr val="dk1"/>
-              </a:solidFill>
-              <a:latin typeface="Calibri"/>
+              <a:tabLst>
+                <a:tab algn="l" pos="0"/>
+              </a:tabLst>
+              <a:defRPr b="0" lang="en-US" sz="1400" spc="-1" strike="noStrike">
+                <a:solidFill>
+                  <a:srgbClr val="000000"/>
+                </a:solidFill>
+                <a:latin typeface="Times New Roman"/>
+              </a:defRPr>
+            </a:lvl1pPr>
+          </a:lstStyle>
+          <a:p>
+            <a:pPr indent="0" algn="ctr">
+              <a:lnSpc>
+                <a:spcPct val="100000"/>
+              </a:lnSpc>
+              <a:buNone/>
+              <a:tabLst>
+                <a:tab algn="l" pos="0"/>
+              </a:tabLst>
+            </a:pPr>
+            <a:r>
+              <a:rPr b="0" lang="en-US" sz="1400" spc="-1" strike="noStrike">
+                <a:solidFill>
+                  <a:srgbClr val="000000"/>
+                </a:solidFill>
+                <a:latin typeface="Times New Roman"/>
+              </a:rPr>
+              <a:t>&lt;footer&gt;</a:t>
+            </a:r>
+            <a:endParaRPr b="0" lang="en-US" sz="1400" spc="-1" strike="noStrike">
+              <a:solidFill>
+                <a:srgbClr val="000000"/>
+              </a:solidFill>
+              <a:latin typeface="Times New Roman"/>
             </a:endParaRPr>
           </a:p>
         </p:txBody>
@@ -3024,13 +2379,13 @@
             <a:spLocks noGrp="1"/>
           </p:cNvSpPr>
           <p:nvPr>
-            <p:ph type="body"/>
+            <p:ph type="sldNum" idx="5"/>
           </p:nvPr>
         </p:nvSpPr>
         <p:spPr>
           <a:xfrm>
-            <a:off x="838080" y="1825560"/>
-            <a:ext cx="10515240" cy="4350960"/>
+            <a:off x="8610480" y="6356520"/>
+            <a:ext cx="2742480" cy="364320"/>
           </a:xfrm>
           <a:prstGeom prst="rect">
             <a:avLst/>
@@ -3041,157 +2396,54 @@
           </a:ln>
         </p:spPr>
         <p:txBody>
-          <a:bodyPr lIns="91440" rIns="91440" tIns="45720" bIns="45720" anchor="t" vert="eaVert">
+          <a:bodyPr lIns="91440" rIns="91440" tIns="45720" bIns="45720" anchor="ctr">
             <a:noAutofit/>
           </a:bodyPr>
-          <a:p>
-            <a:pPr marL="228600" indent="-228600" defTabSz="914400">
+          <a:lstStyle>
+            <a:lvl1pPr indent="0" algn="r" defTabSz="914400">
               <a:lnSpc>
-                <a:spcPct val="90000"/>
+                <a:spcPct val="100000"/>
               </a:lnSpc>
-              <a:spcBef>
-                <a:spcPts val="1001"/>
-              </a:spcBef>
-              <a:buClr>
-                <a:srgbClr val="000000"/>
-              </a:buClr>
-              <a:buFont typeface="Arial"/>
-              <a:buChar char="•"/>
-            </a:pPr>
-            <a:r>
-              <a:rPr b="0" lang="en-US" sz="2800" spc="-1" strike="noStrike">
-                <a:solidFill>
-                  <a:schemeClr val="dk1"/>
+              <a:buNone/>
+              <a:tabLst>
+                <a:tab algn="l" pos="0"/>
+              </a:tabLst>
+              <a:defRPr b="0" lang="en-EG" sz="1200" spc="-1" strike="noStrike">
+                <a:solidFill>
+                  <a:schemeClr val="dk1">
+                    <a:tint val="75000"/>
+                  </a:schemeClr>
                 </a:solidFill>
                 <a:latin typeface="Calibri"/>
-              </a:rPr>
-              <a:t>Click to edit Master text styles</a:t>
-            </a:r>
-            <a:endParaRPr b="0" lang="en-EG" sz="2800" spc="-1" strike="noStrike">
-              <a:solidFill>
-                <a:schemeClr val="dk1"/>
-              </a:solidFill>
-              <a:latin typeface="Calibri"/>
-            </a:endParaRPr>
-          </a:p>
-          <a:p>
-            <a:pPr lvl="1" marL="685800" indent="-228600" defTabSz="914400">
+              </a:defRPr>
+            </a:lvl1pPr>
+          </a:lstStyle>
+          <a:p>
+            <a:pPr indent="0" algn="r" defTabSz="914400">
               <a:lnSpc>
-                <a:spcPct val="90000"/>
+                <a:spcPct val="100000"/>
               </a:lnSpc>
-              <a:spcBef>
-                <a:spcPts val="499"/>
-              </a:spcBef>
-              <a:buClr>
-                <a:srgbClr val="000000"/>
-              </a:buClr>
-              <a:buFont typeface="Arial"/>
-              <a:buChar char="•"/>
-            </a:pPr>
-            <a:r>
-              <a:rPr b="0" lang="en-US" sz="2400" spc="-1" strike="noStrike">
-                <a:solidFill>
-                  <a:schemeClr val="dk1"/>
+              <a:buNone/>
+              <a:tabLst>
+                <a:tab algn="l" pos="0"/>
+              </a:tabLst>
+            </a:pPr>
+            <a:fld id="{4ED3BA70-EDD5-4A00-8E8B-C6636EA08243}" type="slidenum">
+              <a:rPr b="0" lang="en-EG" sz="1200" spc="-1" strike="noStrike">
+                <a:solidFill>
+                  <a:schemeClr val="dk1">
+                    <a:tint val="75000"/>
+                  </a:schemeClr>
                 </a:solidFill>
                 <a:latin typeface="Calibri"/>
               </a:rPr>
-              <a:t>Second level</a:t>
-            </a:r>
-            <a:endParaRPr b="0" lang="en-EG" sz="2400" spc="-1" strike="noStrike">
-              <a:solidFill>
-                <a:schemeClr val="dk1"/>
-              </a:solidFill>
-              <a:latin typeface="Calibri"/>
-            </a:endParaRPr>
-          </a:p>
-          <a:p>
-            <a:pPr lvl="2" marL="1143000" indent="-228600" defTabSz="914400">
-              <a:lnSpc>
-                <a:spcPct val="90000"/>
-              </a:lnSpc>
-              <a:spcBef>
-                <a:spcPts val="499"/>
-              </a:spcBef>
-              <a:buClr>
-                <a:srgbClr val="000000"/>
-              </a:buClr>
-              <a:buFont typeface="Arial"/>
-              <a:buChar char="•"/>
-            </a:pPr>
-            <a:r>
-              <a:rPr b="0" lang="en-US" sz="2000" spc="-1" strike="noStrike">
-                <a:solidFill>
-                  <a:schemeClr val="dk1"/>
-                </a:solidFill>
-                <a:latin typeface="Calibri"/>
-              </a:rPr>
-              <a:t>Third level</a:t>
-            </a:r>
-            <a:endParaRPr b="0" lang="en-EG" sz="2000" spc="-1" strike="noStrike">
-              <a:solidFill>
-                <a:schemeClr val="dk1"/>
-              </a:solidFill>
-              <a:latin typeface="Calibri"/>
-            </a:endParaRPr>
-          </a:p>
-          <a:p>
-            <a:pPr lvl="3" marL="1600200" indent="-228600" defTabSz="914400">
-              <a:lnSpc>
-                <a:spcPct val="90000"/>
-              </a:lnSpc>
-              <a:spcBef>
-                <a:spcPts val="499"/>
-              </a:spcBef>
-              <a:buClr>
-                <a:srgbClr val="000000"/>
-              </a:buClr>
-              <a:buFont typeface="Arial"/>
-              <a:buChar char="•"/>
-            </a:pPr>
-            <a:r>
-              <a:rPr b="0" lang="en-US" sz="1800" spc="-1" strike="noStrike">
-                <a:solidFill>
-                  <a:schemeClr val="dk1"/>
-                </a:solidFill>
-                <a:latin typeface="Calibri"/>
-              </a:rPr>
-              <a:t>Fourth level</a:t>
-            </a:r>
-            <a:endParaRPr b="0" lang="en-EG" sz="1800" spc="-1" strike="noStrike">
-              <a:solidFill>
-                <a:schemeClr val="dk1"/>
-              </a:solidFill>
-              <a:latin typeface="Calibri"/>
-            </a:endParaRPr>
-          </a:p>
-          <a:p>
-            <a:pPr lvl="4" marL="2057400" indent="-228600" defTabSz="914400">
-              <a:lnSpc>
-                <a:spcPct val="90000"/>
-              </a:lnSpc>
-              <a:spcBef>
-                <a:spcPts val="499"/>
-              </a:spcBef>
-              <a:buClr>
-                <a:srgbClr val="000000"/>
-              </a:buClr>
-              <a:buFont typeface="Arial"/>
-              <a:buChar char="•"/>
-            </a:pPr>
-            <a:r>
-              <a:rPr b="0" lang="en-US" sz="1800" spc="-1" strike="noStrike">
-                <a:solidFill>
-                  <a:schemeClr val="dk1"/>
-                </a:solidFill>
-                <a:latin typeface="Calibri"/>
-              </a:rPr>
-              <a:t>Fifth level</a:t>
-            </a:r>
-            <a:endParaRPr b="0" lang="en-EG" sz="1800" spc="-1" strike="noStrike">
-              <a:solidFill>
-                <a:schemeClr val="dk1"/>
-              </a:solidFill>
-              <a:latin typeface="Calibri"/>
+              <a:t>&lt;number&gt;</a:t>
+            </a:fld>
+            <a:endParaRPr b="0" lang="en-US" sz="1200" spc="-1" strike="noStrike">
+              <a:solidFill>
+                <a:srgbClr val="000000"/>
+              </a:solidFill>
+              <a:latin typeface="Times New Roman"/>
             </a:endParaRPr>
           </a:p>
         </p:txBody>
@@ -3203,13 +2455,13 @@
             <a:spLocks noGrp="1"/>
           </p:cNvSpPr>
           <p:nvPr>
-            <p:ph type="dt" idx="4"/>
+            <p:ph type="dt" idx="6"/>
           </p:nvPr>
         </p:nvSpPr>
         <p:spPr>
           <a:xfrm>
             <a:off x="838080" y="6356520"/>
-            <a:ext cx="2742840" cy="364680"/>
+            <a:ext cx="2742480" cy="364320"/>
           </a:xfrm>
           <a:prstGeom prst="rect">
             <a:avLst/>
@@ -3224,77 +2476,7 @@
             <a:noAutofit/>
           </a:bodyPr>
           <a:lstStyle>
-            <a:lvl1pPr indent="0" defTabSz="914400">
-              <a:lnSpc>
-                <a:spcPct val="100000"/>
-              </a:lnSpc>
-              <a:buNone/>
-              <a:defRPr b="0" lang="en-EG" sz="1200" spc="-1" strike="noStrike">
-                <a:solidFill>
-                  <a:schemeClr val="dk1">
-                    <a:tint val="75000"/>
-                  </a:schemeClr>
-                </a:solidFill>
-                <a:latin typeface="Calibri"/>
-              </a:defRPr>
-            </a:lvl1pPr>
-          </a:lstStyle>
-          <a:p>
-            <a:pPr indent="0" defTabSz="914400">
-              <a:lnSpc>
-                <a:spcPct val="100000"/>
-              </a:lnSpc>
-              <a:buNone/>
-            </a:pPr>
-            <a:r>
-              <a:rPr b="0" lang="en-EG" sz="1200" spc="-1" strike="noStrike">
-                <a:solidFill>
-                  <a:schemeClr val="dk1">
-                    <a:tint val="75000"/>
-                  </a:schemeClr>
-                </a:solidFill>
-                <a:latin typeface="Calibri"/>
-              </a:rPr>
-              <a:t>&lt;date/time&gt;</a:t>
-            </a:r>
-            <a:endParaRPr b="0" lang="en-US" sz="1200" spc="-1" strike="noStrike">
-              <a:solidFill>
-                <a:srgbClr val="000000"/>
-              </a:solidFill>
-              <a:latin typeface="Times New Roman"/>
-            </a:endParaRPr>
-          </a:p>
-        </p:txBody>
-      </p:sp>
-      <p:sp>
-        <p:nvSpPr>
-          <p:cNvPr id="10" name="PlaceHolder 4"/>
-          <p:cNvSpPr>
-            <a:spLocks noGrp="1"/>
-          </p:cNvSpPr>
-          <p:nvPr>
-            <p:ph type="ftr" idx="5"/>
-          </p:nvPr>
-        </p:nvSpPr>
-        <p:spPr>
-          <a:xfrm>
-            <a:off x="4038480" y="6356520"/>
-            <a:ext cx="4114440" cy="364680"/>
-          </a:xfrm>
-          <a:prstGeom prst="rect">
-            <a:avLst/>
-          </a:prstGeom>
-          <a:noFill/>
-          <a:ln w="0">
-            <a:noFill/>
-          </a:ln>
-        </p:spPr>
-        <p:txBody>
-          <a:bodyPr lIns="91440" rIns="91440" tIns="45720" bIns="45720" anchor="ctr">
-            <a:noAutofit/>
-          </a:bodyPr>
-          <a:lstStyle>
-            <a:lvl1pPr indent="0" algn="ctr">
+            <a:lvl1pPr indent="0">
               <a:buNone/>
               <a:defRPr b="0" lang="en-US" sz="1400" spc="-1" strike="noStrike">
                 <a:solidFill>
@@ -3305,7 +2487,7 @@
             </a:lvl1pPr>
           </a:lstStyle>
           <a:p>
-            <a:pPr indent="0" algn="ctr">
+            <a:pPr indent="0">
               <a:buNone/>
             </a:pPr>
             <a:r>
@@ -3315,79 +2497,9 @@
                 </a:solidFill>
                 <a:latin typeface="Times New Roman"/>
               </a:rPr>
-              <a:t>&lt;footer&gt;</a:t>
+              <a:t>&lt;date/time&gt;</a:t>
             </a:r>
             <a:endParaRPr b="0" lang="en-US" sz="1400" spc="-1" strike="noStrike">
-              <a:solidFill>
-                <a:srgbClr val="000000"/>
-              </a:solidFill>
-              <a:latin typeface="Times New Roman"/>
-            </a:endParaRPr>
-          </a:p>
-        </p:txBody>
-      </p:sp>
-      <p:sp>
-        <p:nvSpPr>
-          <p:cNvPr id="11" name="PlaceHolder 5"/>
-          <p:cNvSpPr>
-            <a:spLocks noGrp="1"/>
-          </p:cNvSpPr>
-          <p:nvPr>
-            <p:ph type="sldNum" idx="6"/>
-          </p:nvPr>
-        </p:nvSpPr>
-        <p:spPr>
-          <a:xfrm>
-            <a:off x="8610480" y="6356520"/>
-            <a:ext cx="2742840" cy="364680"/>
-          </a:xfrm>
-          <a:prstGeom prst="rect">
-            <a:avLst/>
-          </a:prstGeom>
-          <a:noFill/>
-          <a:ln w="0">
-            <a:noFill/>
-          </a:ln>
-        </p:spPr>
-        <p:txBody>
-          <a:bodyPr lIns="91440" rIns="91440" tIns="45720" bIns="45720" anchor="ctr">
-            <a:noAutofit/>
-          </a:bodyPr>
-          <a:lstStyle>
-            <a:lvl1pPr indent="0" algn="r" defTabSz="914400">
-              <a:lnSpc>
-                <a:spcPct val="100000"/>
-              </a:lnSpc>
-              <a:buNone/>
-              <a:defRPr b="0" lang="en-EG" sz="1200" spc="-1" strike="noStrike">
-                <a:solidFill>
-                  <a:schemeClr val="dk1">
-                    <a:tint val="75000"/>
-                  </a:schemeClr>
-                </a:solidFill>
-                <a:latin typeface="Calibri"/>
-              </a:defRPr>
-            </a:lvl1pPr>
-          </a:lstStyle>
-          <a:p>
-            <a:pPr indent="0" algn="r" defTabSz="914400">
-              <a:lnSpc>
-                <a:spcPct val="100000"/>
-              </a:lnSpc>
-              <a:buNone/>
-            </a:pPr>
-            <a:fld id="{9B404535-764E-4DC7-972B-3A737D9CEFBC}" type="slidenum">
-              <a:rPr b="0" lang="en-EG" sz="1200" spc="-1" strike="noStrike">
-                <a:solidFill>
-                  <a:schemeClr val="dk1">
-                    <a:tint val="75000"/>
-                  </a:schemeClr>
-                </a:solidFill>
-                <a:latin typeface="Calibri"/>
-              </a:rPr>
-              <a:t>&lt;number&gt;</a:t>
-            </a:fld>
-            <a:endParaRPr b="0" lang="en-US" sz="1200" spc="-1" strike="noStrike">
               <a:solidFill>
                 <a:srgbClr val="000000"/>
               </a:solidFill>
@@ -3431,18 +2543,18 @@
       </p:grpSpPr>
       <p:sp>
         <p:nvSpPr>
-          <p:cNvPr id="12" name="PlaceHolder 1"/>
+          <p:cNvPr id="10" name="PlaceHolder 1"/>
           <p:cNvSpPr>
             <a:spLocks noGrp="1"/>
           </p:cNvSpPr>
           <p:nvPr>
-            <p:ph type="title"/>
+            <p:ph type="ftr" idx="7"/>
           </p:nvPr>
         </p:nvSpPr>
         <p:spPr>
           <a:xfrm>
-            <a:off x="8724960" y="365040"/>
-            <a:ext cx="2628720" cy="5811480"/>
+            <a:off x="4038480" y="6356520"/>
+            <a:ext cx="4114080" cy="364320"/>
           </a:xfrm>
           <a:prstGeom prst="rect">
             <a:avLst/>
@@ -3453,48 +2565,68 @@
           </a:ln>
         </p:spPr>
         <p:txBody>
-          <a:bodyPr lIns="91440" rIns="91440" tIns="45720" bIns="45720" anchor="ctr" vert="eaVert">
+          <a:bodyPr lIns="91440" rIns="91440" tIns="45720" bIns="45720" anchor="ctr">
             <a:noAutofit/>
           </a:bodyPr>
-          <a:p>
-            <a:pPr indent="0" defTabSz="914400">
+          <a:lstStyle>
+            <a:lvl1pPr indent="0" algn="ctr">
               <a:lnSpc>
-                <a:spcPct val="90000"/>
+                <a:spcPct val="100000"/>
               </a:lnSpc>
               <a:buNone/>
-            </a:pPr>
-            <a:r>
-              <a:rPr b="0" lang="en-US" sz="4400" spc="-1" strike="noStrike">
-                <a:solidFill>
-                  <a:schemeClr val="dk1"/>
-                </a:solidFill>
-                <a:latin typeface="Calibri Light"/>
-              </a:rPr>
-              <a:t>Click to edit Master title style</a:t>
-            </a:r>
-            <a:endParaRPr b="0" lang="en-EG" sz="4400" spc="-1" strike="noStrike">
-              <a:solidFill>
-                <a:schemeClr val="dk1"/>
-              </a:solidFill>
-              <a:latin typeface="Calibri"/>
-            </a:endParaRPr>
-          </a:p>
-        </p:txBody>
-      </p:sp>
-      <p:sp>
-        <p:nvSpPr>
-          <p:cNvPr id="13" name="PlaceHolder 2"/>
+              <a:tabLst>
+                <a:tab algn="l" pos="0"/>
+              </a:tabLst>
+              <a:defRPr b="0" lang="en-US" sz="1400" spc="-1" strike="noStrike">
+                <a:solidFill>
+                  <a:srgbClr val="000000"/>
+                </a:solidFill>
+                <a:latin typeface="Times New Roman"/>
+              </a:defRPr>
+            </a:lvl1pPr>
+          </a:lstStyle>
+          <a:p>
+            <a:pPr indent="0" algn="ctr">
+              <a:lnSpc>
+                <a:spcPct val="100000"/>
+              </a:lnSpc>
+              <a:buNone/>
+              <a:tabLst>
+                <a:tab algn="l" pos="0"/>
+              </a:tabLst>
+            </a:pPr>
+            <a:r>
+              <a:rPr b="0" lang="en-US" sz="1400" spc="-1" strike="noStrike">
+                <a:solidFill>
+                  <a:srgbClr val="000000"/>
+                </a:solidFill>
+                <a:latin typeface="Times New Roman"/>
+              </a:rPr>
+              <a:t>&lt;footer&gt;</a:t>
+            </a:r>
+            <a:endParaRPr b="0" lang="en-US" sz="1400" spc="-1" strike="noStrike">
+              <a:solidFill>
+                <a:srgbClr val="000000"/>
+              </a:solidFill>
+              <a:latin typeface="Times New Roman"/>
+            </a:endParaRPr>
+          </a:p>
+        </p:txBody>
+      </p:sp>
+      <p:sp>
+        <p:nvSpPr>
+          <p:cNvPr id="11" name="PlaceHolder 2"/>
           <p:cNvSpPr>
             <a:spLocks noGrp="1"/>
           </p:cNvSpPr>
           <p:nvPr>
-            <p:ph type="body"/>
+            <p:ph type="sldNum" idx="8"/>
           </p:nvPr>
         </p:nvSpPr>
         <p:spPr>
           <a:xfrm>
-            <a:off x="838080" y="365040"/>
-            <a:ext cx="7733880" cy="5811480"/>
+            <a:off x="8610480" y="6356520"/>
+            <a:ext cx="2742480" cy="364320"/>
           </a:xfrm>
           <a:prstGeom prst="rect">
             <a:avLst/>
@@ -3505,175 +2637,72 @@
           </a:ln>
         </p:spPr>
         <p:txBody>
-          <a:bodyPr lIns="91440" rIns="91440" tIns="45720" bIns="45720" anchor="t" vert="eaVert">
+          <a:bodyPr lIns="91440" rIns="91440" tIns="45720" bIns="45720" anchor="ctr">
             <a:noAutofit/>
           </a:bodyPr>
-          <a:p>
-            <a:pPr marL="228600" indent="-228600" defTabSz="914400">
+          <a:lstStyle>
+            <a:lvl1pPr indent="0" algn="r" defTabSz="914400">
               <a:lnSpc>
-                <a:spcPct val="90000"/>
+                <a:spcPct val="100000"/>
               </a:lnSpc>
-              <a:spcBef>
-                <a:spcPts val="1001"/>
-              </a:spcBef>
-              <a:buClr>
-                <a:srgbClr val="000000"/>
-              </a:buClr>
-              <a:buFont typeface="Arial"/>
-              <a:buChar char="•"/>
-            </a:pPr>
-            <a:r>
-              <a:rPr b="0" lang="en-US" sz="2800" spc="-1" strike="noStrike">
-                <a:solidFill>
-                  <a:schemeClr val="dk1"/>
+              <a:buNone/>
+              <a:tabLst>
+                <a:tab algn="l" pos="0"/>
+              </a:tabLst>
+              <a:defRPr b="0" lang="en-EG" sz="1200" spc="-1" strike="noStrike">
+                <a:solidFill>
+                  <a:schemeClr val="dk1">
+                    <a:tint val="75000"/>
+                  </a:schemeClr>
                 </a:solidFill>
                 <a:latin typeface="Calibri"/>
-              </a:rPr>
-              <a:t>Click to edit Master text styles</a:t>
-            </a:r>
-            <a:endParaRPr b="0" lang="en-EG" sz="2800" spc="-1" strike="noStrike">
-              <a:solidFill>
-                <a:schemeClr val="dk1"/>
-              </a:solidFill>
-              <a:latin typeface="Calibri"/>
-            </a:endParaRPr>
-          </a:p>
-          <a:p>
-            <a:pPr lvl="1" marL="685800" indent="-228600" defTabSz="914400">
+              </a:defRPr>
+            </a:lvl1pPr>
+          </a:lstStyle>
+          <a:p>
+            <a:pPr indent="0" algn="r" defTabSz="914400">
               <a:lnSpc>
-                <a:spcPct val="90000"/>
+                <a:spcPct val="100000"/>
               </a:lnSpc>
-              <a:spcBef>
-                <a:spcPts val="499"/>
-              </a:spcBef>
-              <a:buClr>
-                <a:srgbClr val="000000"/>
-              </a:buClr>
-              <a:buFont typeface="Arial"/>
-              <a:buChar char="•"/>
-            </a:pPr>
-            <a:r>
-              <a:rPr b="0" lang="en-US" sz="2400" spc="-1" strike="noStrike">
-                <a:solidFill>
-                  <a:schemeClr val="dk1"/>
+              <a:buNone/>
+              <a:tabLst>
+                <a:tab algn="l" pos="0"/>
+              </a:tabLst>
+            </a:pPr>
+            <a:fld id="{C12D0833-87E5-4287-BE0B-33F47F59871D}" type="slidenum">
+              <a:rPr b="0" lang="en-EG" sz="1200" spc="-1" strike="noStrike">
+                <a:solidFill>
+                  <a:schemeClr val="dk1">
+                    <a:tint val="75000"/>
+                  </a:schemeClr>
                 </a:solidFill>
                 <a:latin typeface="Calibri"/>
               </a:rPr>
-              <a:t>Second level</a:t>
-            </a:r>
-            <a:endParaRPr b="0" lang="en-EG" sz="2400" spc="-1" strike="noStrike">
-              <a:solidFill>
-                <a:schemeClr val="dk1"/>
-              </a:solidFill>
-              <a:latin typeface="Calibri"/>
-            </a:endParaRPr>
-          </a:p>
-          <a:p>
-            <a:pPr lvl="2" marL="1143000" indent="-228600" defTabSz="914400">
-              <a:lnSpc>
-                <a:spcPct val="90000"/>
-              </a:lnSpc>
-              <a:spcBef>
-                <a:spcPts val="499"/>
-              </a:spcBef>
-              <a:buClr>
-                <a:srgbClr val="000000"/>
-              </a:buClr>
-              <a:buFont typeface="Arial"/>
-              <a:buChar char="•"/>
-            </a:pPr>
-            <a:r>
-              <a:rPr b="0" lang="en-US" sz="2000" spc="-1" strike="noStrike">
-                <a:solidFill>
-                  <a:schemeClr val="dk1"/>
-                </a:solidFill>
-                <a:latin typeface="Calibri"/>
-              </a:rPr>
-              <a:t>Third level</a:t>
-            </a:r>
-            <a:endParaRPr b="0" lang="en-EG" sz="2000" spc="-1" strike="noStrike">
-              <a:solidFill>
-                <a:schemeClr val="dk1"/>
-              </a:solidFill>
-              <a:latin typeface="Calibri"/>
-            </a:endParaRPr>
-          </a:p>
-          <a:p>
-            <a:pPr lvl="3" marL="1600200" indent="-228600" defTabSz="914400">
-              <a:lnSpc>
-                <a:spcPct val="90000"/>
-              </a:lnSpc>
-              <a:spcBef>
-                <a:spcPts val="499"/>
-              </a:spcBef>
-              <a:buClr>
-                <a:srgbClr val="000000"/>
-              </a:buClr>
-              <a:buFont typeface="Arial"/>
-              <a:buChar char="•"/>
-            </a:pPr>
-            <a:r>
-              <a:rPr b="0" lang="en-US" sz="1800" spc="-1" strike="noStrike">
-                <a:solidFill>
-                  <a:schemeClr val="dk1"/>
-                </a:solidFill>
-                <a:latin typeface="Calibri"/>
-              </a:rPr>
-              <a:t>Fourth level</a:t>
-            </a:r>
-            <a:endParaRPr b="0" lang="en-EG" sz="1800" spc="-1" strike="noStrike">
-              <a:solidFill>
-                <a:schemeClr val="dk1"/>
-              </a:solidFill>
-              <a:latin typeface="Calibri"/>
-            </a:endParaRPr>
-          </a:p>
-          <a:p>
-            <a:pPr lvl="4" marL="2057400" indent="-228600" defTabSz="914400">
-              <a:lnSpc>
-                <a:spcPct val="90000"/>
-              </a:lnSpc>
-              <a:spcBef>
-                <a:spcPts val="499"/>
-              </a:spcBef>
-              <a:buClr>
-                <a:srgbClr val="000000"/>
-              </a:buClr>
-              <a:buFont typeface="Arial"/>
-              <a:buChar char="•"/>
-            </a:pPr>
-            <a:r>
-              <a:rPr b="0" lang="en-US" sz="1800" spc="-1" strike="noStrike">
-                <a:solidFill>
-                  <a:schemeClr val="dk1"/>
-                </a:solidFill>
-                <a:latin typeface="Calibri"/>
-              </a:rPr>
-              <a:t>Fifth level</a:t>
-            </a:r>
-            <a:endParaRPr b="0" lang="en-EG" sz="1800" spc="-1" strike="noStrike">
-              <a:solidFill>
-                <a:schemeClr val="dk1"/>
-              </a:solidFill>
-              <a:latin typeface="Calibri"/>
-            </a:endParaRPr>
-          </a:p>
-        </p:txBody>
-      </p:sp>
-      <p:sp>
-        <p:nvSpPr>
-          <p:cNvPr id="14" name="PlaceHolder 3"/>
+              <a:t>&lt;number&gt;</a:t>
+            </a:fld>
+            <a:endParaRPr b="0" lang="en-US" sz="1200" spc="-1" strike="noStrike">
+              <a:solidFill>
+                <a:srgbClr val="000000"/>
+              </a:solidFill>
+              <a:latin typeface="Times New Roman"/>
+            </a:endParaRPr>
+          </a:p>
+        </p:txBody>
+      </p:sp>
+      <p:sp>
+        <p:nvSpPr>
+          <p:cNvPr id="12" name="PlaceHolder 3"/>
           <p:cNvSpPr>
             <a:spLocks noGrp="1"/>
           </p:cNvSpPr>
           <p:nvPr>
-            <p:ph type="dt" idx="7"/>
+            <p:ph type="dt" idx="9"/>
           </p:nvPr>
         </p:nvSpPr>
         <p:spPr>
           <a:xfrm>
             <a:off x="838080" y="6356520"/>
-            <a:ext cx="2742840" cy="364680"/>
+            <a:ext cx="2742480" cy="364320"/>
           </a:xfrm>
           <a:prstGeom prst="rect">
             <a:avLst/>
@@ -3688,77 +2717,7 @@
             <a:noAutofit/>
           </a:bodyPr>
           <a:lstStyle>
-            <a:lvl1pPr indent="0" defTabSz="914400">
-              <a:lnSpc>
-                <a:spcPct val="100000"/>
-              </a:lnSpc>
-              <a:buNone/>
-              <a:defRPr b="0" lang="en-EG" sz="1200" spc="-1" strike="noStrike">
-                <a:solidFill>
-                  <a:schemeClr val="dk1">
-                    <a:tint val="75000"/>
-                  </a:schemeClr>
-                </a:solidFill>
-                <a:latin typeface="Calibri"/>
-              </a:defRPr>
-            </a:lvl1pPr>
-          </a:lstStyle>
-          <a:p>
-            <a:pPr indent="0" defTabSz="914400">
-              <a:lnSpc>
-                <a:spcPct val="100000"/>
-              </a:lnSpc>
-              <a:buNone/>
-            </a:pPr>
-            <a:r>
-              <a:rPr b="0" lang="en-EG" sz="1200" spc="-1" strike="noStrike">
-                <a:solidFill>
-                  <a:schemeClr val="dk1">
-                    <a:tint val="75000"/>
-                  </a:schemeClr>
-                </a:solidFill>
-                <a:latin typeface="Calibri"/>
-              </a:rPr>
-              <a:t>&lt;date/time&gt;</a:t>
-            </a:r>
-            <a:endParaRPr b="0" lang="en-US" sz="1200" spc="-1" strike="noStrike">
-              <a:solidFill>
-                <a:srgbClr val="000000"/>
-              </a:solidFill>
-              <a:latin typeface="Times New Roman"/>
-            </a:endParaRPr>
-          </a:p>
-        </p:txBody>
-      </p:sp>
-      <p:sp>
-        <p:nvSpPr>
-          <p:cNvPr id="15" name="PlaceHolder 4"/>
-          <p:cNvSpPr>
-            <a:spLocks noGrp="1"/>
-          </p:cNvSpPr>
-          <p:nvPr>
-            <p:ph type="ftr" idx="8"/>
-          </p:nvPr>
-        </p:nvSpPr>
-        <p:spPr>
-          <a:xfrm>
-            <a:off x="4038480" y="6356520"/>
-            <a:ext cx="4114440" cy="364680"/>
-          </a:xfrm>
-          <a:prstGeom prst="rect">
-            <a:avLst/>
-          </a:prstGeom>
-          <a:noFill/>
-          <a:ln w="0">
-            <a:noFill/>
-          </a:ln>
-        </p:spPr>
-        <p:txBody>
-          <a:bodyPr lIns="91440" rIns="91440" tIns="45720" bIns="45720" anchor="ctr">
-            <a:noAutofit/>
-          </a:bodyPr>
-          <a:lstStyle>
-            <a:lvl1pPr indent="0" algn="ctr">
+            <a:lvl1pPr indent="0">
               <a:buNone/>
               <a:defRPr b="0" lang="en-US" sz="1400" spc="-1" strike="noStrike">
                 <a:solidFill>
@@ -3769,7 +2728,7 @@
             </a:lvl1pPr>
           </a:lstStyle>
           <a:p>
-            <a:pPr indent="0" algn="ctr">
+            <a:pPr indent="0">
               <a:buNone/>
             </a:pPr>
             <a:r>
@@ -3779,79 +2738,9 @@
                 </a:solidFill>
                 <a:latin typeface="Times New Roman"/>
               </a:rPr>
-              <a:t>&lt;footer&gt;</a:t>
+              <a:t>&lt;date/time&gt;</a:t>
             </a:r>
             <a:endParaRPr b="0" lang="en-US" sz="1400" spc="-1" strike="noStrike">
-              <a:solidFill>
-                <a:srgbClr val="000000"/>
-              </a:solidFill>
-              <a:latin typeface="Times New Roman"/>
-            </a:endParaRPr>
-          </a:p>
-        </p:txBody>
-      </p:sp>
-      <p:sp>
-        <p:nvSpPr>
-          <p:cNvPr id="16" name="PlaceHolder 5"/>
-          <p:cNvSpPr>
-            <a:spLocks noGrp="1"/>
-          </p:cNvSpPr>
-          <p:nvPr>
-            <p:ph type="sldNum" idx="9"/>
-          </p:nvPr>
-        </p:nvSpPr>
-        <p:spPr>
-          <a:xfrm>
-            <a:off x="8610480" y="6356520"/>
-            <a:ext cx="2742840" cy="364680"/>
-          </a:xfrm>
-          <a:prstGeom prst="rect">
-            <a:avLst/>
-          </a:prstGeom>
-          <a:noFill/>
-          <a:ln w="0">
-            <a:noFill/>
-          </a:ln>
-        </p:spPr>
-        <p:txBody>
-          <a:bodyPr lIns="91440" rIns="91440" tIns="45720" bIns="45720" anchor="ctr">
-            <a:noAutofit/>
-          </a:bodyPr>
-          <a:lstStyle>
-            <a:lvl1pPr indent="0" algn="r" defTabSz="914400">
-              <a:lnSpc>
-                <a:spcPct val="100000"/>
-              </a:lnSpc>
-              <a:buNone/>
-              <a:defRPr b="0" lang="en-EG" sz="1200" spc="-1" strike="noStrike">
-                <a:solidFill>
-                  <a:schemeClr val="dk1">
-                    <a:tint val="75000"/>
-                  </a:schemeClr>
-                </a:solidFill>
-                <a:latin typeface="Calibri"/>
-              </a:defRPr>
-            </a:lvl1pPr>
-          </a:lstStyle>
-          <a:p>
-            <a:pPr indent="0" algn="r" defTabSz="914400">
-              <a:lnSpc>
-                <a:spcPct val="100000"/>
-              </a:lnSpc>
-              <a:buNone/>
-            </a:pPr>
-            <a:fld id="{8D631414-115E-4610-BA09-E098E1C37D05}" type="slidenum">
-              <a:rPr b="0" lang="en-EG" sz="1200" spc="-1" strike="noStrike">
-                <a:solidFill>
-                  <a:schemeClr val="dk1">
-                    <a:tint val="75000"/>
-                  </a:schemeClr>
-                </a:solidFill>
-                <a:latin typeface="Calibri"/>
-              </a:rPr>
-              <a:t>&lt;number&gt;</a:t>
-            </a:fld>
-            <a:endParaRPr b="0" lang="en-US" sz="1200" spc="-1" strike="noStrike">
               <a:solidFill>
                 <a:srgbClr val="000000"/>
               </a:solidFill>
@@ -3895,7 +2784,7 @@
       </p:grpSpPr>
       <p:sp>
         <p:nvSpPr>
-          <p:cNvPr id="17" name="PlaceHolder 1"/>
+          <p:cNvPr id="13" name="PlaceHolder 1"/>
           <p:cNvSpPr>
             <a:spLocks noGrp="1"/>
           </p:cNvSpPr>
@@ -3905,8 +2794,8 @@
         </p:nvSpPr>
         <p:spPr>
           <a:xfrm>
-            <a:off x="838080" y="365040"/>
-            <a:ext cx="10515240" cy="1325160"/>
+            <a:off x="1523880" y="1122480"/>
+            <a:ext cx="9143280" cy="2386800"/>
           </a:xfrm>
           <a:prstGeom prst="rect">
             <a:avLst/>
@@ -3917,37 +2806,34 @@
           </a:ln>
         </p:spPr>
         <p:txBody>
-          <a:bodyPr lIns="91440" rIns="91440" tIns="45720" bIns="45720" anchor="ctr">
+          <a:bodyPr lIns="0" rIns="0" tIns="0" bIns="0" anchor="ctr">
             <a:noAutofit/>
           </a:bodyPr>
           <a:p>
-            <a:pPr indent="0" defTabSz="914400">
-              <a:lnSpc>
-                <a:spcPct val="90000"/>
-              </a:lnSpc>
+            <a:pPr indent="0">
               <a:buNone/>
             </a:pPr>
             <a:r>
-              <a:rPr b="0" lang="en-US" sz="4400" spc="-1" strike="noStrike">
-                <a:solidFill>
-                  <a:schemeClr val="dk1"/>
-                </a:solidFill>
-                <a:latin typeface="Calibri Light"/>
-              </a:rPr>
-              <a:t>Click to edit Master title style</a:t>
-            </a:r>
-            <a:endParaRPr b="0" lang="en-EG" sz="4400" spc="-1" strike="noStrike">
-              <a:solidFill>
-                <a:schemeClr val="dk1"/>
-              </a:solidFill>
-              <a:latin typeface="Calibri"/>
-            </a:endParaRPr>
-          </a:p>
-        </p:txBody>
-      </p:sp>
-      <p:sp>
-        <p:nvSpPr>
-          <p:cNvPr id="18" name="PlaceHolder 2"/>
+              <a:rPr b="0" lang="en-US" sz="1800" spc="-1" strike="noStrike">
+                <a:solidFill>
+                  <a:srgbClr val="000000"/>
+                </a:solidFill>
+                <a:latin typeface="Arial"/>
+              </a:rPr>
+              <a:t>Click to edit the title text format</a:t>
+            </a:r>
+            <a:endParaRPr b="0" lang="en-US" sz="1800" spc="-1" strike="noStrike">
+              <a:solidFill>
+                <a:srgbClr val="000000"/>
+              </a:solidFill>
+              <a:latin typeface="Arial"/>
+            </a:endParaRPr>
+          </a:p>
+        </p:txBody>
+      </p:sp>
+      <p:sp>
+        <p:nvSpPr>
+          <p:cNvPr id="14" name="PlaceHolder 2"/>
           <p:cNvSpPr>
             <a:spLocks noGrp="1"/>
           </p:cNvSpPr>
@@ -3957,8 +2843,8 @@
         </p:nvSpPr>
         <p:spPr>
           <a:xfrm>
-            <a:off x="838080" y="1825560"/>
-            <a:ext cx="10515240" cy="4350960"/>
+            <a:off x="609480" y="1604520"/>
+            <a:ext cx="10972080" cy="3976920"/>
           </a:xfrm>
           <a:prstGeom prst="rect">
             <a:avLst/>
@@ -3969,175 +2855,221 @@
           </a:ln>
         </p:spPr>
         <p:txBody>
-          <a:bodyPr lIns="91440" rIns="91440" tIns="45720" bIns="45720" anchor="t">
-            <a:noAutofit/>
+          <a:bodyPr lIns="0" rIns="0" tIns="0" bIns="0" anchor="t">
+            <a:normAutofit/>
           </a:bodyPr>
           <a:p>
-            <a:pPr marL="228600" indent="-228600" defTabSz="914400">
-              <a:lnSpc>
-                <a:spcPct val="90000"/>
-              </a:lnSpc>
+            <a:pPr marL="432000" indent="-324000">
               <a:spcBef>
-                <a:spcPts val="1001"/>
+                <a:spcPts val="1417"/>
               </a:spcBef>
               <a:buClr>
                 <a:srgbClr val="000000"/>
               </a:buClr>
-              <a:buFont typeface="Arial"/>
-              <a:buChar char="•"/>
-            </a:pPr>
-            <a:r>
-              <a:rPr b="0" lang="en-US" sz="2800" spc="-1" strike="noStrike">
-                <a:solidFill>
-                  <a:schemeClr val="dk1"/>
-                </a:solidFill>
-                <a:latin typeface="Calibri"/>
-              </a:rPr>
-              <a:t>Click to edit Master text styles</a:t>
-            </a:r>
-            <a:endParaRPr b="0" lang="en-EG" sz="2800" spc="-1" strike="noStrike">
-              <a:solidFill>
-                <a:schemeClr val="dk1"/>
-              </a:solidFill>
-              <a:latin typeface="Calibri"/>
-            </a:endParaRPr>
-          </a:p>
-          <a:p>
-            <a:pPr lvl="1" marL="685800" indent="-228600" defTabSz="914400">
-              <a:lnSpc>
-                <a:spcPct val="90000"/>
-              </a:lnSpc>
+              <a:buSzPct val="45000"/>
+              <a:buFont typeface="Wingdings" charset="2"/>
+              <a:buChar char=""/>
+            </a:pPr>
+            <a:r>
+              <a:rPr b="0" lang="en-US" sz="1800" spc="-1" strike="noStrike">
+                <a:solidFill>
+                  <a:srgbClr val="000000"/>
+                </a:solidFill>
+                <a:latin typeface="Arial"/>
+              </a:rPr>
+              <a:t>Click to edit the outline text format</a:t>
+            </a:r>
+            <a:endParaRPr b="0" lang="en-US" sz="1800" spc="-1" strike="noStrike">
+              <a:solidFill>
+                <a:srgbClr val="000000"/>
+              </a:solidFill>
+              <a:latin typeface="Arial"/>
+            </a:endParaRPr>
+          </a:p>
+          <a:p>
+            <a:pPr lvl="1" marL="864000" indent="-324000">
               <a:spcBef>
-                <a:spcPts val="499"/>
+                <a:spcPts val="1134"/>
               </a:spcBef>
               <a:buClr>
                 <a:srgbClr val="000000"/>
               </a:buClr>
-              <a:buFont typeface="Arial"/>
-              <a:buChar char="•"/>
-            </a:pPr>
-            <a:r>
-              <a:rPr b="0" lang="en-US" sz="2400" spc="-1" strike="noStrike">
-                <a:solidFill>
-                  <a:schemeClr val="dk1"/>
-                </a:solidFill>
-                <a:latin typeface="Calibri"/>
-              </a:rPr>
-              <a:t>Second level</a:t>
-            </a:r>
-            <a:endParaRPr b="0" lang="en-EG" sz="2400" spc="-1" strike="noStrike">
-              <a:solidFill>
-                <a:schemeClr val="dk1"/>
-              </a:solidFill>
-              <a:latin typeface="Calibri"/>
-            </a:endParaRPr>
-          </a:p>
-          <a:p>
-            <a:pPr lvl="2" marL="1143000" indent="-228600" defTabSz="914400">
-              <a:lnSpc>
-                <a:spcPct val="90000"/>
-              </a:lnSpc>
+              <a:buSzPct val="75000"/>
+              <a:buFont typeface="Symbol" charset="2"/>
+              <a:buChar char=""/>
+            </a:pPr>
+            <a:r>
+              <a:rPr b="0" lang="en-US" sz="1800" spc="-1" strike="noStrike">
+                <a:solidFill>
+                  <a:srgbClr val="000000"/>
+                </a:solidFill>
+                <a:latin typeface="Arial"/>
+              </a:rPr>
+              <a:t>Second Outline Level</a:t>
+            </a:r>
+            <a:endParaRPr b="0" lang="en-US" sz="1800" spc="-1" strike="noStrike">
+              <a:solidFill>
+                <a:srgbClr val="000000"/>
+              </a:solidFill>
+              <a:latin typeface="Arial"/>
+            </a:endParaRPr>
+          </a:p>
+          <a:p>
+            <a:pPr lvl="2" marL="1296000" indent="-288000">
               <a:spcBef>
-                <a:spcPts val="499"/>
+                <a:spcPts val="850"/>
               </a:spcBef>
               <a:buClr>
                 <a:srgbClr val="000000"/>
               </a:buClr>
-              <a:buFont typeface="Arial"/>
-              <a:buChar char="•"/>
-            </a:pPr>
-            <a:r>
-              <a:rPr b="0" lang="en-US" sz="2000" spc="-1" strike="noStrike">
-                <a:solidFill>
-                  <a:schemeClr val="dk1"/>
-                </a:solidFill>
-                <a:latin typeface="Calibri"/>
-              </a:rPr>
-              <a:t>Third level</a:t>
-            </a:r>
-            <a:endParaRPr b="0" lang="en-EG" sz="2000" spc="-1" strike="noStrike">
-              <a:solidFill>
-                <a:schemeClr val="dk1"/>
-              </a:solidFill>
-              <a:latin typeface="Calibri"/>
-            </a:endParaRPr>
-          </a:p>
-          <a:p>
-            <a:pPr lvl="3" marL="1600200" indent="-228600" defTabSz="914400">
-              <a:lnSpc>
-                <a:spcPct val="90000"/>
-              </a:lnSpc>
+              <a:buSzPct val="45000"/>
+              <a:buFont typeface="Wingdings" charset="2"/>
+              <a:buChar char=""/>
+            </a:pPr>
+            <a:r>
+              <a:rPr b="0" lang="en-US" sz="1800" spc="-1" strike="noStrike">
+                <a:solidFill>
+                  <a:srgbClr val="000000"/>
+                </a:solidFill>
+                <a:latin typeface="Arial"/>
+              </a:rPr>
+              <a:t>Third Outline Level</a:t>
+            </a:r>
+            <a:endParaRPr b="0" lang="en-US" sz="1800" spc="-1" strike="noStrike">
+              <a:solidFill>
+                <a:srgbClr val="000000"/>
+              </a:solidFill>
+              <a:latin typeface="Arial"/>
+            </a:endParaRPr>
+          </a:p>
+          <a:p>
+            <a:pPr lvl="3" marL="1728000" indent="-216000">
               <a:spcBef>
-                <a:spcPts val="499"/>
+                <a:spcPts val="567"/>
               </a:spcBef>
               <a:buClr>
                 <a:srgbClr val="000000"/>
               </a:buClr>
-              <a:buFont typeface="Arial"/>
-              <a:buChar char="•"/>
+              <a:buSzPct val="75000"/>
+              <a:buFont typeface="Symbol" charset="2"/>
+              <a:buChar char=""/>
             </a:pPr>
             <a:r>
               <a:rPr b="0" lang="en-US" sz="1800" spc="-1" strike="noStrike">
                 <a:solidFill>
-                  <a:schemeClr val="dk1"/>
-                </a:solidFill>
-                <a:latin typeface="Calibri"/>
-              </a:rPr>
-              <a:t>Fourth level</a:t>
-            </a:r>
-            <a:endParaRPr b="0" lang="en-EG" sz="1800" spc="-1" strike="noStrike">
-              <a:solidFill>
-                <a:schemeClr val="dk1"/>
-              </a:solidFill>
-              <a:latin typeface="Calibri"/>
-            </a:endParaRPr>
-          </a:p>
-          <a:p>
-            <a:pPr lvl="4" marL="2057400" indent="-228600" defTabSz="914400">
-              <a:lnSpc>
-                <a:spcPct val="90000"/>
-              </a:lnSpc>
+                  <a:srgbClr val="000000"/>
+                </a:solidFill>
+                <a:latin typeface="Arial"/>
+              </a:rPr>
+              <a:t>Fourth Outline Level</a:t>
+            </a:r>
+            <a:endParaRPr b="0" lang="en-US" sz="1800" spc="-1" strike="noStrike">
+              <a:solidFill>
+                <a:srgbClr val="000000"/>
+              </a:solidFill>
+              <a:latin typeface="Arial"/>
+            </a:endParaRPr>
+          </a:p>
+          <a:p>
+            <a:pPr lvl="4" marL="2160000" indent="-216000">
               <a:spcBef>
-                <a:spcPts val="499"/>
+                <a:spcPts val="283"/>
               </a:spcBef>
               <a:buClr>
                 <a:srgbClr val="000000"/>
               </a:buClr>
-              <a:buFont typeface="Arial"/>
-              <a:buChar char="•"/>
+              <a:buSzPct val="45000"/>
+              <a:buFont typeface="Wingdings" charset="2"/>
+              <a:buChar char=""/>
             </a:pPr>
             <a:r>
               <a:rPr b="0" lang="en-US" sz="1800" spc="-1" strike="noStrike">
                 <a:solidFill>
-                  <a:schemeClr val="dk1"/>
-                </a:solidFill>
-                <a:latin typeface="Calibri"/>
-              </a:rPr>
-              <a:t>Fifth level</a:t>
-            </a:r>
-            <a:endParaRPr b="0" lang="en-EG" sz="1800" spc="-1" strike="noStrike">
-              <a:solidFill>
-                <a:schemeClr val="dk1"/>
-              </a:solidFill>
-              <a:latin typeface="Calibri"/>
-            </a:endParaRPr>
-          </a:p>
-        </p:txBody>
-      </p:sp>
-      <p:sp>
-        <p:nvSpPr>
-          <p:cNvPr id="19" name="PlaceHolder 3"/>
+                  <a:srgbClr val="000000"/>
+                </a:solidFill>
+                <a:latin typeface="Arial"/>
+              </a:rPr>
+              <a:t>Fifth Outline Level</a:t>
+            </a:r>
+            <a:endParaRPr b="0" lang="en-US" sz="1800" spc="-1" strike="noStrike">
+              <a:solidFill>
+                <a:srgbClr val="000000"/>
+              </a:solidFill>
+              <a:latin typeface="Arial"/>
+            </a:endParaRPr>
+          </a:p>
+          <a:p>
+            <a:pPr lvl="5" marL="2592000" indent="-216000">
+              <a:spcBef>
+                <a:spcPts val="283"/>
+              </a:spcBef>
+              <a:buClr>
+                <a:srgbClr val="000000"/>
+              </a:buClr>
+              <a:buSzPct val="45000"/>
+              <a:buFont typeface="Wingdings" charset="2"/>
+              <a:buChar char=""/>
+            </a:pPr>
+            <a:r>
+              <a:rPr b="0" lang="en-US" sz="1800" spc="-1" strike="noStrike">
+                <a:solidFill>
+                  <a:srgbClr val="000000"/>
+                </a:solidFill>
+                <a:latin typeface="Arial"/>
+              </a:rPr>
+              <a:t>Sixth Outline Level</a:t>
+            </a:r>
+            <a:endParaRPr b="0" lang="en-US" sz="1800" spc="-1" strike="noStrike">
+              <a:solidFill>
+                <a:srgbClr val="000000"/>
+              </a:solidFill>
+              <a:latin typeface="Arial"/>
+            </a:endParaRPr>
+          </a:p>
+          <a:p>
+            <a:pPr lvl="6" marL="3024000" indent="-216000">
+              <a:spcBef>
+                <a:spcPts val="283"/>
+              </a:spcBef>
+              <a:buClr>
+                <a:srgbClr val="000000"/>
+              </a:buClr>
+              <a:buSzPct val="45000"/>
+              <a:buFont typeface="Wingdings" charset="2"/>
+              <a:buChar char=""/>
+            </a:pPr>
+            <a:r>
+              <a:rPr b="0" lang="en-US" sz="1800" spc="-1" strike="noStrike">
+                <a:solidFill>
+                  <a:srgbClr val="000000"/>
+                </a:solidFill>
+                <a:latin typeface="Arial"/>
+              </a:rPr>
+              <a:t>Seventh Outline Level</a:t>
+            </a:r>
+            <a:endParaRPr b="0" lang="en-US" sz="1800" spc="-1" strike="noStrike">
+              <a:solidFill>
+                <a:srgbClr val="000000"/>
+              </a:solidFill>
+              <a:latin typeface="Arial"/>
+            </a:endParaRPr>
+          </a:p>
+        </p:txBody>
+      </p:sp>
+      <p:sp>
+        <p:nvSpPr>
+          <p:cNvPr id="15" name="PlaceHolder 3"/>
           <p:cNvSpPr>
             <a:spLocks noGrp="1"/>
           </p:cNvSpPr>
           <p:nvPr>
-            <p:ph type="dt" idx="10"/>
+            <p:ph type="ftr" idx="10"/>
           </p:nvPr>
         </p:nvSpPr>
         <p:spPr>
           <a:xfrm>
-            <a:off x="838080" y="6356520"/>
-            <a:ext cx="2742840" cy="364680"/>
+            <a:off x="4038480" y="6356520"/>
+            <a:ext cx="4114080" cy="364320"/>
           </a:xfrm>
           <a:prstGeom prst="rect">
             <a:avLst/>
@@ -4152,40 +3084,42 @@
             <a:noAutofit/>
           </a:bodyPr>
           <a:lstStyle>
-            <a:lvl1pPr indent="0" defTabSz="914400">
+            <a:lvl1pPr indent="0" algn="ctr">
               <a:lnSpc>
                 <a:spcPct val="100000"/>
               </a:lnSpc>
               <a:buNone/>
-              <a:defRPr b="0" lang="en-EG" sz="1200" spc="-1" strike="noStrike">
-                <a:solidFill>
-                  <a:schemeClr val="dk1">
-                    <a:tint val="75000"/>
-                  </a:schemeClr>
-                </a:solidFill>
-                <a:latin typeface="Calibri"/>
+              <a:tabLst>
+                <a:tab algn="l" pos="0"/>
+              </a:tabLst>
+              <a:defRPr b="0" lang="en-US" sz="1400" spc="-1" strike="noStrike">
+                <a:solidFill>
+                  <a:srgbClr val="000000"/>
+                </a:solidFill>
+                <a:latin typeface="Times New Roman"/>
               </a:defRPr>
             </a:lvl1pPr>
           </a:lstStyle>
           <a:p>
-            <a:pPr indent="0" defTabSz="914400">
+            <a:pPr indent="0" algn="ctr">
               <a:lnSpc>
                 <a:spcPct val="100000"/>
               </a:lnSpc>
               <a:buNone/>
-            </a:pPr>
-            <a:r>
-              <a:rPr b="0" lang="en-EG" sz="1200" spc="-1" strike="noStrike">
-                <a:solidFill>
-                  <a:schemeClr val="dk1">
-                    <a:tint val="75000"/>
-                  </a:schemeClr>
-                </a:solidFill>
-                <a:latin typeface="Calibri"/>
-              </a:rPr>
-              <a:t>&lt;date/time&gt;</a:t>
-            </a:r>
-            <a:endParaRPr b="0" lang="en-US" sz="1200" spc="-1" strike="noStrike">
+              <a:tabLst>
+                <a:tab algn="l" pos="0"/>
+              </a:tabLst>
+            </a:pPr>
+            <a:r>
+              <a:rPr b="0" lang="en-US" sz="1400" spc="-1" strike="noStrike">
+                <a:solidFill>
+                  <a:srgbClr val="000000"/>
+                </a:solidFill>
+                <a:latin typeface="Times New Roman"/>
+              </a:rPr>
+              <a:t>&lt;footer&gt;</a:t>
+            </a:r>
+            <a:endParaRPr b="0" lang="en-US" sz="1400" spc="-1" strike="noStrike">
               <a:solidFill>
                 <a:srgbClr val="000000"/>
               </a:solidFill>
@@ -4196,18 +3130,18 @@
       </p:sp>
       <p:sp>
         <p:nvSpPr>
-          <p:cNvPr id="20" name="PlaceHolder 4"/>
+          <p:cNvPr id="16" name="PlaceHolder 4"/>
           <p:cNvSpPr>
             <a:spLocks noGrp="1"/>
           </p:cNvSpPr>
           <p:nvPr>
-            <p:ph type="ftr" idx="11"/>
+            <p:ph type="sldNum" idx="11"/>
           </p:nvPr>
         </p:nvSpPr>
         <p:spPr>
           <a:xfrm>
-            <a:off x="4038480" y="6356520"/>
-            <a:ext cx="4114440" cy="364680"/>
+            <a:off x="8610480" y="6356520"/>
+            <a:ext cx="2742480" cy="364320"/>
           </a:xfrm>
           <a:prstGeom prst="rect">
             <a:avLst/>
@@ -4222,30 +3156,46 @@
             <a:noAutofit/>
           </a:bodyPr>
           <a:lstStyle>
-            <a:lvl1pPr indent="0" algn="ctr">
+            <a:lvl1pPr indent="0" algn="r" defTabSz="914400">
+              <a:lnSpc>
+                <a:spcPct val="100000"/>
+              </a:lnSpc>
               <a:buNone/>
-              <a:defRPr b="0" lang="en-US" sz="1400" spc="-1" strike="noStrike">
-                <a:solidFill>
-                  <a:srgbClr val="000000"/>
-                </a:solidFill>
-                <a:latin typeface="Times New Roman"/>
+              <a:tabLst>
+                <a:tab algn="l" pos="0"/>
+              </a:tabLst>
+              <a:defRPr b="0" lang="en-EG" sz="1200" spc="-1" strike="noStrike">
+                <a:solidFill>
+                  <a:schemeClr val="dk1">
+                    <a:tint val="75000"/>
+                  </a:schemeClr>
+                </a:solidFill>
+                <a:latin typeface="Calibri"/>
               </a:defRPr>
             </a:lvl1pPr>
           </a:lstStyle>
           <a:p>
-            <a:pPr indent="0" algn="ctr">
+            <a:pPr indent="0" algn="r" defTabSz="914400">
+              <a:lnSpc>
+                <a:spcPct val="100000"/>
+              </a:lnSpc>
               <a:buNone/>
-            </a:pPr>
-            <a:r>
-              <a:rPr b="0" lang="en-US" sz="1400" spc="-1" strike="noStrike">
-                <a:solidFill>
-                  <a:srgbClr val="000000"/>
-                </a:solidFill>
-                <a:latin typeface="Times New Roman"/>
-              </a:rPr>
-              <a:t>&lt;footer&gt;</a:t>
-            </a:r>
-            <a:endParaRPr b="0" lang="en-US" sz="1400" spc="-1" strike="noStrike">
+              <a:tabLst>
+                <a:tab algn="l" pos="0"/>
+              </a:tabLst>
+            </a:pPr>
+            <a:fld id="{7FFA4DBB-4B6D-4FE2-B82A-491F79044416}" type="slidenum">
+              <a:rPr b="0" lang="en-EG" sz="1200" spc="-1" strike="noStrike">
+                <a:solidFill>
+                  <a:schemeClr val="dk1">
+                    <a:tint val="75000"/>
+                  </a:schemeClr>
+                </a:solidFill>
+                <a:latin typeface="Calibri"/>
+              </a:rPr>
+              <a:t>&lt;number&gt;</a:t>
+            </a:fld>
+            <a:endParaRPr b="0" lang="en-US" sz="1200" spc="-1" strike="noStrike">
               <a:solidFill>
                 <a:srgbClr val="000000"/>
               </a:solidFill>
@@ -4256,18 +3206,18 @@
       </p:sp>
       <p:sp>
         <p:nvSpPr>
-          <p:cNvPr id="21" name="PlaceHolder 5"/>
+          <p:cNvPr id="17" name="PlaceHolder 5"/>
           <p:cNvSpPr>
             <a:spLocks noGrp="1"/>
           </p:cNvSpPr>
           <p:nvPr>
-            <p:ph type="sldNum" idx="12"/>
+            <p:ph type="dt" idx="12"/>
           </p:nvPr>
         </p:nvSpPr>
         <p:spPr>
           <a:xfrm>
-            <a:off x="8610480" y="6356520"/>
-            <a:ext cx="2742840" cy="364680"/>
+            <a:off x="838080" y="6356520"/>
+            <a:ext cx="2742480" cy="364320"/>
           </a:xfrm>
           <a:prstGeom prst="rect">
             <a:avLst/>
@@ -4282,40 +3232,30 @@
             <a:noAutofit/>
           </a:bodyPr>
           <a:lstStyle>
-            <a:lvl1pPr indent="0" algn="r" defTabSz="914400">
-              <a:lnSpc>
-                <a:spcPct val="100000"/>
-              </a:lnSpc>
+            <a:lvl1pPr indent="0">
               <a:buNone/>
-              <a:defRPr b="0" lang="en-EG" sz="1200" spc="-1" strike="noStrike">
-                <a:solidFill>
-                  <a:schemeClr val="dk1">
-                    <a:tint val="75000"/>
-                  </a:schemeClr>
-                </a:solidFill>
-                <a:latin typeface="Calibri"/>
+              <a:defRPr b="0" lang="en-US" sz="1400" spc="-1" strike="noStrike">
+                <a:solidFill>
+                  <a:srgbClr val="000000"/>
+                </a:solidFill>
+                <a:latin typeface="Times New Roman"/>
               </a:defRPr>
             </a:lvl1pPr>
           </a:lstStyle>
           <a:p>
-            <a:pPr indent="0" algn="r" defTabSz="914400">
-              <a:lnSpc>
-                <a:spcPct val="100000"/>
-              </a:lnSpc>
+            <a:pPr indent="0">
               <a:buNone/>
             </a:pPr>
-            <a:fld id="{540614E4-1AAE-4A9C-B15B-5105568504B7}" type="slidenum">
-              <a:rPr b="0" lang="en-EG" sz="1200" spc="-1" strike="noStrike">
-                <a:solidFill>
-                  <a:schemeClr val="dk1">
-                    <a:tint val="75000"/>
-                  </a:schemeClr>
-                </a:solidFill>
-                <a:latin typeface="Calibri"/>
-              </a:rPr>
-              <a:t>&lt;number&gt;</a:t>
-            </a:fld>
-            <a:endParaRPr b="0" lang="en-US" sz="1200" spc="-1" strike="noStrike">
+            <a:r>
+              <a:rPr b="0" lang="en-US" sz="1400" spc="-1" strike="noStrike">
+                <a:solidFill>
+                  <a:srgbClr val="000000"/>
+                </a:solidFill>
+                <a:latin typeface="Times New Roman"/>
+              </a:rPr>
+              <a:t>&lt;date/time&gt;</a:t>
+            </a:r>
+            <a:endParaRPr b="0" lang="en-US" sz="1400" spc="-1" strike="noStrike">
               <a:solidFill>
                 <a:srgbClr val="000000"/>
               </a:solidFill>
@@ -4359,18 +3299,18 @@
       </p:grpSpPr>
       <p:sp>
         <p:nvSpPr>
-          <p:cNvPr id="24" name="PlaceHolder 1"/>
+          <p:cNvPr id="20" name="PlaceHolder 1"/>
           <p:cNvSpPr>
             <a:spLocks noGrp="1"/>
           </p:cNvSpPr>
           <p:nvPr>
-            <p:ph type="title"/>
+            <p:ph type="ftr" idx="13"/>
           </p:nvPr>
         </p:nvSpPr>
         <p:spPr>
           <a:xfrm>
-            <a:off x="831960" y="1709640"/>
-            <a:ext cx="10515240" cy="2852280"/>
+            <a:off x="4038480" y="6356520"/>
+            <a:ext cx="4114080" cy="364320"/>
           </a:xfrm>
           <a:prstGeom prst="rect">
             <a:avLst/>
@@ -4381,48 +3321,68 @@
           </a:ln>
         </p:spPr>
         <p:txBody>
-          <a:bodyPr lIns="91440" rIns="91440" tIns="45720" bIns="45720" anchor="b">
+          <a:bodyPr lIns="91440" rIns="91440" tIns="45720" bIns="45720" anchor="ctr">
             <a:noAutofit/>
           </a:bodyPr>
-          <a:p>
-            <a:pPr indent="0" defTabSz="914400">
+          <a:lstStyle>
+            <a:lvl1pPr indent="0" algn="ctr">
               <a:lnSpc>
-                <a:spcPct val="90000"/>
+                <a:spcPct val="100000"/>
               </a:lnSpc>
               <a:buNone/>
-            </a:pPr>
-            <a:r>
-              <a:rPr b="0" lang="en-US" sz="6000" spc="-1" strike="noStrike">
-                <a:solidFill>
-                  <a:schemeClr val="dk1"/>
-                </a:solidFill>
-                <a:latin typeface="Calibri Light"/>
-              </a:rPr>
-              <a:t>Click to edit Master title style</a:t>
-            </a:r>
-            <a:endParaRPr b="0" lang="en-EG" sz="6000" spc="-1" strike="noStrike">
-              <a:solidFill>
-                <a:schemeClr val="dk1"/>
-              </a:solidFill>
-              <a:latin typeface="Calibri"/>
-            </a:endParaRPr>
-          </a:p>
-        </p:txBody>
-      </p:sp>
-      <p:sp>
-        <p:nvSpPr>
-          <p:cNvPr id="25" name="PlaceHolder 2"/>
+              <a:tabLst>
+                <a:tab algn="l" pos="0"/>
+              </a:tabLst>
+              <a:defRPr b="0" lang="en-US" sz="1400" spc="-1" strike="noStrike">
+                <a:solidFill>
+                  <a:srgbClr val="000000"/>
+                </a:solidFill>
+                <a:latin typeface="Times New Roman"/>
+              </a:defRPr>
+            </a:lvl1pPr>
+          </a:lstStyle>
+          <a:p>
+            <a:pPr indent="0" algn="ctr">
+              <a:lnSpc>
+                <a:spcPct val="100000"/>
+              </a:lnSpc>
+              <a:buNone/>
+              <a:tabLst>
+                <a:tab algn="l" pos="0"/>
+              </a:tabLst>
+            </a:pPr>
+            <a:r>
+              <a:rPr b="0" lang="en-US" sz="1400" spc="-1" strike="noStrike">
+                <a:solidFill>
+                  <a:srgbClr val="000000"/>
+                </a:solidFill>
+                <a:latin typeface="Times New Roman"/>
+              </a:rPr>
+              <a:t>&lt;footer&gt;</a:t>
+            </a:r>
+            <a:endParaRPr b="0" lang="en-US" sz="1400" spc="-1" strike="noStrike">
+              <a:solidFill>
+                <a:srgbClr val="000000"/>
+              </a:solidFill>
+              <a:latin typeface="Times New Roman"/>
+            </a:endParaRPr>
+          </a:p>
+        </p:txBody>
+      </p:sp>
+      <p:sp>
+        <p:nvSpPr>
+          <p:cNvPr id="21" name="PlaceHolder 2"/>
           <p:cNvSpPr>
             <a:spLocks noGrp="1"/>
           </p:cNvSpPr>
           <p:nvPr>
-            <p:ph type="body"/>
+            <p:ph type="sldNum" idx="14"/>
           </p:nvPr>
         </p:nvSpPr>
         <p:spPr>
           <a:xfrm>
-            <a:off x="831960" y="4589640"/>
-            <a:ext cx="10515240" cy="1499760"/>
+            <a:off x="8610480" y="6356520"/>
+            <a:ext cx="2742480" cy="364320"/>
           </a:xfrm>
           <a:prstGeom prst="rect">
             <a:avLst/>
@@ -4433,56 +3393,72 @@
           </a:ln>
         </p:spPr>
         <p:txBody>
-          <a:bodyPr lIns="91440" rIns="91440" tIns="45720" bIns="45720" anchor="t">
+          <a:bodyPr lIns="91440" rIns="91440" tIns="45720" bIns="45720" anchor="ctr">
             <a:noAutofit/>
           </a:bodyPr>
-          <a:p>
-            <a:pPr indent="0" defTabSz="914400">
+          <a:lstStyle>
+            <a:lvl1pPr indent="0" algn="r" defTabSz="914400">
               <a:lnSpc>
-                <a:spcPct val="90000"/>
+                <a:spcPct val="100000"/>
               </a:lnSpc>
-              <a:spcBef>
-                <a:spcPts val="1001"/>
-              </a:spcBef>
               <a:buNone/>
               <a:tabLst>
                 <a:tab algn="l" pos="0"/>
               </a:tabLst>
-            </a:pPr>
-            <a:r>
-              <a:rPr b="0" lang="en-US" sz="2400" spc="-1" strike="noStrike">
+              <a:defRPr b="0" lang="en-EG" sz="1200" spc="-1" strike="noStrike">
                 <a:solidFill>
                   <a:schemeClr val="dk1">
                     <a:tint val="75000"/>
                   </a:schemeClr>
                 </a:solidFill>
                 <a:latin typeface="Calibri"/>
-              </a:rPr>
-              <a:t>Click to edit Master text styles</a:t>
-            </a:r>
-            <a:endParaRPr b="0" lang="en-EG" sz="2400" spc="-1" strike="noStrike">
-              <a:solidFill>
-                <a:schemeClr val="dk1"/>
-              </a:solidFill>
-              <a:latin typeface="Calibri"/>
-            </a:endParaRPr>
-          </a:p>
-        </p:txBody>
-      </p:sp>
-      <p:sp>
-        <p:nvSpPr>
-          <p:cNvPr id="26" name="PlaceHolder 3"/>
+              </a:defRPr>
+            </a:lvl1pPr>
+          </a:lstStyle>
+          <a:p>
+            <a:pPr indent="0" algn="r" defTabSz="914400">
+              <a:lnSpc>
+                <a:spcPct val="100000"/>
+              </a:lnSpc>
+              <a:buNone/>
+              <a:tabLst>
+                <a:tab algn="l" pos="0"/>
+              </a:tabLst>
+            </a:pPr>
+            <a:fld id="{B2F08541-6D84-4F02-A397-78216C03067D}" type="slidenum">
+              <a:rPr b="0" lang="en-EG" sz="1200" spc="-1" strike="noStrike">
+                <a:solidFill>
+                  <a:schemeClr val="dk1">
+                    <a:tint val="75000"/>
+                  </a:schemeClr>
+                </a:solidFill>
+                <a:latin typeface="Calibri"/>
+              </a:rPr>
+              <a:t>&lt;number&gt;</a:t>
+            </a:fld>
+            <a:endParaRPr b="0" lang="en-US" sz="1200" spc="-1" strike="noStrike">
+              <a:solidFill>
+                <a:srgbClr val="000000"/>
+              </a:solidFill>
+              <a:latin typeface="Times New Roman"/>
+            </a:endParaRPr>
+          </a:p>
+        </p:txBody>
+      </p:sp>
+      <p:sp>
+        <p:nvSpPr>
+          <p:cNvPr id="22" name="PlaceHolder 3"/>
           <p:cNvSpPr>
             <a:spLocks noGrp="1"/>
           </p:cNvSpPr>
           <p:nvPr>
-            <p:ph type="dt" idx="13"/>
+            <p:ph type="dt" idx="15"/>
           </p:nvPr>
         </p:nvSpPr>
         <p:spPr>
           <a:xfrm>
             <a:off x="838080" y="6356520"/>
-            <a:ext cx="2742840" cy="364680"/>
+            <a:ext cx="2742480" cy="364320"/>
           </a:xfrm>
           <a:prstGeom prst="rect">
             <a:avLst/>
@@ -4497,77 +3473,7 @@
             <a:noAutofit/>
           </a:bodyPr>
           <a:lstStyle>
-            <a:lvl1pPr indent="0" defTabSz="914400">
-              <a:lnSpc>
-                <a:spcPct val="100000"/>
-              </a:lnSpc>
-              <a:buNone/>
-              <a:defRPr b="0" lang="en-EG" sz="1200" spc="-1" strike="noStrike">
-                <a:solidFill>
-                  <a:schemeClr val="dk1">
-                    <a:tint val="75000"/>
-                  </a:schemeClr>
-                </a:solidFill>
-                <a:latin typeface="Calibri"/>
-              </a:defRPr>
-            </a:lvl1pPr>
-          </a:lstStyle>
-          <a:p>
-            <a:pPr indent="0" defTabSz="914400">
-              <a:lnSpc>
-                <a:spcPct val="100000"/>
-              </a:lnSpc>
-              <a:buNone/>
-            </a:pPr>
-            <a:r>
-              <a:rPr b="0" lang="en-EG" sz="1200" spc="-1" strike="noStrike">
-                <a:solidFill>
-                  <a:schemeClr val="dk1">
-                    <a:tint val="75000"/>
-                  </a:schemeClr>
-                </a:solidFill>
-                <a:latin typeface="Calibri"/>
-              </a:rPr>
-              <a:t>&lt;date/time&gt;</a:t>
-            </a:r>
-            <a:endParaRPr b="0" lang="en-US" sz="1200" spc="-1" strike="noStrike">
-              <a:solidFill>
-                <a:srgbClr val="000000"/>
-              </a:solidFill>
-              <a:latin typeface="Times New Roman"/>
-            </a:endParaRPr>
-          </a:p>
-        </p:txBody>
-      </p:sp>
-      <p:sp>
-        <p:nvSpPr>
-          <p:cNvPr id="27" name="PlaceHolder 4"/>
-          <p:cNvSpPr>
-            <a:spLocks noGrp="1"/>
-          </p:cNvSpPr>
-          <p:nvPr>
-            <p:ph type="ftr" idx="14"/>
-          </p:nvPr>
-        </p:nvSpPr>
-        <p:spPr>
-          <a:xfrm>
-            <a:off x="4038480" y="6356520"/>
-            <a:ext cx="4114440" cy="364680"/>
-          </a:xfrm>
-          <a:prstGeom prst="rect">
-            <a:avLst/>
-          </a:prstGeom>
-          <a:noFill/>
-          <a:ln w="0">
-            <a:noFill/>
-          </a:ln>
-        </p:spPr>
-        <p:txBody>
-          <a:bodyPr lIns="91440" rIns="91440" tIns="45720" bIns="45720" anchor="ctr">
-            <a:noAutofit/>
-          </a:bodyPr>
-          <a:lstStyle>
-            <a:lvl1pPr indent="0" algn="ctr">
+            <a:lvl1pPr indent="0">
               <a:buNone/>
               <a:defRPr b="0" lang="en-US" sz="1400" spc="-1" strike="noStrike">
                 <a:solidFill>
@@ -4578,7 +3484,7 @@
             </a:lvl1pPr>
           </a:lstStyle>
           <a:p>
-            <a:pPr indent="0" algn="ctr">
+            <a:pPr indent="0">
               <a:buNone/>
             </a:pPr>
             <a:r>
@@ -4588,79 +3494,9 @@
                 </a:solidFill>
                 <a:latin typeface="Times New Roman"/>
               </a:rPr>
-              <a:t>&lt;footer&gt;</a:t>
+              <a:t>&lt;date/time&gt;</a:t>
             </a:r>
             <a:endParaRPr b="0" lang="en-US" sz="1400" spc="-1" strike="noStrike">
-              <a:solidFill>
-                <a:srgbClr val="000000"/>
-              </a:solidFill>
-              <a:latin typeface="Times New Roman"/>
-            </a:endParaRPr>
-          </a:p>
-        </p:txBody>
-      </p:sp>
-      <p:sp>
-        <p:nvSpPr>
-          <p:cNvPr id="28" name="PlaceHolder 5"/>
-          <p:cNvSpPr>
-            <a:spLocks noGrp="1"/>
-          </p:cNvSpPr>
-          <p:nvPr>
-            <p:ph type="sldNum" idx="15"/>
-          </p:nvPr>
-        </p:nvSpPr>
-        <p:spPr>
-          <a:xfrm>
-            <a:off x="8610480" y="6356520"/>
-            <a:ext cx="2742840" cy="364680"/>
-          </a:xfrm>
-          <a:prstGeom prst="rect">
-            <a:avLst/>
-          </a:prstGeom>
-          <a:noFill/>
-          <a:ln w="0">
-            <a:noFill/>
-          </a:ln>
-        </p:spPr>
-        <p:txBody>
-          <a:bodyPr lIns="91440" rIns="91440" tIns="45720" bIns="45720" anchor="ctr">
-            <a:noAutofit/>
-          </a:bodyPr>
-          <a:lstStyle>
-            <a:lvl1pPr indent="0" algn="r" defTabSz="914400">
-              <a:lnSpc>
-                <a:spcPct val="100000"/>
-              </a:lnSpc>
-              <a:buNone/>
-              <a:defRPr b="0" lang="en-EG" sz="1200" spc="-1" strike="noStrike">
-                <a:solidFill>
-                  <a:schemeClr val="dk1">
-                    <a:tint val="75000"/>
-                  </a:schemeClr>
-                </a:solidFill>
-                <a:latin typeface="Calibri"/>
-              </a:defRPr>
-            </a:lvl1pPr>
-          </a:lstStyle>
-          <a:p>
-            <a:pPr indent="0" algn="r" defTabSz="914400">
-              <a:lnSpc>
-                <a:spcPct val="100000"/>
-              </a:lnSpc>
-              <a:buNone/>
-            </a:pPr>
-            <a:fld id="{2FB9B22E-B332-4BB9-9F70-F0DBF83FDD4B}" type="slidenum">
-              <a:rPr b="0" lang="en-EG" sz="1200" spc="-1" strike="noStrike">
-                <a:solidFill>
-                  <a:schemeClr val="dk1">
-                    <a:tint val="75000"/>
-                  </a:schemeClr>
-                </a:solidFill>
-                <a:latin typeface="Calibri"/>
-              </a:rPr>
-              <a:t>&lt;number&gt;</a:t>
-            </a:fld>
-            <a:endParaRPr b="0" lang="en-US" sz="1200" spc="-1" strike="noStrike">
               <a:solidFill>
                 <a:srgbClr val="000000"/>
               </a:solidFill>
@@ -4704,7 +3540,7 @@
       </p:grpSpPr>
       <p:sp>
         <p:nvSpPr>
-          <p:cNvPr id="29" name="PlaceHolder 1"/>
+          <p:cNvPr id="23" name="PlaceHolder 1"/>
           <p:cNvSpPr>
             <a:spLocks noGrp="1"/>
           </p:cNvSpPr>
@@ -4714,8 +3550,8 @@
         </p:nvSpPr>
         <p:spPr>
           <a:xfrm>
-            <a:off x="838080" y="365040"/>
-            <a:ext cx="10515240" cy="1325160"/>
+            <a:off x="1523880" y="1122480"/>
+            <a:ext cx="9143280" cy="2386800"/>
           </a:xfrm>
           <a:prstGeom prst="rect">
             <a:avLst/>
@@ -4726,37 +3562,34 @@
           </a:ln>
         </p:spPr>
         <p:txBody>
-          <a:bodyPr lIns="91440" rIns="91440" tIns="45720" bIns="45720" anchor="ctr">
+          <a:bodyPr lIns="0" rIns="0" tIns="0" bIns="0" anchor="ctr">
             <a:noAutofit/>
           </a:bodyPr>
           <a:p>
-            <a:pPr indent="0" defTabSz="914400">
-              <a:lnSpc>
-                <a:spcPct val="90000"/>
-              </a:lnSpc>
+            <a:pPr indent="0">
               <a:buNone/>
             </a:pPr>
             <a:r>
-              <a:rPr b="0" lang="en-US" sz="4400" spc="-1" strike="noStrike">
-                <a:solidFill>
-                  <a:schemeClr val="dk1"/>
-                </a:solidFill>
-                <a:latin typeface="Calibri Light"/>
-              </a:rPr>
-              <a:t>Click to edit Master title style</a:t>
-            </a:r>
-            <a:endParaRPr b="0" lang="en-EG" sz="4400" spc="-1" strike="noStrike">
-              <a:solidFill>
-                <a:schemeClr val="dk1"/>
-              </a:solidFill>
-              <a:latin typeface="Calibri"/>
-            </a:endParaRPr>
-          </a:p>
-        </p:txBody>
-      </p:sp>
-      <p:sp>
-        <p:nvSpPr>
-          <p:cNvPr id="30" name="PlaceHolder 2"/>
+              <a:rPr b="0" lang="en-US" sz="1800" spc="-1" strike="noStrike">
+                <a:solidFill>
+                  <a:srgbClr val="000000"/>
+                </a:solidFill>
+                <a:latin typeface="Arial"/>
+              </a:rPr>
+              <a:t>Click to edit the title text format</a:t>
+            </a:r>
+            <a:endParaRPr b="0" lang="en-US" sz="1800" spc="-1" strike="noStrike">
+              <a:solidFill>
+                <a:srgbClr val="000000"/>
+              </a:solidFill>
+              <a:latin typeface="Arial"/>
+            </a:endParaRPr>
+          </a:p>
+        </p:txBody>
+      </p:sp>
+      <p:sp>
+        <p:nvSpPr>
+          <p:cNvPr id="24" name="PlaceHolder 2"/>
           <p:cNvSpPr>
             <a:spLocks noGrp="1"/>
           </p:cNvSpPr>
@@ -4766,8 +3599,8 @@
         </p:nvSpPr>
         <p:spPr>
           <a:xfrm>
-            <a:off x="838080" y="1825560"/>
-            <a:ext cx="5181120" cy="4350960"/>
+            <a:off x="609480" y="1604520"/>
+            <a:ext cx="5353920" cy="3976920"/>
           </a:xfrm>
           <a:prstGeom prst="rect">
             <a:avLst/>
@@ -4778,164 +3611,210 @@
           </a:ln>
         </p:spPr>
         <p:txBody>
-          <a:bodyPr lIns="91440" rIns="91440" tIns="45720" bIns="45720" anchor="t">
-            <a:noAutofit/>
+          <a:bodyPr lIns="0" rIns="0" tIns="0" bIns="0" anchor="t">
+            <a:normAutofit/>
           </a:bodyPr>
           <a:p>
-            <a:pPr marL="228600" indent="-228600" defTabSz="914400">
-              <a:lnSpc>
-                <a:spcPct val="90000"/>
-              </a:lnSpc>
+            <a:pPr marL="432000" indent="-324000">
               <a:spcBef>
-                <a:spcPts val="1001"/>
+                <a:spcPts val="1417"/>
               </a:spcBef>
               <a:buClr>
                 <a:srgbClr val="000000"/>
               </a:buClr>
-              <a:buFont typeface="Arial"/>
-              <a:buChar char="•"/>
-            </a:pPr>
-            <a:r>
-              <a:rPr b="0" lang="en-US" sz="2800" spc="-1" strike="noStrike">
-                <a:solidFill>
-                  <a:schemeClr val="dk1"/>
-                </a:solidFill>
-                <a:latin typeface="Calibri"/>
-              </a:rPr>
-              <a:t>Click to edit Master text styles</a:t>
-            </a:r>
-            <a:endParaRPr b="0" lang="en-EG" sz="2800" spc="-1" strike="noStrike">
-              <a:solidFill>
-                <a:schemeClr val="dk1"/>
-              </a:solidFill>
-              <a:latin typeface="Calibri"/>
-            </a:endParaRPr>
-          </a:p>
-          <a:p>
-            <a:pPr lvl="1" marL="685800" indent="-228600" defTabSz="914400">
-              <a:lnSpc>
-                <a:spcPct val="90000"/>
-              </a:lnSpc>
+              <a:buSzPct val="45000"/>
+              <a:buFont typeface="Wingdings" charset="2"/>
+              <a:buChar char=""/>
+            </a:pPr>
+            <a:r>
+              <a:rPr b="0" lang="en-US" sz="1800" spc="-1" strike="noStrike">
+                <a:solidFill>
+                  <a:srgbClr val="000000"/>
+                </a:solidFill>
+                <a:latin typeface="Arial"/>
+              </a:rPr>
+              <a:t>Click to edit the outline text format</a:t>
+            </a:r>
+            <a:endParaRPr b="0" lang="en-US" sz="1800" spc="-1" strike="noStrike">
+              <a:solidFill>
+                <a:srgbClr val="000000"/>
+              </a:solidFill>
+              <a:latin typeface="Arial"/>
+            </a:endParaRPr>
+          </a:p>
+          <a:p>
+            <a:pPr lvl="1" marL="864000" indent="-324000">
               <a:spcBef>
-                <a:spcPts val="499"/>
+                <a:spcPts val="1134"/>
               </a:spcBef>
               <a:buClr>
                 <a:srgbClr val="000000"/>
               </a:buClr>
-              <a:buFont typeface="Arial"/>
-              <a:buChar char="•"/>
-            </a:pPr>
-            <a:r>
-              <a:rPr b="0" lang="en-US" sz="2400" spc="-1" strike="noStrike">
-                <a:solidFill>
-                  <a:schemeClr val="dk1"/>
-                </a:solidFill>
-                <a:latin typeface="Calibri"/>
-              </a:rPr>
-              <a:t>Second level</a:t>
-            </a:r>
-            <a:endParaRPr b="0" lang="en-EG" sz="2400" spc="-1" strike="noStrike">
-              <a:solidFill>
-                <a:schemeClr val="dk1"/>
-              </a:solidFill>
-              <a:latin typeface="Calibri"/>
-            </a:endParaRPr>
-          </a:p>
-          <a:p>
-            <a:pPr lvl="2" marL="1143000" indent="-228600" defTabSz="914400">
-              <a:lnSpc>
-                <a:spcPct val="90000"/>
-              </a:lnSpc>
+              <a:buSzPct val="75000"/>
+              <a:buFont typeface="Symbol" charset="2"/>
+              <a:buChar char=""/>
+            </a:pPr>
+            <a:r>
+              <a:rPr b="0" lang="en-US" sz="1800" spc="-1" strike="noStrike">
+                <a:solidFill>
+                  <a:srgbClr val="000000"/>
+                </a:solidFill>
+                <a:latin typeface="Arial"/>
+              </a:rPr>
+              <a:t>Second Outline Level</a:t>
+            </a:r>
+            <a:endParaRPr b="0" lang="en-US" sz="1800" spc="-1" strike="noStrike">
+              <a:solidFill>
+                <a:srgbClr val="000000"/>
+              </a:solidFill>
+              <a:latin typeface="Arial"/>
+            </a:endParaRPr>
+          </a:p>
+          <a:p>
+            <a:pPr lvl="2" marL="1296000" indent="-288000">
               <a:spcBef>
-                <a:spcPts val="499"/>
+                <a:spcPts val="850"/>
               </a:spcBef>
               <a:buClr>
                 <a:srgbClr val="000000"/>
               </a:buClr>
-              <a:buFont typeface="Arial"/>
-              <a:buChar char="•"/>
-            </a:pPr>
-            <a:r>
-              <a:rPr b="0" lang="en-US" sz="2000" spc="-1" strike="noStrike">
-                <a:solidFill>
-                  <a:schemeClr val="dk1"/>
-                </a:solidFill>
-                <a:latin typeface="Calibri"/>
-              </a:rPr>
-              <a:t>Third level</a:t>
-            </a:r>
-            <a:endParaRPr b="0" lang="en-EG" sz="2000" spc="-1" strike="noStrike">
-              <a:solidFill>
-                <a:schemeClr val="dk1"/>
-              </a:solidFill>
-              <a:latin typeface="Calibri"/>
-            </a:endParaRPr>
-          </a:p>
-          <a:p>
-            <a:pPr lvl="3" marL="1600200" indent="-228600" defTabSz="914400">
-              <a:lnSpc>
-                <a:spcPct val="90000"/>
-              </a:lnSpc>
+              <a:buSzPct val="45000"/>
+              <a:buFont typeface="Wingdings" charset="2"/>
+              <a:buChar char=""/>
+            </a:pPr>
+            <a:r>
+              <a:rPr b="0" lang="en-US" sz="1800" spc="-1" strike="noStrike">
+                <a:solidFill>
+                  <a:srgbClr val="000000"/>
+                </a:solidFill>
+                <a:latin typeface="Arial"/>
+              </a:rPr>
+              <a:t>Third Outline Level</a:t>
+            </a:r>
+            <a:endParaRPr b="0" lang="en-US" sz="1800" spc="-1" strike="noStrike">
+              <a:solidFill>
+                <a:srgbClr val="000000"/>
+              </a:solidFill>
+              <a:latin typeface="Arial"/>
+            </a:endParaRPr>
+          </a:p>
+          <a:p>
+            <a:pPr lvl="3" marL="1728000" indent="-216000">
               <a:spcBef>
-                <a:spcPts val="499"/>
+                <a:spcPts val="567"/>
               </a:spcBef>
               <a:buClr>
                 <a:srgbClr val="000000"/>
               </a:buClr>
-              <a:buFont typeface="Arial"/>
-              <a:buChar char="•"/>
+              <a:buSzPct val="75000"/>
+              <a:buFont typeface="Symbol" charset="2"/>
+              <a:buChar char=""/>
             </a:pPr>
             <a:r>
               <a:rPr b="0" lang="en-US" sz="1800" spc="-1" strike="noStrike">
                 <a:solidFill>
-                  <a:schemeClr val="dk1"/>
-                </a:solidFill>
-                <a:latin typeface="Calibri"/>
-              </a:rPr>
-              <a:t>Fourth level</a:t>
-            </a:r>
-            <a:endParaRPr b="0" lang="en-EG" sz="1800" spc="-1" strike="noStrike">
-              <a:solidFill>
-                <a:schemeClr val="dk1"/>
-              </a:solidFill>
-              <a:latin typeface="Calibri"/>
-            </a:endParaRPr>
-          </a:p>
-          <a:p>
-            <a:pPr lvl="4" marL="2057400" indent="-228600" defTabSz="914400">
-              <a:lnSpc>
-                <a:spcPct val="90000"/>
-              </a:lnSpc>
+                  <a:srgbClr val="000000"/>
+                </a:solidFill>
+                <a:latin typeface="Arial"/>
+              </a:rPr>
+              <a:t>Fourth Outline Level</a:t>
+            </a:r>
+            <a:endParaRPr b="0" lang="en-US" sz="1800" spc="-1" strike="noStrike">
+              <a:solidFill>
+                <a:srgbClr val="000000"/>
+              </a:solidFill>
+              <a:latin typeface="Arial"/>
+            </a:endParaRPr>
+          </a:p>
+          <a:p>
+            <a:pPr lvl="4" marL="2160000" indent="-216000">
               <a:spcBef>
-                <a:spcPts val="499"/>
+                <a:spcPts val="283"/>
               </a:spcBef>
               <a:buClr>
                 <a:srgbClr val="000000"/>
               </a:buClr>
-              <a:buFont typeface="Arial"/>
-              <a:buChar char="•"/>
+              <a:buSzPct val="45000"/>
+              <a:buFont typeface="Wingdings" charset="2"/>
+              <a:buChar char=""/>
             </a:pPr>
             <a:r>
               <a:rPr b="0" lang="en-US" sz="1800" spc="-1" strike="noStrike">
                 <a:solidFill>
-                  <a:schemeClr val="dk1"/>
-                </a:solidFill>
-                <a:latin typeface="Calibri"/>
-              </a:rPr>
-              <a:t>Fifth level</a:t>
-            </a:r>
-            <a:endParaRPr b="0" lang="en-EG" sz="1800" spc="-1" strike="noStrike">
-              <a:solidFill>
-                <a:schemeClr val="dk1"/>
-              </a:solidFill>
-              <a:latin typeface="Calibri"/>
-            </a:endParaRPr>
-          </a:p>
-        </p:txBody>
-      </p:sp>
-      <p:sp>
-        <p:nvSpPr>
-          <p:cNvPr id="31" name="PlaceHolder 3"/>
+                  <a:srgbClr val="000000"/>
+                </a:solidFill>
+                <a:latin typeface="Arial"/>
+              </a:rPr>
+              <a:t>Fifth Outline Level</a:t>
+            </a:r>
+            <a:endParaRPr b="0" lang="en-US" sz="1800" spc="-1" strike="noStrike">
+              <a:solidFill>
+                <a:srgbClr val="000000"/>
+              </a:solidFill>
+              <a:latin typeface="Arial"/>
+            </a:endParaRPr>
+          </a:p>
+          <a:p>
+            <a:pPr lvl="5" marL="2592000" indent="-216000">
+              <a:spcBef>
+                <a:spcPts val="283"/>
+              </a:spcBef>
+              <a:buClr>
+                <a:srgbClr val="000000"/>
+              </a:buClr>
+              <a:buSzPct val="45000"/>
+              <a:buFont typeface="Wingdings" charset="2"/>
+              <a:buChar char=""/>
+            </a:pPr>
+            <a:r>
+              <a:rPr b="0" lang="en-US" sz="1800" spc="-1" strike="noStrike">
+                <a:solidFill>
+                  <a:srgbClr val="000000"/>
+                </a:solidFill>
+                <a:latin typeface="Arial"/>
+              </a:rPr>
+              <a:t>Sixth Outline Level</a:t>
+            </a:r>
+            <a:endParaRPr b="0" lang="en-US" sz="1800" spc="-1" strike="noStrike">
+              <a:solidFill>
+                <a:srgbClr val="000000"/>
+              </a:solidFill>
+              <a:latin typeface="Arial"/>
+            </a:endParaRPr>
+          </a:p>
+          <a:p>
+            <a:pPr lvl="6" marL="3024000" indent="-216000">
+              <a:spcBef>
+                <a:spcPts val="283"/>
+              </a:spcBef>
+              <a:buClr>
+                <a:srgbClr val="000000"/>
+              </a:buClr>
+              <a:buSzPct val="45000"/>
+              <a:buFont typeface="Wingdings" charset="2"/>
+              <a:buChar char=""/>
+            </a:pPr>
+            <a:r>
+              <a:rPr b="0" lang="en-US" sz="1800" spc="-1" strike="noStrike">
+                <a:solidFill>
+                  <a:srgbClr val="000000"/>
+                </a:solidFill>
+                <a:latin typeface="Arial"/>
+              </a:rPr>
+              <a:t>Seventh Outline Level</a:t>
+            </a:r>
+            <a:endParaRPr b="0" lang="en-US" sz="1800" spc="-1" strike="noStrike">
+              <a:solidFill>
+                <a:srgbClr val="000000"/>
+              </a:solidFill>
+              <a:latin typeface="Arial"/>
+            </a:endParaRPr>
+          </a:p>
+        </p:txBody>
+      </p:sp>
+      <p:sp>
+        <p:nvSpPr>
+          <p:cNvPr id="25" name="PlaceHolder 3"/>
           <p:cNvSpPr>
             <a:spLocks noGrp="1"/>
           </p:cNvSpPr>
@@ -4945,8 +3824,8 @@
         </p:nvSpPr>
         <p:spPr>
           <a:xfrm>
-            <a:off x="6172200" y="1825560"/>
-            <a:ext cx="5181120" cy="4350960"/>
+            <a:off x="6231960" y="1604520"/>
+            <a:ext cx="5353920" cy="3976920"/>
           </a:xfrm>
           <a:prstGeom prst="rect">
             <a:avLst/>
@@ -4957,175 +3836,221 @@
           </a:ln>
         </p:spPr>
         <p:txBody>
-          <a:bodyPr lIns="91440" rIns="91440" tIns="45720" bIns="45720" anchor="t">
-            <a:noAutofit/>
+          <a:bodyPr lIns="0" rIns="0" tIns="0" bIns="0" anchor="t">
+            <a:normAutofit/>
           </a:bodyPr>
           <a:p>
-            <a:pPr marL="228600" indent="-228600" defTabSz="914400">
-              <a:lnSpc>
-                <a:spcPct val="90000"/>
-              </a:lnSpc>
+            <a:pPr marL="432000" indent="-324000">
               <a:spcBef>
-                <a:spcPts val="1001"/>
+                <a:spcPts val="1417"/>
               </a:spcBef>
               <a:buClr>
                 <a:srgbClr val="000000"/>
               </a:buClr>
-              <a:buFont typeface="Arial"/>
-              <a:buChar char="•"/>
-            </a:pPr>
-            <a:r>
-              <a:rPr b="0" lang="en-US" sz="2800" spc="-1" strike="noStrike">
-                <a:solidFill>
-                  <a:schemeClr val="dk1"/>
-                </a:solidFill>
-                <a:latin typeface="Calibri"/>
-              </a:rPr>
-              <a:t>Click to edit Master text styles</a:t>
-            </a:r>
-            <a:endParaRPr b="0" lang="en-EG" sz="2800" spc="-1" strike="noStrike">
-              <a:solidFill>
-                <a:schemeClr val="dk1"/>
-              </a:solidFill>
-              <a:latin typeface="Calibri"/>
-            </a:endParaRPr>
-          </a:p>
-          <a:p>
-            <a:pPr lvl="1" marL="685800" indent="-228600" defTabSz="914400">
-              <a:lnSpc>
-                <a:spcPct val="90000"/>
-              </a:lnSpc>
+              <a:buSzPct val="45000"/>
+              <a:buFont typeface="Wingdings" charset="2"/>
+              <a:buChar char=""/>
+            </a:pPr>
+            <a:r>
+              <a:rPr b="0" lang="en-US" sz="1800" spc="-1" strike="noStrike">
+                <a:solidFill>
+                  <a:srgbClr val="000000"/>
+                </a:solidFill>
+                <a:latin typeface="Arial"/>
+              </a:rPr>
+              <a:t>Click to edit the outline text format</a:t>
+            </a:r>
+            <a:endParaRPr b="0" lang="en-US" sz="1800" spc="-1" strike="noStrike">
+              <a:solidFill>
+                <a:srgbClr val="000000"/>
+              </a:solidFill>
+              <a:latin typeface="Arial"/>
+            </a:endParaRPr>
+          </a:p>
+          <a:p>
+            <a:pPr lvl="1" marL="864000" indent="-324000">
               <a:spcBef>
-                <a:spcPts val="499"/>
+                <a:spcPts val="1134"/>
               </a:spcBef>
               <a:buClr>
                 <a:srgbClr val="000000"/>
               </a:buClr>
-              <a:buFont typeface="Arial"/>
-              <a:buChar char="•"/>
-            </a:pPr>
-            <a:r>
-              <a:rPr b="0" lang="en-US" sz="2400" spc="-1" strike="noStrike">
-                <a:solidFill>
-                  <a:schemeClr val="dk1"/>
-                </a:solidFill>
-                <a:latin typeface="Calibri"/>
-              </a:rPr>
-              <a:t>Second level</a:t>
-            </a:r>
-            <a:endParaRPr b="0" lang="en-EG" sz="2400" spc="-1" strike="noStrike">
-              <a:solidFill>
-                <a:schemeClr val="dk1"/>
-              </a:solidFill>
-              <a:latin typeface="Calibri"/>
-            </a:endParaRPr>
-          </a:p>
-          <a:p>
-            <a:pPr lvl="2" marL="1143000" indent="-228600" defTabSz="914400">
-              <a:lnSpc>
-                <a:spcPct val="90000"/>
-              </a:lnSpc>
+              <a:buSzPct val="75000"/>
+              <a:buFont typeface="Symbol" charset="2"/>
+              <a:buChar char=""/>
+            </a:pPr>
+            <a:r>
+              <a:rPr b="0" lang="en-US" sz="1800" spc="-1" strike="noStrike">
+                <a:solidFill>
+                  <a:srgbClr val="000000"/>
+                </a:solidFill>
+                <a:latin typeface="Arial"/>
+              </a:rPr>
+              <a:t>Second Outline Level</a:t>
+            </a:r>
+            <a:endParaRPr b="0" lang="en-US" sz="1800" spc="-1" strike="noStrike">
+              <a:solidFill>
+                <a:srgbClr val="000000"/>
+              </a:solidFill>
+              <a:latin typeface="Arial"/>
+            </a:endParaRPr>
+          </a:p>
+          <a:p>
+            <a:pPr lvl="2" marL="1296000" indent="-288000">
               <a:spcBef>
-                <a:spcPts val="499"/>
+                <a:spcPts val="850"/>
               </a:spcBef>
               <a:buClr>
                 <a:srgbClr val="000000"/>
               </a:buClr>
-              <a:buFont typeface="Arial"/>
-              <a:buChar char="•"/>
-            </a:pPr>
-            <a:r>
-              <a:rPr b="0" lang="en-US" sz="2000" spc="-1" strike="noStrike">
-                <a:solidFill>
-                  <a:schemeClr val="dk1"/>
-                </a:solidFill>
-                <a:latin typeface="Calibri"/>
-              </a:rPr>
-              <a:t>Third level</a:t>
-            </a:r>
-            <a:endParaRPr b="0" lang="en-EG" sz="2000" spc="-1" strike="noStrike">
-              <a:solidFill>
-                <a:schemeClr val="dk1"/>
-              </a:solidFill>
-              <a:latin typeface="Calibri"/>
-            </a:endParaRPr>
-          </a:p>
-          <a:p>
-            <a:pPr lvl="3" marL="1600200" indent="-228600" defTabSz="914400">
-              <a:lnSpc>
-                <a:spcPct val="90000"/>
-              </a:lnSpc>
+              <a:buSzPct val="45000"/>
+              <a:buFont typeface="Wingdings" charset="2"/>
+              <a:buChar char=""/>
+            </a:pPr>
+            <a:r>
+              <a:rPr b="0" lang="en-US" sz="1800" spc="-1" strike="noStrike">
+                <a:solidFill>
+                  <a:srgbClr val="000000"/>
+                </a:solidFill>
+                <a:latin typeface="Arial"/>
+              </a:rPr>
+              <a:t>Third Outline Level</a:t>
+            </a:r>
+            <a:endParaRPr b="0" lang="en-US" sz="1800" spc="-1" strike="noStrike">
+              <a:solidFill>
+                <a:srgbClr val="000000"/>
+              </a:solidFill>
+              <a:latin typeface="Arial"/>
+            </a:endParaRPr>
+          </a:p>
+          <a:p>
+            <a:pPr lvl="3" marL="1728000" indent="-216000">
               <a:spcBef>
-                <a:spcPts val="499"/>
+                <a:spcPts val="567"/>
               </a:spcBef>
               <a:buClr>
                 <a:srgbClr val="000000"/>
               </a:buClr>
-              <a:buFont typeface="Arial"/>
-              <a:buChar char="•"/>
+              <a:buSzPct val="75000"/>
+              <a:buFont typeface="Symbol" charset="2"/>
+              <a:buChar char=""/>
             </a:pPr>
             <a:r>
               <a:rPr b="0" lang="en-US" sz="1800" spc="-1" strike="noStrike">
                 <a:solidFill>
-                  <a:schemeClr val="dk1"/>
-                </a:solidFill>
-                <a:latin typeface="Calibri"/>
-              </a:rPr>
-              <a:t>Fourth level</a:t>
-            </a:r>
-            <a:endParaRPr b="0" lang="en-EG" sz="1800" spc="-1" strike="noStrike">
-              <a:solidFill>
-                <a:schemeClr val="dk1"/>
-              </a:solidFill>
-              <a:latin typeface="Calibri"/>
-            </a:endParaRPr>
-          </a:p>
-          <a:p>
-            <a:pPr lvl="4" marL="2057400" indent="-228600" defTabSz="914400">
-              <a:lnSpc>
-                <a:spcPct val="90000"/>
-              </a:lnSpc>
+                  <a:srgbClr val="000000"/>
+                </a:solidFill>
+                <a:latin typeface="Arial"/>
+              </a:rPr>
+              <a:t>Fourth Outline Level</a:t>
+            </a:r>
+            <a:endParaRPr b="0" lang="en-US" sz="1800" spc="-1" strike="noStrike">
+              <a:solidFill>
+                <a:srgbClr val="000000"/>
+              </a:solidFill>
+              <a:latin typeface="Arial"/>
+            </a:endParaRPr>
+          </a:p>
+          <a:p>
+            <a:pPr lvl="4" marL="2160000" indent="-216000">
               <a:spcBef>
-                <a:spcPts val="499"/>
+                <a:spcPts val="283"/>
               </a:spcBef>
               <a:buClr>
                 <a:srgbClr val="000000"/>
               </a:buClr>
-              <a:buFont typeface="Arial"/>
-              <a:buChar char="•"/>
+              <a:buSzPct val="45000"/>
+              <a:buFont typeface="Wingdings" charset="2"/>
+              <a:buChar char=""/>
             </a:pPr>
             <a:r>
               <a:rPr b="0" lang="en-US" sz="1800" spc="-1" strike="noStrike">
                 <a:solidFill>
-                  <a:schemeClr val="dk1"/>
-                </a:solidFill>
-                <a:latin typeface="Calibri"/>
-              </a:rPr>
-              <a:t>Fifth level</a:t>
-            </a:r>
-            <a:endParaRPr b="0" lang="en-EG" sz="1800" spc="-1" strike="noStrike">
-              <a:solidFill>
-                <a:schemeClr val="dk1"/>
-              </a:solidFill>
-              <a:latin typeface="Calibri"/>
-            </a:endParaRPr>
-          </a:p>
-        </p:txBody>
-      </p:sp>
-      <p:sp>
-        <p:nvSpPr>
-          <p:cNvPr id="32" name="PlaceHolder 4"/>
+                  <a:srgbClr val="000000"/>
+                </a:solidFill>
+                <a:latin typeface="Arial"/>
+              </a:rPr>
+              <a:t>Fifth Outline Level</a:t>
+            </a:r>
+            <a:endParaRPr b="0" lang="en-US" sz="1800" spc="-1" strike="noStrike">
+              <a:solidFill>
+                <a:srgbClr val="000000"/>
+              </a:solidFill>
+              <a:latin typeface="Arial"/>
+            </a:endParaRPr>
+          </a:p>
+          <a:p>
+            <a:pPr lvl="5" marL="2592000" indent="-216000">
+              <a:spcBef>
+                <a:spcPts val="283"/>
+              </a:spcBef>
+              <a:buClr>
+                <a:srgbClr val="000000"/>
+              </a:buClr>
+              <a:buSzPct val="45000"/>
+              <a:buFont typeface="Wingdings" charset="2"/>
+              <a:buChar char=""/>
+            </a:pPr>
+            <a:r>
+              <a:rPr b="0" lang="en-US" sz="1800" spc="-1" strike="noStrike">
+                <a:solidFill>
+                  <a:srgbClr val="000000"/>
+                </a:solidFill>
+                <a:latin typeface="Arial"/>
+              </a:rPr>
+              <a:t>Sixth Outline Level</a:t>
+            </a:r>
+            <a:endParaRPr b="0" lang="en-US" sz="1800" spc="-1" strike="noStrike">
+              <a:solidFill>
+                <a:srgbClr val="000000"/>
+              </a:solidFill>
+              <a:latin typeface="Arial"/>
+            </a:endParaRPr>
+          </a:p>
+          <a:p>
+            <a:pPr lvl="6" marL="3024000" indent="-216000">
+              <a:spcBef>
+                <a:spcPts val="283"/>
+              </a:spcBef>
+              <a:buClr>
+                <a:srgbClr val="000000"/>
+              </a:buClr>
+              <a:buSzPct val="45000"/>
+              <a:buFont typeface="Wingdings" charset="2"/>
+              <a:buChar char=""/>
+            </a:pPr>
+            <a:r>
+              <a:rPr b="0" lang="en-US" sz="1800" spc="-1" strike="noStrike">
+                <a:solidFill>
+                  <a:srgbClr val="000000"/>
+                </a:solidFill>
+                <a:latin typeface="Arial"/>
+              </a:rPr>
+              <a:t>Seventh Outline Level</a:t>
+            </a:r>
+            <a:endParaRPr b="0" lang="en-US" sz="1800" spc="-1" strike="noStrike">
+              <a:solidFill>
+                <a:srgbClr val="000000"/>
+              </a:solidFill>
+              <a:latin typeface="Arial"/>
+            </a:endParaRPr>
+          </a:p>
+        </p:txBody>
+      </p:sp>
+      <p:sp>
+        <p:nvSpPr>
+          <p:cNvPr id="26" name="PlaceHolder 4"/>
           <p:cNvSpPr>
             <a:spLocks noGrp="1"/>
           </p:cNvSpPr>
           <p:nvPr>
-            <p:ph type="dt" idx="16"/>
+            <p:ph type="ftr" idx="16"/>
           </p:nvPr>
         </p:nvSpPr>
         <p:spPr>
           <a:xfrm>
-            <a:off x="838080" y="6356520"/>
-            <a:ext cx="2742840" cy="364680"/>
+            <a:off x="4038480" y="6356520"/>
+            <a:ext cx="4114080" cy="364320"/>
           </a:xfrm>
           <a:prstGeom prst="rect">
             <a:avLst/>
@@ -5140,40 +4065,42 @@
             <a:noAutofit/>
           </a:bodyPr>
           <a:lstStyle>
-            <a:lvl1pPr indent="0" defTabSz="914400">
+            <a:lvl1pPr indent="0" algn="ctr">
               <a:lnSpc>
                 <a:spcPct val="100000"/>
               </a:lnSpc>
               <a:buNone/>
-              <a:defRPr b="0" lang="en-EG" sz="1200" spc="-1" strike="noStrike">
-                <a:solidFill>
-                  <a:schemeClr val="dk1">
-                    <a:tint val="75000"/>
-                  </a:schemeClr>
-                </a:solidFill>
-                <a:latin typeface="Calibri"/>
+              <a:tabLst>
+                <a:tab algn="l" pos="0"/>
+              </a:tabLst>
+              <a:defRPr b="0" lang="en-US" sz="1400" spc="-1" strike="noStrike">
+                <a:solidFill>
+                  <a:srgbClr val="000000"/>
+                </a:solidFill>
+                <a:latin typeface="Times New Roman"/>
               </a:defRPr>
             </a:lvl1pPr>
           </a:lstStyle>
           <a:p>
-            <a:pPr indent="0" defTabSz="914400">
+            <a:pPr indent="0" algn="ctr">
               <a:lnSpc>
                 <a:spcPct val="100000"/>
               </a:lnSpc>
               <a:buNone/>
-            </a:pPr>
-            <a:r>
-              <a:rPr b="0" lang="en-EG" sz="1200" spc="-1" strike="noStrike">
-                <a:solidFill>
-                  <a:schemeClr val="dk1">
-                    <a:tint val="75000"/>
-                  </a:schemeClr>
-                </a:solidFill>
-                <a:latin typeface="Calibri"/>
-              </a:rPr>
-              <a:t>&lt;date/time&gt;</a:t>
-            </a:r>
-            <a:endParaRPr b="0" lang="en-US" sz="1200" spc="-1" strike="noStrike">
+              <a:tabLst>
+                <a:tab algn="l" pos="0"/>
+              </a:tabLst>
+            </a:pPr>
+            <a:r>
+              <a:rPr b="0" lang="en-US" sz="1400" spc="-1" strike="noStrike">
+                <a:solidFill>
+                  <a:srgbClr val="000000"/>
+                </a:solidFill>
+                <a:latin typeface="Times New Roman"/>
+              </a:rPr>
+              <a:t>&lt;footer&gt;</a:t>
+            </a:r>
+            <a:endParaRPr b="0" lang="en-US" sz="1400" spc="-1" strike="noStrike">
               <a:solidFill>
                 <a:srgbClr val="000000"/>
               </a:solidFill>
@@ -5184,18 +4111,18 @@
       </p:sp>
       <p:sp>
         <p:nvSpPr>
-          <p:cNvPr id="33" name="PlaceHolder 5"/>
+          <p:cNvPr id="27" name="PlaceHolder 5"/>
           <p:cNvSpPr>
             <a:spLocks noGrp="1"/>
           </p:cNvSpPr>
           <p:nvPr>
-            <p:ph type="ftr" idx="17"/>
+            <p:ph type="sldNum" idx="17"/>
           </p:nvPr>
         </p:nvSpPr>
         <p:spPr>
           <a:xfrm>
-            <a:off x="4038480" y="6356520"/>
-            <a:ext cx="4114440" cy="364680"/>
+            <a:off x="8610480" y="6356520"/>
+            <a:ext cx="2742480" cy="364320"/>
           </a:xfrm>
           <a:prstGeom prst="rect">
             <a:avLst/>
@@ -5210,30 +4137,46 @@
             <a:noAutofit/>
           </a:bodyPr>
           <a:lstStyle>
-            <a:lvl1pPr indent="0" algn="ctr">
+            <a:lvl1pPr indent="0" algn="r" defTabSz="914400">
+              <a:lnSpc>
+                <a:spcPct val="100000"/>
+              </a:lnSpc>
               <a:buNone/>
-              <a:defRPr b="0" lang="en-US" sz="1400" spc="-1" strike="noStrike">
-                <a:solidFill>
-                  <a:srgbClr val="000000"/>
-                </a:solidFill>
-                <a:latin typeface="Times New Roman"/>
+              <a:tabLst>
+                <a:tab algn="l" pos="0"/>
+              </a:tabLst>
+              <a:defRPr b="0" lang="en-EG" sz="1200" spc="-1" strike="noStrike">
+                <a:solidFill>
+                  <a:schemeClr val="dk1">
+                    <a:tint val="75000"/>
+                  </a:schemeClr>
+                </a:solidFill>
+                <a:latin typeface="Calibri"/>
               </a:defRPr>
             </a:lvl1pPr>
           </a:lstStyle>
           <a:p>
-            <a:pPr indent="0" algn="ctr">
+            <a:pPr indent="0" algn="r" defTabSz="914400">
+              <a:lnSpc>
+                <a:spcPct val="100000"/>
+              </a:lnSpc>
               <a:buNone/>
-            </a:pPr>
-            <a:r>
-              <a:rPr b="0" lang="en-US" sz="1400" spc="-1" strike="noStrike">
-                <a:solidFill>
-                  <a:srgbClr val="000000"/>
-                </a:solidFill>
-                <a:latin typeface="Times New Roman"/>
-              </a:rPr>
-              <a:t>&lt;footer&gt;</a:t>
-            </a:r>
-            <a:endParaRPr b="0" lang="en-US" sz="1400" spc="-1" strike="noStrike">
+              <a:tabLst>
+                <a:tab algn="l" pos="0"/>
+              </a:tabLst>
+            </a:pPr>
+            <a:fld id="{5E06A72C-E227-4999-972A-7AE58D7702E7}" type="slidenum">
+              <a:rPr b="0" lang="en-EG" sz="1200" spc="-1" strike="noStrike">
+                <a:solidFill>
+                  <a:schemeClr val="dk1">
+                    <a:tint val="75000"/>
+                  </a:schemeClr>
+                </a:solidFill>
+                <a:latin typeface="Calibri"/>
+              </a:rPr>
+              <a:t>&lt;number&gt;</a:t>
+            </a:fld>
+            <a:endParaRPr b="0" lang="en-US" sz="1200" spc="-1" strike="noStrike">
               <a:solidFill>
                 <a:srgbClr val="000000"/>
               </a:solidFill>
@@ -5244,18 +4187,18 @@
       </p:sp>
       <p:sp>
         <p:nvSpPr>
-          <p:cNvPr id="34" name="PlaceHolder 6"/>
+          <p:cNvPr id="28" name="PlaceHolder 6"/>
           <p:cNvSpPr>
             <a:spLocks noGrp="1"/>
           </p:cNvSpPr>
           <p:nvPr>
-            <p:ph type="sldNum" idx="18"/>
+            <p:ph type="dt" idx="18"/>
           </p:nvPr>
         </p:nvSpPr>
         <p:spPr>
           <a:xfrm>
-            <a:off x="8610480" y="6356520"/>
-            <a:ext cx="2742840" cy="364680"/>
+            <a:off x="838080" y="6356520"/>
+            <a:ext cx="2742480" cy="364320"/>
           </a:xfrm>
           <a:prstGeom prst="rect">
             <a:avLst/>
@@ -5270,40 +4213,30 @@
             <a:noAutofit/>
           </a:bodyPr>
           <a:lstStyle>
-            <a:lvl1pPr indent="0" algn="r" defTabSz="914400">
-              <a:lnSpc>
-                <a:spcPct val="100000"/>
-              </a:lnSpc>
+            <a:lvl1pPr indent="0">
               <a:buNone/>
-              <a:defRPr b="0" lang="en-EG" sz="1200" spc="-1" strike="noStrike">
-                <a:solidFill>
-                  <a:schemeClr val="dk1">
-                    <a:tint val="75000"/>
-                  </a:schemeClr>
-                </a:solidFill>
-                <a:latin typeface="Calibri"/>
+              <a:defRPr b="0" lang="en-US" sz="1400" spc="-1" strike="noStrike">
+                <a:solidFill>
+                  <a:srgbClr val="000000"/>
+                </a:solidFill>
+                <a:latin typeface="Times New Roman"/>
               </a:defRPr>
             </a:lvl1pPr>
           </a:lstStyle>
           <a:p>
-            <a:pPr indent="0" algn="r" defTabSz="914400">
-              <a:lnSpc>
-                <a:spcPct val="100000"/>
-              </a:lnSpc>
+            <a:pPr indent="0">
               <a:buNone/>
             </a:pPr>
-            <a:fld id="{EB1D856B-F029-42D7-83A9-B038FAF95483}" type="slidenum">
-              <a:rPr b="0" lang="en-EG" sz="1200" spc="-1" strike="noStrike">
-                <a:solidFill>
-                  <a:schemeClr val="dk1">
-                    <a:tint val="75000"/>
-                  </a:schemeClr>
-                </a:solidFill>
-                <a:latin typeface="Calibri"/>
-              </a:rPr>
-              <a:t>&lt;number&gt;</a:t>
-            </a:fld>
-            <a:endParaRPr b="0" lang="en-US" sz="1200" spc="-1" strike="noStrike">
+            <a:r>
+              <a:rPr b="0" lang="en-US" sz="1400" spc="-1" strike="noStrike">
+                <a:solidFill>
+                  <a:srgbClr val="000000"/>
+                </a:solidFill>
+                <a:latin typeface="Times New Roman"/>
+              </a:rPr>
+              <a:t>&lt;date/time&gt;</a:t>
+            </a:r>
+            <a:endParaRPr b="0" lang="en-US" sz="1400" spc="-1" strike="noStrike">
               <a:solidFill>
                 <a:srgbClr val="000000"/>
               </a:solidFill>
@@ -5347,18 +4280,18 @@
       </p:grpSpPr>
       <p:sp>
         <p:nvSpPr>
-          <p:cNvPr id="38" name="PlaceHolder 1"/>
+          <p:cNvPr id="32" name="PlaceHolder 1"/>
           <p:cNvSpPr>
             <a:spLocks noGrp="1"/>
           </p:cNvSpPr>
           <p:nvPr>
-            <p:ph type="title"/>
+            <p:ph type="ftr" idx="19"/>
           </p:nvPr>
         </p:nvSpPr>
         <p:spPr>
           <a:xfrm>
-            <a:off x="839880" y="365040"/>
-            <a:ext cx="10515240" cy="1325160"/>
+            <a:off x="4038480" y="6356520"/>
+            <a:ext cx="4114080" cy="364320"/>
           </a:xfrm>
           <a:prstGeom prst="rect">
             <a:avLst/>
@@ -5372,45 +4305,65 @@
           <a:bodyPr lIns="91440" rIns="91440" tIns="45720" bIns="45720" anchor="ctr">
             <a:noAutofit/>
           </a:bodyPr>
-          <a:p>
-            <a:pPr indent="0" defTabSz="914400">
+          <a:lstStyle>
+            <a:lvl1pPr indent="0" algn="ctr">
               <a:lnSpc>
-                <a:spcPct val="90000"/>
+                <a:spcPct val="100000"/>
               </a:lnSpc>
               <a:buNone/>
-            </a:pPr>
-            <a:r>
-              <a:rPr b="0" lang="en-US" sz="4400" spc="-1" strike="noStrike">
-                <a:solidFill>
-                  <a:schemeClr val="dk1"/>
-                </a:solidFill>
-                <a:latin typeface="Calibri Light"/>
-              </a:rPr>
-              <a:t>Click to edit Master title style</a:t>
-            </a:r>
-            <a:endParaRPr b="0" lang="en-EG" sz="4400" spc="-1" strike="noStrike">
-              <a:solidFill>
-                <a:schemeClr val="dk1"/>
-              </a:solidFill>
-              <a:latin typeface="Calibri"/>
-            </a:endParaRPr>
-          </a:p>
-        </p:txBody>
-      </p:sp>
-      <p:sp>
-        <p:nvSpPr>
-          <p:cNvPr id="39" name="PlaceHolder 2"/>
+              <a:tabLst>
+                <a:tab algn="l" pos="0"/>
+              </a:tabLst>
+              <a:defRPr b="0" lang="en-US" sz="1400" spc="-1" strike="noStrike">
+                <a:solidFill>
+                  <a:srgbClr val="000000"/>
+                </a:solidFill>
+                <a:latin typeface="Times New Roman"/>
+              </a:defRPr>
+            </a:lvl1pPr>
+          </a:lstStyle>
+          <a:p>
+            <a:pPr indent="0" algn="ctr">
+              <a:lnSpc>
+                <a:spcPct val="100000"/>
+              </a:lnSpc>
+              <a:buNone/>
+              <a:tabLst>
+                <a:tab algn="l" pos="0"/>
+              </a:tabLst>
+            </a:pPr>
+            <a:r>
+              <a:rPr b="0" lang="en-US" sz="1400" spc="-1" strike="noStrike">
+                <a:solidFill>
+                  <a:srgbClr val="000000"/>
+                </a:solidFill>
+                <a:latin typeface="Times New Roman"/>
+              </a:rPr>
+              <a:t>&lt;footer&gt;</a:t>
+            </a:r>
+            <a:endParaRPr b="0" lang="en-US" sz="1400" spc="-1" strike="noStrike">
+              <a:solidFill>
+                <a:srgbClr val="000000"/>
+              </a:solidFill>
+              <a:latin typeface="Times New Roman"/>
+            </a:endParaRPr>
+          </a:p>
+        </p:txBody>
+      </p:sp>
+      <p:sp>
+        <p:nvSpPr>
+          <p:cNvPr id="33" name="PlaceHolder 2"/>
           <p:cNvSpPr>
             <a:spLocks noGrp="1"/>
           </p:cNvSpPr>
           <p:nvPr>
-            <p:ph type="body"/>
+            <p:ph type="sldNum" idx="20"/>
           </p:nvPr>
         </p:nvSpPr>
         <p:spPr>
           <a:xfrm>
-            <a:off x="839880" y="1681200"/>
-            <a:ext cx="5157360" cy="823680"/>
+            <a:off x="8610480" y="6356520"/>
+            <a:ext cx="2742480" cy="364320"/>
           </a:xfrm>
           <a:prstGeom prst="rect">
             <a:avLst/>
@@ -5421,54 +4374,72 @@
           </a:ln>
         </p:spPr>
         <p:txBody>
-          <a:bodyPr lIns="91440" rIns="91440" tIns="45720" bIns="45720" anchor="b">
+          <a:bodyPr lIns="91440" rIns="91440" tIns="45720" bIns="45720" anchor="ctr">
             <a:noAutofit/>
           </a:bodyPr>
-          <a:p>
-            <a:pPr indent="0" defTabSz="914400">
+          <a:lstStyle>
+            <a:lvl1pPr indent="0" algn="r" defTabSz="914400">
               <a:lnSpc>
-                <a:spcPct val="90000"/>
+                <a:spcPct val="100000"/>
               </a:lnSpc>
-              <a:spcBef>
-                <a:spcPts val="1001"/>
-              </a:spcBef>
               <a:buNone/>
               <a:tabLst>
                 <a:tab algn="l" pos="0"/>
               </a:tabLst>
-            </a:pPr>
-            <a:r>
-              <a:rPr b="1" lang="en-US" sz="2400" spc="-1" strike="noStrike">
-                <a:solidFill>
-                  <a:schemeClr val="dk1"/>
+              <a:defRPr b="0" lang="en-EG" sz="1200" spc="-1" strike="noStrike">
+                <a:solidFill>
+                  <a:schemeClr val="dk1">
+                    <a:tint val="75000"/>
+                  </a:schemeClr>
                 </a:solidFill>
                 <a:latin typeface="Calibri"/>
-              </a:rPr>
-              <a:t>Click to edit Master text styles</a:t>
-            </a:r>
-            <a:endParaRPr b="0" lang="en-EG" sz="2400" spc="-1" strike="noStrike">
-              <a:solidFill>
-                <a:schemeClr val="dk1"/>
-              </a:solidFill>
-              <a:latin typeface="Calibri"/>
-            </a:endParaRPr>
-          </a:p>
-        </p:txBody>
-      </p:sp>
-      <p:sp>
-        <p:nvSpPr>
-          <p:cNvPr id="40" name="PlaceHolder 3"/>
+              </a:defRPr>
+            </a:lvl1pPr>
+          </a:lstStyle>
+          <a:p>
+            <a:pPr indent="0" algn="r" defTabSz="914400">
+              <a:lnSpc>
+                <a:spcPct val="100000"/>
+              </a:lnSpc>
+              <a:buNone/>
+              <a:tabLst>
+                <a:tab algn="l" pos="0"/>
+              </a:tabLst>
+            </a:pPr>
+            <a:fld id="{64CC653D-1773-4699-8D3F-13F3510CC9D4}" type="slidenum">
+              <a:rPr b="0" lang="en-EG" sz="1200" spc="-1" strike="noStrike">
+                <a:solidFill>
+                  <a:schemeClr val="dk1">
+                    <a:tint val="75000"/>
+                  </a:schemeClr>
+                </a:solidFill>
+                <a:latin typeface="Calibri"/>
+              </a:rPr>
+              <a:t>&lt;number&gt;</a:t>
+            </a:fld>
+            <a:endParaRPr b="0" lang="en-US" sz="1200" spc="-1" strike="noStrike">
+              <a:solidFill>
+                <a:srgbClr val="000000"/>
+              </a:solidFill>
+              <a:latin typeface="Times New Roman"/>
+            </a:endParaRPr>
+          </a:p>
+        </p:txBody>
+      </p:sp>
+      <p:sp>
+        <p:nvSpPr>
+          <p:cNvPr id="34" name="PlaceHolder 3"/>
           <p:cNvSpPr>
             <a:spLocks noGrp="1"/>
           </p:cNvSpPr>
           <p:nvPr>
-            <p:ph type="body"/>
+            <p:ph type="dt" idx="21"/>
           </p:nvPr>
         </p:nvSpPr>
         <p:spPr>
           <a:xfrm>
-            <a:off x="839880" y="2505240"/>
-            <a:ext cx="5157360" cy="3684240"/>
+            <a:off x="838080" y="6356520"/>
+            <a:ext cx="2742480" cy="364320"/>
           </a:xfrm>
           <a:prstGeom prst="rect">
             <a:avLst/>
@@ -5479,497 +4450,11 @@
           </a:ln>
         </p:spPr>
         <p:txBody>
-          <a:bodyPr lIns="91440" rIns="91440" tIns="45720" bIns="45720" anchor="t">
-            <a:noAutofit/>
-          </a:bodyPr>
-          <a:p>
-            <a:pPr marL="228600" indent="-228600" defTabSz="914400">
-              <a:lnSpc>
-                <a:spcPct val="90000"/>
-              </a:lnSpc>
-              <a:spcBef>
-                <a:spcPts val="1001"/>
-              </a:spcBef>
-              <a:buClr>
-                <a:srgbClr val="000000"/>
-              </a:buClr>
-              <a:buFont typeface="Arial"/>
-              <a:buChar char="•"/>
-            </a:pPr>
-            <a:r>
-              <a:rPr b="0" lang="en-US" sz="2800" spc="-1" strike="noStrike">
-                <a:solidFill>
-                  <a:schemeClr val="dk1"/>
-                </a:solidFill>
-                <a:latin typeface="Calibri"/>
-              </a:rPr>
-              <a:t>Click to edit Master text styles</a:t>
-            </a:r>
-            <a:endParaRPr b="0" lang="en-EG" sz="2800" spc="-1" strike="noStrike">
-              <a:solidFill>
-                <a:schemeClr val="dk1"/>
-              </a:solidFill>
-              <a:latin typeface="Calibri"/>
-            </a:endParaRPr>
-          </a:p>
-          <a:p>
-            <a:pPr lvl="1" marL="685800" indent="-228600" defTabSz="914400">
-              <a:lnSpc>
-                <a:spcPct val="90000"/>
-              </a:lnSpc>
-              <a:spcBef>
-                <a:spcPts val="499"/>
-              </a:spcBef>
-              <a:buClr>
-                <a:srgbClr val="000000"/>
-              </a:buClr>
-              <a:buFont typeface="Arial"/>
-              <a:buChar char="•"/>
-            </a:pPr>
-            <a:r>
-              <a:rPr b="0" lang="en-US" sz="2400" spc="-1" strike="noStrike">
-                <a:solidFill>
-                  <a:schemeClr val="dk1"/>
-                </a:solidFill>
-                <a:latin typeface="Calibri"/>
-              </a:rPr>
-              <a:t>Second level</a:t>
-            </a:r>
-            <a:endParaRPr b="0" lang="en-EG" sz="2400" spc="-1" strike="noStrike">
-              <a:solidFill>
-                <a:schemeClr val="dk1"/>
-              </a:solidFill>
-              <a:latin typeface="Calibri"/>
-            </a:endParaRPr>
-          </a:p>
-          <a:p>
-            <a:pPr lvl="2" marL="1143000" indent="-228600" defTabSz="914400">
-              <a:lnSpc>
-                <a:spcPct val="90000"/>
-              </a:lnSpc>
-              <a:spcBef>
-                <a:spcPts val="499"/>
-              </a:spcBef>
-              <a:buClr>
-                <a:srgbClr val="000000"/>
-              </a:buClr>
-              <a:buFont typeface="Arial"/>
-              <a:buChar char="•"/>
-            </a:pPr>
-            <a:r>
-              <a:rPr b="0" lang="en-US" sz="2000" spc="-1" strike="noStrike">
-                <a:solidFill>
-                  <a:schemeClr val="dk1"/>
-                </a:solidFill>
-                <a:latin typeface="Calibri"/>
-              </a:rPr>
-              <a:t>Third level</a:t>
-            </a:r>
-            <a:endParaRPr b="0" lang="en-EG" sz="2000" spc="-1" strike="noStrike">
-              <a:solidFill>
-                <a:schemeClr val="dk1"/>
-              </a:solidFill>
-              <a:latin typeface="Calibri"/>
-            </a:endParaRPr>
-          </a:p>
-          <a:p>
-            <a:pPr lvl="3" marL="1600200" indent="-228600" defTabSz="914400">
-              <a:lnSpc>
-                <a:spcPct val="90000"/>
-              </a:lnSpc>
-              <a:spcBef>
-                <a:spcPts val="499"/>
-              </a:spcBef>
-              <a:buClr>
-                <a:srgbClr val="000000"/>
-              </a:buClr>
-              <a:buFont typeface="Arial"/>
-              <a:buChar char="•"/>
-            </a:pPr>
-            <a:r>
-              <a:rPr b="0" lang="en-US" sz="1800" spc="-1" strike="noStrike">
-                <a:solidFill>
-                  <a:schemeClr val="dk1"/>
-                </a:solidFill>
-                <a:latin typeface="Calibri"/>
-              </a:rPr>
-              <a:t>Fourth level</a:t>
-            </a:r>
-            <a:endParaRPr b="0" lang="en-EG" sz="1800" spc="-1" strike="noStrike">
-              <a:solidFill>
-                <a:schemeClr val="dk1"/>
-              </a:solidFill>
-              <a:latin typeface="Calibri"/>
-            </a:endParaRPr>
-          </a:p>
-          <a:p>
-            <a:pPr lvl="4" marL="2057400" indent="-228600" defTabSz="914400">
-              <a:lnSpc>
-                <a:spcPct val="90000"/>
-              </a:lnSpc>
-              <a:spcBef>
-                <a:spcPts val="499"/>
-              </a:spcBef>
-              <a:buClr>
-                <a:srgbClr val="000000"/>
-              </a:buClr>
-              <a:buFont typeface="Arial"/>
-              <a:buChar char="•"/>
-            </a:pPr>
-            <a:r>
-              <a:rPr b="0" lang="en-US" sz="1800" spc="-1" strike="noStrike">
-                <a:solidFill>
-                  <a:schemeClr val="dk1"/>
-                </a:solidFill>
-                <a:latin typeface="Calibri"/>
-              </a:rPr>
-              <a:t>Fifth level</a:t>
-            </a:r>
-            <a:endParaRPr b="0" lang="en-EG" sz="1800" spc="-1" strike="noStrike">
-              <a:solidFill>
-                <a:schemeClr val="dk1"/>
-              </a:solidFill>
-              <a:latin typeface="Calibri"/>
-            </a:endParaRPr>
-          </a:p>
-        </p:txBody>
-      </p:sp>
-      <p:sp>
-        <p:nvSpPr>
-          <p:cNvPr id="41" name="PlaceHolder 4"/>
-          <p:cNvSpPr>
-            <a:spLocks noGrp="1"/>
-          </p:cNvSpPr>
-          <p:nvPr>
-            <p:ph type="body"/>
-          </p:nvPr>
-        </p:nvSpPr>
-        <p:spPr>
-          <a:xfrm>
-            <a:off x="6172200" y="1681200"/>
-            <a:ext cx="5182920" cy="823680"/>
-          </a:xfrm>
-          <a:prstGeom prst="rect">
-            <a:avLst/>
-          </a:prstGeom>
-          <a:noFill/>
-          <a:ln w="0">
-            <a:noFill/>
-          </a:ln>
-        </p:spPr>
-        <p:txBody>
-          <a:bodyPr lIns="91440" rIns="91440" tIns="45720" bIns="45720" anchor="b">
-            <a:noAutofit/>
-          </a:bodyPr>
-          <a:p>
-            <a:pPr indent="0" defTabSz="914400">
-              <a:lnSpc>
-                <a:spcPct val="90000"/>
-              </a:lnSpc>
-              <a:spcBef>
-                <a:spcPts val="1001"/>
-              </a:spcBef>
-              <a:buNone/>
-              <a:tabLst>
-                <a:tab algn="l" pos="0"/>
-              </a:tabLst>
-            </a:pPr>
-            <a:r>
-              <a:rPr b="1" lang="en-US" sz="2400" spc="-1" strike="noStrike">
-                <a:solidFill>
-                  <a:schemeClr val="dk1"/>
-                </a:solidFill>
-                <a:latin typeface="Calibri"/>
-              </a:rPr>
-              <a:t>Click to edit Master text styles</a:t>
-            </a:r>
-            <a:endParaRPr b="0" lang="en-EG" sz="2400" spc="-1" strike="noStrike">
-              <a:solidFill>
-                <a:schemeClr val="dk1"/>
-              </a:solidFill>
-              <a:latin typeface="Calibri"/>
-            </a:endParaRPr>
-          </a:p>
-        </p:txBody>
-      </p:sp>
-      <p:sp>
-        <p:nvSpPr>
-          <p:cNvPr id="42" name="PlaceHolder 5"/>
-          <p:cNvSpPr>
-            <a:spLocks noGrp="1"/>
-          </p:cNvSpPr>
-          <p:nvPr>
-            <p:ph type="body"/>
-          </p:nvPr>
-        </p:nvSpPr>
-        <p:spPr>
-          <a:xfrm>
-            <a:off x="6172200" y="2505240"/>
-            <a:ext cx="5182920" cy="3684240"/>
-          </a:xfrm>
-          <a:prstGeom prst="rect">
-            <a:avLst/>
-          </a:prstGeom>
-          <a:noFill/>
-          <a:ln w="0">
-            <a:noFill/>
-          </a:ln>
-        </p:spPr>
-        <p:txBody>
-          <a:bodyPr lIns="91440" rIns="91440" tIns="45720" bIns="45720" anchor="t">
-            <a:noAutofit/>
-          </a:bodyPr>
-          <a:p>
-            <a:pPr marL="228600" indent="-228600" defTabSz="914400">
-              <a:lnSpc>
-                <a:spcPct val="90000"/>
-              </a:lnSpc>
-              <a:spcBef>
-                <a:spcPts val="1001"/>
-              </a:spcBef>
-              <a:buClr>
-                <a:srgbClr val="000000"/>
-              </a:buClr>
-              <a:buFont typeface="Arial"/>
-              <a:buChar char="•"/>
-            </a:pPr>
-            <a:r>
-              <a:rPr b="0" lang="en-US" sz="2800" spc="-1" strike="noStrike">
-                <a:solidFill>
-                  <a:schemeClr val="dk1"/>
-                </a:solidFill>
-                <a:latin typeface="Calibri"/>
-              </a:rPr>
-              <a:t>Click to edit Master text styles</a:t>
-            </a:r>
-            <a:endParaRPr b="0" lang="en-EG" sz="2800" spc="-1" strike="noStrike">
-              <a:solidFill>
-                <a:schemeClr val="dk1"/>
-              </a:solidFill>
-              <a:latin typeface="Calibri"/>
-            </a:endParaRPr>
-          </a:p>
-          <a:p>
-            <a:pPr lvl="1" marL="685800" indent="-228600" defTabSz="914400">
-              <a:lnSpc>
-                <a:spcPct val="90000"/>
-              </a:lnSpc>
-              <a:spcBef>
-                <a:spcPts val="499"/>
-              </a:spcBef>
-              <a:buClr>
-                <a:srgbClr val="000000"/>
-              </a:buClr>
-              <a:buFont typeface="Arial"/>
-              <a:buChar char="•"/>
-            </a:pPr>
-            <a:r>
-              <a:rPr b="0" lang="en-US" sz="2400" spc="-1" strike="noStrike">
-                <a:solidFill>
-                  <a:schemeClr val="dk1"/>
-                </a:solidFill>
-                <a:latin typeface="Calibri"/>
-              </a:rPr>
-              <a:t>Second level</a:t>
-            </a:r>
-            <a:endParaRPr b="0" lang="en-EG" sz="2400" spc="-1" strike="noStrike">
-              <a:solidFill>
-                <a:schemeClr val="dk1"/>
-              </a:solidFill>
-              <a:latin typeface="Calibri"/>
-            </a:endParaRPr>
-          </a:p>
-          <a:p>
-            <a:pPr lvl="2" marL="1143000" indent="-228600" defTabSz="914400">
-              <a:lnSpc>
-                <a:spcPct val="90000"/>
-              </a:lnSpc>
-              <a:spcBef>
-                <a:spcPts val="499"/>
-              </a:spcBef>
-              <a:buClr>
-                <a:srgbClr val="000000"/>
-              </a:buClr>
-              <a:buFont typeface="Arial"/>
-              <a:buChar char="•"/>
-            </a:pPr>
-            <a:r>
-              <a:rPr b="0" lang="en-US" sz="2000" spc="-1" strike="noStrike">
-                <a:solidFill>
-                  <a:schemeClr val="dk1"/>
-                </a:solidFill>
-                <a:latin typeface="Calibri"/>
-              </a:rPr>
-              <a:t>Third level</a:t>
-            </a:r>
-            <a:endParaRPr b="0" lang="en-EG" sz="2000" spc="-1" strike="noStrike">
-              <a:solidFill>
-                <a:schemeClr val="dk1"/>
-              </a:solidFill>
-              <a:latin typeface="Calibri"/>
-            </a:endParaRPr>
-          </a:p>
-          <a:p>
-            <a:pPr lvl="3" marL="1600200" indent="-228600" defTabSz="914400">
-              <a:lnSpc>
-                <a:spcPct val="90000"/>
-              </a:lnSpc>
-              <a:spcBef>
-                <a:spcPts val="499"/>
-              </a:spcBef>
-              <a:buClr>
-                <a:srgbClr val="000000"/>
-              </a:buClr>
-              <a:buFont typeface="Arial"/>
-              <a:buChar char="•"/>
-            </a:pPr>
-            <a:r>
-              <a:rPr b="0" lang="en-US" sz="1800" spc="-1" strike="noStrike">
-                <a:solidFill>
-                  <a:schemeClr val="dk1"/>
-                </a:solidFill>
-                <a:latin typeface="Calibri"/>
-              </a:rPr>
-              <a:t>Fourth level</a:t>
-            </a:r>
-            <a:endParaRPr b="0" lang="en-EG" sz="1800" spc="-1" strike="noStrike">
-              <a:solidFill>
-                <a:schemeClr val="dk1"/>
-              </a:solidFill>
-              <a:latin typeface="Calibri"/>
-            </a:endParaRPr>
-          </a:p>
-          <a:p>
-            <a:pPr lvl="4" marL="2057400" indent="-228600" defTabSz="914400">
-              <a:lnSpc>
-                <a:spcPct val="90000"/>
-              </a:lnSpc>
-              <a:spcBef>
-                <a:spcPts val="499"/>
-              </a:spcBef>
-              <a:buClr>
-                <a:srgbClr val="000000"/>
-              </a:buClr>
-              <a:buFont typeface="Arial"/>
-              <a:buChar char="•"/>
-            </a:pPr>
-            <a:r>
-              <a:rPr b="0" lang="en-US" sz="1800" spc="-1" strike="noStrike">
-                <a:solidFill>
-                  <a:schemeClr val="dk1"/>
-                </a:solidFill>
-                <a:latin typeface="Calibri"/>
-              </a:rPr>
-              <a:t>Fifth level</a:t>
-            </a:r>
-            <a:endParaRPr b="0" lang="en-EG" sz="1800" spc="-1" strike="noStrike">
-              <a:solidFill>
-                <a:schemeClr val="dk1"/>
-              </a:solidFill>
-              <a:latin typeface="Calibri"/>
-            </a:endParaRPr>
-          </a:p>
-        </p:txBody>
-      </p:sp>
-      <p:sp>
-        <p:nvSpPr>
-          <p:cNvPr id="43" name="PlaceHolder 6"/>
-          <p:cNvSpPr>
-            <a:spLocks noGrp="1"/>
-          </p:cNvSpPr>
-          <p:nvPr>
-            <p:ph type="dt" idx="19"/>
-          </p:nvPr>
-        </p:nvSpPr>
-        <p:spPr>
-          <a:xfrm>
-            <a:off x="838080" y="6356520"/>
-            <a:ext cx="2742840" cy="364680"/>
-          </a:xfrm>
-          <a:prstGeom prst="rect">
-            <a:avLst/>
-          </a:prstGeom>
-          <a:noFill/>
-          <a:ln w="0">
-            <a:noFill/>
-          </a:ln>
-        </p:spPr>
-        <p:txBody>
           <a:bodyPr lIns="91440" rIns="91440" tIns="45720" bIns="45720" anchor="ctr">
             <a:noAutofit/>
           </a:bodyPr>
           <a:lstStyle>
-            <a:lvl1pPr indent="0" defTabSz="914400">
-              <a:lnSpc>
-                <a:spcPct val="100000"/>
-              </a:lnSpc>
-              <a:buNone/>
-              <a:defRPr b="0" lang="en-EG" sz="1200" spc="-1" strike="noStrike">
-                <a:solidFill>
-                  <a:schemeClr val="dk1">
-                    <a:tint val="75000"/>
-                  </a:schemeClr>
-                </a:solidFill>
-                <a:latin typeface="Calibri"/>
-              </a:defRPr>
-            </a:lvl1pPr>
-          </a:lstStyle>
-          <a:p>
-            <a:pPr indent="0" defTabSz="914400">
-              <a:lnSpc>
-                <a:spcPct val="100000"/>
-              </a:lnSpc>
-              <a:buNone/>
-            </a:pPr>
-            <a:r>
-              <a:rPr b="0" lang="en-EG" sz="1200" spc="-1" strike="noStrike">
-                <a:solidFill>
-                  <a:schemeClr val="dk1">
-                    <a:tint val="75000"/>
-                  </a:schemeClr>
-                </a:solidFill>
-                <a:latin typeface="Calibri"/>
-              </a:rPr>
-              <a:t>&lt;date/time&gt;</a:t>
-            </a:r>
-            <a:endParaRPr b="0" lang="en-US" sz="1200" spc="-1" strike="noStrike">
-              <a:solidFill>
-                <a:srgbClr val="000000"/>
-              </a:solidFill>
-              <a:latin typeface="Times New Roman"/>
-            </a:endParaRPr>
-          </a:p>
-        </p:txBody>
-      </p:sp>
-      <p:sp>
-        <p:nvSpPr>
-          <p:cNvPr id="44" name="PlaceHolder 7"/>
-          <p:cNvSpPr>
-            <a:spLocks noGrp="1"/>
-          </p:cNvSpPr>
-          <p:nvPr>
-            <p:ph type="ftr" idx="20"/>
-          </p:nvPr>
-        </p:nvSpPr>
-        <p:spPr>
-          <a:xfrm>
-            <a:off x="4038480" y="6356520"/>
-            <a:ext cx="4114440" cy="364680"/>
-          </a:xfrm>
-          <a:prstGeom prst="rect">
-            <a:avLst/>
-          </a:prstGeom>
-          <a:noFill/>
-          <a:ln w="0">
-            <a:noFill/>
-          </a:ln>
-        </p:spPr>
-        <p:txBody>
-          <a:bodyPr lIns="91440" rIns="91440" tIns="45720" bIns="45720" anchor="ctr">
-            <a:noAutofit/>
-          </a:bodyPr>
-          <a:lstStyle>
-            <a:lvl1pPr indent="0" algn="ctr">
+            <a:lvl1pPr indent="0">
               <a:buNone/>
               <a:defRPr b="0" lang="en-US" sz="1400" spc="-1" strike="noStrike">
                 <a:solidFill>
@@ -5980,7 +4465,7 @@
             </a:lvl1pPr>
           </a:lstStyle>
           <a:p>
-            <a:pPr indent="0" algn="ctr">
+            <a:pPr indent="0">
               <a:buNone/>
             </a:pPr>
             <a:r>
@@ -5990,79 +4475,9 @@
                 </a:solidFill>
                 <a:latin typeface="Times New Roman"/>
               </a:rPr>
-              <a:t>&lt;footer&gt;</a:t>
+              <a:t>&lt;date/time&gt;</a:t>
             </a:r>
             <a:endParaRPr b="0" lang="en-US" sz="1400" spc="-1" strike="noStrike">
-              <a:solidFill>
-                <a:srgbClr val="000000"/>
-              </a:solidFill>
-              <a:latin typeface="Times New Roman"/>
-            </a:endParaRPr>
-          </a:p>
-        </p:txBody>
-      </p:sp>
-      <p:sp>
-        <p:nvSpPr>
-          <p:cNvPr id="45" name="PlaceHolder 8"/>
-          <p:cNvSpPr>
-            <a:spLocks noGrp="1"/>
-          </p:cNvSpPr>
-          <p:nvPr>
-            <p:ph type="sldNum" idx="21"/>
-          </p:nvPr>
-        </p:nvSpPr>
-        <p:spPr>
-          <a:xfrm>
-            <a:off x="8610480" y="6356520"/>
-            <a:ext cx="2742840" cy="364680"/>
-          </a:xfrm>
-          <a:prstGeom prst="rect">
-            <a:avLst/>
-          </a:prstGeom>
-          <a:noFill/>
-          <a:ln w="0">
-            <a:noFill/>
-          </a:ln>
-        </p:spPr>
-        <p:txBody>
-          <a:bodyPr lIns="91440" rIns="91440" tIns="45720" bIns="45720" anchor="ctr">
-            <a:noAutofit/>
-          </a:bodyPr>
-          <a:lstStyle>
-            <a:lvl1pPr indent="0" algn="r" defTabSz="914400">
-              <a:lnSpc>
-                <a:spcPct val="100000"/>
-              </a:lnSpc>
-              <a:buNone/>
-              <a:defRPr b="0" lang="en-EG" sz="1200" spc="-1" strike="noStrike">
-                <a:solidFill>
-                  <a:schemeClr val="dk1">
-                    <a:tint val="75000"/>
-                  </a:schemeClr>
-                </a:solidFill>
-                <a:latin typeface="Calibri"/>
-              </a:defRPr>
-            </a:lvl1pPr>
-          </a:lstStyle>
-          <a:p>
-            <a:pPr indent="0" algn="r" defTabSz="914400">
-              <a:lnSpc>
-                <a:spcPct val="100000"/>
-              </a:lnSpc>
-              <a:buNone/>
-            </a:pPr>
-            <a:fld id="{438A57BB-FA89-459D-892B-AA438E648C16}" type="slidenum">
-              <a:rPr b="0" lang="en-EG" sz="1200" spc="-1" strike="noStrike">
-                <a:solidFill>
-                  <a:schemeClr val="dk1">
-                    <a:tint val="75000"/>
-                  </a:schemeClr>
-                </a:solidFill>
-                <a:latin typeface="Calibri"/>
-              </a:rPr>
-              <a:t>&lt;number&gt;</a:t>
-            </a:fld>
-            <a:endParaRPr b="0" lang="en-US" sz="1200" spc="-1" strike="noStrike">
               <a:solidFill>
                 <a:srgbClr val="000000"/>
               </a:solidFill>
@@ -6106,7 +4521,7 @@
       </p:grpSpPr>
       <p:sp>
         <p:nvSpPr>
-          <p:cNvPr id="46" name="PlaceHolder 1"/>
+          <p:cNvPr id="35" name="PlaceHolder 1"/>
           <p:cNvSpPr>
             <a:spLocks noGrp="1"/>
           </p:cNvSpPr>
@@ -6116,8 +4531,8 @@
         </p:nvSpPr>
         <p:spPr>
           <a:xfrm>
-            <a:off x="838080" y="365040"/>
-            <a:ext cx="10515240" cy="1325160"/>
+            <a:off x="1523880" y="1122480"/>
+            <a:ext cx="9143280" cy="2386800"/>
           </a:xfrm>
           <a:prstGeom prst="rect">
             <a:avLst/>
@@ -6128,48 +4543,45 @@
           </a:ln>
         </p:spPr>
         <p:txBody>
-          <a:bodyPr lIns="91440" rIns="91440" tIns="45720" bIns="45720" anchor="ctr">
+          <a:bodyPr lIns="0" rIns="0" tIns="0" bIns="0" anchor="ctr">
             <a:noAutofit/>
           </a:bodyPr>
           <a:p>
-            <a:pPr indent="0" defTabSz="914400">
-              <a:lnSpc>
-                <a:spcPct val="90000"/>
-              </a:lnSpc>
+            <a:pPr indent="0">
               <a:buNone/>
             </a:pPr>
             <a:r>
-              <a:rPr b="0" lang="en-US" sz="4400" spc="-1" strike="noStrike">
-                <a:solidFill>
-                  <a:schemeClr val="dk1"/>
-                </a:solidFill>
-                <a:latin typeface="Calibri Light"/>
-              </a:rPr>
-              <a:t>Click to edit Master title style</a:t>
-            </a:r>
-            <a:endParaRPr b="0" lang="en-EG" sz="4400" spc="-1" strike="noStrike">
-              <a:solidFill>
-                <a:schemeClr val="dk1"/>
-              </a:solidFill>
-              <a:latin typeface="Calibri"/>
-            </a:endParaRPr>
-          </a:p>
-        </p:txBody>
-      </p:sp>
-      <p:sp>
-        <p:nvSpPr>
-          <p:cNvPr id="47" name="PlaceHolder 2"/>
+              <a:rPr b="0" lang="en-US" sz="1800" spc="-1" strike="noStrike">
+                <a:solidFill>
+                  <a:srgbClr val="000000"/>
+                </a:solidFill>
+                <a:latin typeface="Arial"/>
+              </a:rPr>
+              <a:t>Click to edit the title text format</a:t>
+            </a:r>
+            <a:endParaRPr b="0" lang="en-US" sz="1800" spc="-1" strike="noStrike">
+              <a:solidFill>
+                <a:srgbClr val="000000"/>
+              </a:solidFill>
+              <a:latin typeface="Arial"/>
+            </a:endParaRPr>
+          </a:p>
+        </p:txBody>
+      </p:sp>
+      <p:sp>
+        <p:nvSpPr>
+          <p:cNvPr id="36" name="PlaceHolder 2"/>
           <p:cNvSpPr>
             <a:spLocks noGrp="1"/>
           </p:cNvSpPr>
           <p:nvPr>
-            <p:ph type="dt" idx="22"/>
+            <p:ph type="ftr" idx="22"/>
           </p:nvPr>
         </p:nvSpPr>
         <p:spPr>
           <a:xfrm>
-            <a:off x="838080" y="6356520"/>
-            <a:ext cx="2742840" cy="364680"/>
+            <a:off x="4038480" y="6356520"/>
+            <a:ext cx="4114080" cy="364320"/>
           </a:xfrm>
           <a:prstGeom prst="rect">
             <a:avLst/>
@@ -6184,40 +4596,42 @@
             <a:noAutofit/>
           </a:bodyPr>
           <a:lstStyle>
-            <a:lvl1pPr indent="0" defTabSz="914400">
+            <a:lvl1pPr indent="0" algn="ctr">
               <a:lnSpc>
                 <a:spcPct val="100000"/>
               </a:lnSpc>
               <a:buNone/>
-              <a:defRPr b="0" lang="en-EG" sz="1200" spc="-1" strike="noStrike">
-                <a:solidFill>
-                  <a:schemeClr val="dk1">
-                    <a:tint val="75000"/>
-                  </a:schemeClr>
-                </a:solidFill>
-                <a:latin typeface="Calibri"/>
+              <a:tabLst>
+                <a:tab algn="l" pos="0"/>
+              </a:tabLst>
+              <a:defRPr b="0" lang="en-US" sz="1400" spc="-1" strike="noStrike">
+                <a:solidFill>
+                  <a:srgbClr val="000000"/>
+                </a:solidFill>
+                <a:latin typeface="Times New Roman"/>
               </a:defRPr>
             </a:lvl1pPr>
           </a:lstStyle>
           <a:p>
-            <a:pPr indent="0" defTabSz="914400">
+            <a:pPr indent="0" algn="ctr">
               <a:lnSpc>
                 <a:spcPct val="100000"/>
               </a:lnSpc>
               <a:buNone/>
-            </a:pPr>
-            <a:r>
-              <a:rPr b="0" lang="en-EG" sz="1200" spc="-1" strike="noStrike">
-                <a:solidFill>
-                  <a:schemeClr val="dk1">
-                    <a:tint val="75000"/>
-                  </a:schemeClr>
-                </a:solidFill>
-                <a:latin typeface="Calibri"/>
-              </a:rPr>
-              <a:t>&lt;date/time&gt;</a:t>
-            </a:r>
-            <a:endParaRPr b="0" lang="en-US" sz="1200" spc="-1" strike="noStrike">
+              <a:tabLst>
+                <a:tab algn="l" pos="0"/>
+              </a:tabLst>
+            </a:pPr>
+            <a:r>
+              <a:rPr b="0" lang="en-US" sz="1400" spc="-1" strike="noStrike">
+                <a:solidFill>
+                  <a:srgbClr val="000000"/>
+                </a:solidFill>
+                <a:latin typeface="Times New Roman"/>
+              </a:rPr>
+              <a:t>&lt;footer&gt;</a:t>
+            </a:r>
+            <a:endParaRPr b="0" lang="en-US" sz="1400" spc="-1" strike="noStrike">
               <a:solidFill>
                 <a:srgbClr val="000000"/>
               </a:solidFill>
@@ -6228,18 +4642,18 @@
       </p:sp>
       <p:sp>
         <p:nvSpPr>
-          <p:cNvPr id="48" name="PlaceHolder 3"/>
+          <p:cNvPr id="37" name="PlaceHolder 3"/>
           <p:cNvSpPr>
             <a:spLocks noGrp="1"/>
           </p:cNvSpPr>
           <p:nvPr>
-            <p:ph type="ftr" idx="23"/>
+            <p:ph type="sldNum" idx="23"/>
           </p:nvPr>
         </p:nvSpPr>
         <p:spPr>
           <a:xfrm>
-            <a:off x="4038480" y="6356520"/>
-            <a:ext cx="4114440" cy="364680"/>
+            <a:off x="8610480" y="6356520"/>
+            <a:ext cx="2742480" cy="364320"/>
           </a:xfrm>
           <a:prstGeom prst="rect">
             <a:avLst/>
@@ -6254,30 +4668,46 @@
             <a:noAutofit/>
           </a:bodyPr>
           <a:lstStyle>
-            <a:lvl1pPr indent="0" algn="ctr">
+            <a:lvl1pPr indent="0" algn="r" defTabSz="914400">
+              <a:lnSpc>
+                <a:spcPct val="100000"/>
+              </a:lnSpc>
               <a:buNone/>
-              <a:defRPr b="0" lang="en-US" sz="1400" spc="-1" strike="noStrike">
-                <a:solidFill>
-                  <a:srgbClr val="000000"/>
-                </a:solidFill>
-                <a:latin typeface="Times New Roman"/>
+              <a:tabLst>
+                <a:tab algn="l" pos="0"/>
+              </a:tabLst>
+              <a:defRPr b="0" lang="en-EG" sz="1200" spc="-1" strike="noStrike">
+                <a:solidFill>
+                  <a:schemeClr val="dk1">
+                    <a:tint val="75000"/>
+                  </a:schemeClr>
+                </a:solidFill>
+                <a:latin typeface="Calibri"/>
               </a:defRPr>
             </a:lvl1pPr>
           </a:lstStyle>
           <a:p>
-            <a:pPr indent="0" algn="ctr">
+            <a:pPr indent="0" algn="r" defTabSz="914400">
+              <a:lnSpc>
+                <a:spcPct val="100000"/>
+              </a:lnSpc>
               <a:buNone/>
-            </a:pPr>
-            <a:r>
-              <a:rPr b="0" lang="en-US" sz="1400" spc="-1" strike="noStrike">
-                <a:solidFill>
-                  <a:srgbClr val="000000"/>
-                </a:solidFill>
-                <a:latin typeface="Times New Roman"/>
-              </a:rPr>
-              <a:t>&lt;footer&gt;</a:t>
-            </a:r>
-            <a:endParaRPr b="0" lang="en-US" sz="1400" spc="-1" strike="noStrike">
+              <a:tabLst>
+                <a:tab algn="l" pos="0"/>
+              </a:tabLst>
+            </a:pPr>
+            <a:fld id="{84736D75-71F7-4814-A13C-355328110A72}" type="slidenum">
+              <a:rPr b="0" lang="en-EG" sz="1200" spc="-1" strike="noStrike">
+                <a:solidFill>
+                  <a:schemeClr val="dk1">
+                    <a:tint val="75000"/>
+                  </a:schemeClr>
+                </a:solidFill>
+                <a:latin typeface="Calibri"/>
+              </a:rPr>
+              <a:t>&lt;number&gt;</a:t>
+            </a:fld>
+            <a:endParaRPr b="0" lang="en-US" sz="1200" spc="-1" strike="noStrike">
               <a:solidFill>
                 <a:srgbClr val="000000"/>
               </a:solidFill>
@@ -6288,18 +4718,18 @@
       </p:sp>
       <p:sp>
         <p:nvSpPr>
-          <p:cNvPr id="49" name="PlaceHolder 4"/>
+          <p:cNvPr id="38" name="PlaceHolder 4"/>
           <p:cNvSpPr>
             <a:spLocks noGrp="1"/>
           </p:cNvSpPr>
           <p:nvPr>
-            <p:ph type="sldNum" idx="24"/>
+            <p:ph type="dt" idx="24"/>
           </p:nvPr>
         </p:nvSpPr>
         <p:spPr>
           <a:xfrm>
-            <a:off x="8610480" y="6356520"/>
-            <a:ext cx="2742840" cy="364680"/>
+            <a:off x="838080" y="6356520"/>
+            <a:ext cx="2742480" cy="364320"/>
           </a:xfrm>
           <a:prstGeom prst="rect">
             <a:avLst/>
@@ -6314,40 +4744,30 @@
             <a:noAutofit/>
           </a:bodyPr>
           <a:lstStyle>
-            <a:lvl1pPr indent="0" algn="r" defTabSz="914400">
-              <a:lnSpc>
-                <a:spcPct val="100000"/>
-              </a:lnSpc>
+            <a:lvl1pPr indent="0">
               <a:buNone/>
-              <a:defRPr b="0" lang="en-EG" sz="1200" spc="-1" strike="noStrike">
-                <a:solidFill>
-                  <a:schemeClr val="dk1">
-                    <a:tint val="75000"/>
-                  </a:schemeClr>
-                </a:solidFill>
-                <a:latin typeface="Calibri"/>
+              <a:defRPr b="0" lang="en-US" sz="1400" spc="-1" strike="noStrike">
+                <a:solidFill>
+                  <a:srgbClr val="000000"/>
+                </a:solidFill>
+                <a:latin typeface="Times New Roman"/>
               </a:defRPr>
             </a:lvl1pPr>
           </a:lstStyle>
           <a:p>
-            <a:pPr indent="0" algn="r" defTabSz="914400">
-              <a:lnSpc>
-                <a:spcPct val="100000"/>
-              </a:lnSpc>
+            <a:pPr indent="0">
               <a:buNone/>
             </a:pPr>
-            <a:fld id="{FC599B4C-5B06-477C-9952-21AEC481E41E}" type="slidenum">
-              <a:rPr b="0" lang="en-EG" sz="1200" spc="-1" strike="noStrike">
-                <a:solidFill>
-                  <a:schemeClr val="dk1">
-                    <a:tint val="75000"/>
-                  </a:schemeClr>
-                </a:solidFill>
-                <a:latin typeface="Calibri"/>
-              </a:rPr>
-              <a:t>&lt;number&gt;</a:t>
-            </a:fld>
-            <a:endParaRPr b="0" lang="en-US" sz="1200" spc="-1" strike="noStrike">
+            <a:r>
+              <a:rPr b="0" lang="en-US" sz="1400" spc="-1" strike="noStrike">
+                <a:solidFill>
+                  <a:srgbClr val="000000"/>
+                </a:solidFill>
+                <a:latin typeface="Times New Roman"/>
+              </a:rPr>
+              <a:t>&lt;date/time&gt;</a:t>
+            </a:r>
+            <a:endParaRPr b="0" lang="en-US" sz="1400" spc="-1" strike="noStrike">
               <a:solidFill>
                 <a:srgbClr val="000000"/>
               </a:solidFill>
@@ -6391,18 +4811,18 @@
       </p:grpSpPr>
       <p:sp>
         <p:nvSpPr>
-          <p:cNvPr id="51" name="PlaceHolder 1"/>
+          <p:cNvPr id="40" name="PlaceHolder 1"/>
           <p:cNvSpPr>
             <a:spLocks noGrp="1"/>
           </p:cNvSpPr>
           <p:nvPr>
-            <p:ph type="dt" idx="25"/>
+            <p:ph type="ftr" idx="25"/>
           </p:nvPr>
         </p:nvSpPr>
         <p:spPr>
           <a:xfrm>
-            <a:off x="838080" y="6356520"/>
-            <a:ext cx="2742840" cy="364680"/>
+            <a:off x="4038480" y="6356520"/>
+            <a:ext cx="4114080" cy="364320"/>
           </a:xfrm>
           <a:prstGeom prst="rect">
             <a:avLst/>
@@ -6417,40 +4837,42 @@
             <a:noAutofit/>
           </a:bodyPr>
           <a:lstStyle>
-            <a:lvl1pPr indent="0" defTabSz="914400">
+            <a:lvl1pPr indent="0" algn="ctr">
               <a:lnSpc>
                 <a:spcPct val="100000"/>
               </a:lnSpc>
               <a:buNone/>
-              <a:defRPr b="0" lang="en-EG" sz="1200" spc="-1" strike="noStrike">
-                <a:solidFill>
-                  <a:schemeClr val="dk1">
-                    <a:tint val="75000"/>
-                  </a:schemeClr>
-                </a:solidFill>
-                <a:latin typeface="Calibri"/>
+              <a:tabLst>
+                <a:tab algn="l" pos="0"/>
+              </a:tabLst>
+              <a:defRPr b="0" lang="en-US" sz="1400" spc="-1" strike="noStrike">
+                <a:solidFill>
+                  <a:srgbClr val="000000"/>
+                </a:solidFill>
+                <a:latin typeface="Times New Roman"/>
               </a:defRPr>
             </a:lvl1pPr>
           </a:lstStyle>
           <a:p>
-            <a:pPr indent="0" defTabSz="914400">
+            <a:pPr indent="0" algn="ctr">
               <a:lnSpc>
                 <a:spcPct val="100000"/>
               </a:lnSpc>
               <a:buNone/>
-            </a:pPr>
-            <a:r>
-              <a:rPr b="0" lang="en-EG" sz="1200" spc="-1" strike="noStrike">
-                <a:solidFill>
-                  <a:schemeClr val="dk1">
-                    <a:tint val="75000"/>
-                  </a:schemeClr>
-                </a:solidFill>
-                <a:latin typeface="Calibri"/>
-              </a:rPr>
-              <a:t>&lt;date/time&gt;</a:t>
-            </a:r>
-            <a:endParaRPr b="0" lang="en-US" sz="1200" spc="-1" strike="noStrike">
+              <a:tabLst>
+                <a:tab algn="l" pos="0"/>
+              </a:tabLst>
+            </a:pPr>
+            <a:r>
+              <a:rPr b="0" lang="en-US" sz="1400" spc="-1" strike="noStrike">
+                <a:solidFill>
+                  <a:srgbClr val="000000"/>
+                </a:solidFill>
+                <a:latin typeface="Times New Roman"/>
+              </a:rPr>
+              <a:t>&lt;footer&gt;</a:t>
+            </a:r>
+            <a:endParaRPr b="0" lang="en-US" sz="1400" spc="-1" strike="noStrike">
               <a:solidFill>
                 <a:srgbClr val="000000"/>
               </a:solidFill>
@@ -6461,18 +4883,18 @@
       </p:sp>
       <p:sp>
         <p:nvSpPr>
-          <p:cNvPr id="52" name="PlaceHolder 2"/>
+          <p:cNvPr id="41" name="PlaceHolder 2"/>
           <p:cNvSpPr>
             <a:spLocks noGrp="1"/>
           </p:cNvSpPr>
           <p:nvPr>
-            <p:ph type="ftr" idx="26"/>
+            <p:ph type="sldNum" idx="26"/>
           </p:nvPr>
         </p:nvSpPr>
         <p:spPr>
           <a:xfrm>
-            <a:off x="4038480" y="6356520"/>
-            <a:ext cx="4114440" cy="364680"/>
+            <a:off x="8610480" y="6356520"/>
+            <a:ext cx="2742480" cy="364320"/>
           </a:xfrm>
           <a:prstGeom prst="rect">
             <a:avLst/>
@@ -6487,30 +4909,46 @@
             <a:noAutofit/>
           </a:bodyPr>
           <a:lstStyle>
-            <a:lvl1pPr indent="0" algn="ctr">
+            <a:lvl1pPr indent="0" algn="r" defTabSz="914400">
+              <a:lnSpc>
+                <a:spcPct val="100000"/>
+              </a:lnSpc>
               <a:buNone/>
-              <a:defRPr b="0" lang="en-US" sz="1400" spc="-1" strike="noStrike">
-                <a:solidFill>
-                  <a:srgbClr val="000000"/>
-                </a:solidFill>
-                <a:latin typeface="Times New Roman"/>
+              <a:tabLst>
+                <a:tab algn="l" pos="0"/>
+              </a:tabLst>
+              <a:defRPr b="0" lang="en-EG" sz="1200" spc="-1" strike="noStrike">
+                <a:solidFill>
+                  <a:schemeClr val="dk1">
+                    <a:tint val="75000"/>
+                  </a:schemeClr>
+                </a:solidFill>
+                <a:latin typeface="Calibri"/>
               </a:defRPr>
             </a:lvl1pPr>
           </a:lstStyle>
           <a:p>
-            <a:pPr indent="0" algn="ctr">
+            <a:pPr indent="0" algn="r" defTabSz="914400">
+              <a:lnSpc>
+                <a:spcPct val="100000"/>
+              </a:lnSpc>
               <a:buNone/>
-            </a:pPr>
-            <a:r>
-              <a:rPr b="0" lang="en-US" sz="1400" spc="-1" strike="noStrike">
-                <a:solidFill>
-                  <a:srgbClr val="000000"/>
-                </a:solidFill>
-                <a:latin typeface="Times New Roman"/>
-              </a:rPr>
-              <a:t>&lt;footer&gt;</a:t>
-            </a:r>
-            <a:endParaRPr b="0" lang="en-US" sz="1400" spc="-1" strike="noStrike">
+              <a:tabLst>
+                <a:tab algn="l" pos="0"/>
+              </a:tabLst>
+            </a:pPr>
+            <a:fld id="{208F5149-19D1-49FA-A448-3B28834AE74A}" type="slidenum">
+              <a:rPr b="0" lang="en-EG" sz="1200" spc="-1" strike="noStrike">
+                <a:solidFill>
+                  <a:schemeClr val="dk1">
+                    <a:tint val="75000"/>
+                  </a:schemeClr>
+                </a:solidFill>
+                <a:latin typeface="Calibri"/>
+              </a:rPr>
+              <a:t>&lt;number&gt;</a:t>
+            </a:fld>
+            <a:endParaRPr b="0" lang="en-US" sz="1200" spc="-1" strike="noStrike">
               <a:solidFill>
                 <a:srgbClr val="000000"/>
               </a:solidFill>
@@ -6521,18 +4959,18 @@
       </p:sp>
       <p:sp>
         <p:nvSpPr>
-          <p:cNvPr id="53" name="PlaceHolder 3"/>
+          <p:cNvPr id="42" name="PlaceHolder 3"/>
           <p:cNvSpPr>
             <a:spLocks noGrp="1"/>
           </p:cNvSpPr>
           <p:nvPr>
-            <p:ph type="sldNum" idx="27"/>
+            <p:ph type="dt" idx="27"/>
           </p:nvPr>
         </p:nvSpPr>
         <p:spPr>
           <a:xfrm>
-            <a:off x="8610480" y="6356520"/>
-            <a:ext cx="2742840" cy="364680"/>
+            <a:off x="838080" y="6356520"/>
+            <a:ext cx="2742480" cy="364320"/>
           </a:xfrm>
           <a:prstGeom prst="rect">
             <a:avLst/>
@@ -6547,40 +4985,30 @@
             <a:noAutofit/>
           </a:bodyPr>
           <a:lstStyle>
-            <a:lvl1pPr indent="0" algn="r" defTabSz="914400">
-              <a:lnSpc>
-                <a:spcPct val="100000"/>
-              </a:lnSpc>
+            <a:lvl1pPr indent="0">
               <a:buNone/>
-              <a:defRPr b="0" lang="en-EG" sz="1200" spc="-1" strike="noStrike">
-                <a:solidFill>
-                  <a:schemeClr val="dk1">
-                    <a:tint val="75000"/>
-                  </a:schemeClr>
-                </a:solidFill>
-                <a:latin typeface="Calibri"/>
+              <a:defRPr b="0" lang="en-US" sz="1400" spc="-1" strike="noStrike">
+                <a:solidFill>
+                  <a:srgbClr val="000000"/>
+                </a:solidFill>
+                <a:latin typeface="Times New Roman"/>
               </a:defRPr>
             </a:lvl1pPr>
           </a:lstStyle>
           <a:p>
-            <a:pPr indent="0" algn="r" defTabSz="914400">
-              <a:lnSpc>
-                <a:spcPct val="100000"/>
-              </a:lnSpc>
+            <a:pPr indent="0">
               <a:buNone/>
             </a:pPr>
-            <a:fld id="{446D1ED2-C9E9-4380-B246-6DEF4075B166}" type="slidenum">
-              <a:rPr b="0" lang="en-EG" sz="1200" spc="-1" strike="noStrike">
-                <a:solidFill>
-                  <a:schemeClr val="dk1">
-                    <a:tint val="75000"/>
-                  </a:schemeClr>
-                </a:solidFill>
-                <a:latin typeface="Calibri"/>
-              </a:rPr>
-              <a:t>&lt;number&gt;</a:t>
-            </a:fld>
-            <a:endParaRPr b="0" lang="en-US" sz="1200" spc="-1" strike="noStrike">
+            <a:r>
+              <a:rPr b="0" lang="en-US" sz="1400" spc="-1" strike="noStrike">
+                <a:solidFill>
+                  <a:srgbClr val="000000"/>
+                </a:solidFill>
+                <a:latin typeface="Times New Roman"/>
+              </a:rPr>
+              <a:t>&lt;date/time&gt;</a:t>
+            </a:r>
+            <a:endParaRPr b="0" lang="en-US" sz="1400" spc="-1" strike="noStrike">
               <a:solidFill>
                 <a:srgbClr val="000000"/>
               </a:solidFill>
@@ -6625,14 +5053,14 @@
       </p:grpSpPr>
       <p:sp>
         <p:nvSpPr>
-          <p:cNvPr id="66" name="TextBox 6"/>
+          <p:cNvPr id="49" name="TextBox 6"/>
           <p:cNvSpPr/>
           <p:nvPr/>
         </p:nvSpPr>
         <p:spPr>
           <a:xfrm rot="4800">
-            <a:off x="684000" y="2293560"/>
-            <a:ext cx="10972800" cy="2284920"/>
+            <a:off x="683640" y="2293560"/>
+            <a:ext cx="10972440" cy="2284200"/>
           </a:xfrm>
           <a:prstGeom prst="rect">
             <a:avLst/>
@@ -6684,14 +5112,14 @@
       </p:sp>
       <p:sp>
         <p:nvSpPr>
-          <p:cNvPr id="67" name="TextBox 7"/>
+          <p:cNvPr id="50" name="TextBox 7"/>
           <p:cNvSpPr/>
           <p:nvPr/>
         </p:nvSpPr>
         <p:spPr>
           <a:xfrm>
             <a:off x="1143000" y="4908600"/>
-            <a:ext cx="9638640" cy="577800"/>
+            <a:ext cx="9638280" cy="577080"/>
           </a:xfrm>
           <a:prstGeom prst="rect">
             <a:avLst/>
@@ -6755,6 +5183,1069 @@
               <a:t>Supervised BY DR.Rami Zeweil</a:t>
             </a:r>
             <a:endParaRPr b="0" lang="en-US" sz="1600" spc="-1" strike="noStrike">
+              <a:solidFill>
+                <a:srgbClr val="000000"/>
+              </a:solidFill>
+              <a:latin typeface="Arial"/>
+            </a:endParaRPr>
+          </a:p>
+        </p:txBody>
+      </p:sp>
+    </p:spTree>
+  </p:cSld>
+  <mc:AlternateContent>
+    <mc:Choice Requires="p14">
+      <p:transition spd="slow" p14:dur="2000"/>
+    </mc:Choice>
+    <mc:Fallback>
+      <p:transition spd="slow"/>
+    </mc:Fallback>
+  </mc:AlternateContent>
+</p:sld>
+</file>
+
+<file path=ppt/slides/slide10.xml><?xml version="1.0" encoding="utf-8"?>
+<p:sld xmlns:a="http://schemas.openxmlformats.org/drawingml/2006/main" xmlns:p="http://schemas.openxmlformats.org/presentationml/2006/main" xmlns:r="http://schemas.openxmlformats.org/officeDocument/2006/relationships" xmlns:p14="http://schemas.microsoft.com/office/powerpoint/2010/main" xmlns:p15="http://schemas.microsoft.com/office/powerpoint/2012/main" xmlns:mc="http://schemas.openxmlformats.org/markup-compatibility/2006">
+  <p:cSld>
+    <p:bg>
+      <p:bgPr>
+        <a:blipFill rotWithShape="0">
+          <a:blip r:embed="rId1"/>
+          <a:stretch/>
+        </a:blipFill>
+      </p:bgPr>
+    </p:bg>
+    <p:spTree>
+      <p:nvGrpSpPr>
+        <p:cNvPr id="1" name=""/>
+        <p:cNvGrpSpPr/>
+        <p:nvPr/>
+      </p:nvGrpSpPr>
+      <p:grpSpPr>
+        <a:xfrm>
+          <a:off x="0" y="0"/>
+          <a:ext cx="0" cy="0"/>
+          <a:chOff x="0" y="0"/>
+          <a:chExt cx="0" cy="0"/>
+        </a:xfrm>
+      </p:grpSpPr>
+      <p:sp>
+        <p:nvSpPr>
+          <p:cNvPr id="71" name="TextBox 13"/>
+          <p:cNvSpPr/>
+          <p:nvPr/>
+        </p:nvSpPr>
+        <p:spPr>
+          <a:xfrm>
+            <a:off x="457200" y="457200"/>
+            <a:ext cx="9386280" cy="821160"/>
+          </a:xfrm>
+          <a:prstGeom prst="rect">
+            <a:avLst/>
+          </a:prstGeom>
+          <a:noFill/>
+          <a:ln w="0">
+            <a:noFill/>
+          </a:ln>
+        </p:spPr>
+        <p:style>
+          <a:lnRef idx="0"/>
+          <a:fillRef idx="0"/>
+          <a:effectRef idx="0"/>
+          <a:fontRef idx="minor"/>
+        </p:style>
+        <p:txBody>
+          <a:bodyPr lIns="90000" rIns="90000" tIns="45000" bIns="45000" anchor="t">
+            <a:spAutoFit/>
+          </a:bodyPr>
+          <a:p>
+            <a:pPr algn="ctr" defTabSz="914400">
+              <a:lnSpc>
+                <a:spcPct val="100000"/>
+              </a:lnSpc>
+            </a:pPr>
+            <a:r>
+              <a:rPr b="0" lang="en-US" sz="4800" spc="-1" strike="noStrike">
+                <a:solidFill>
+                  <a:srgbClr val="ff0000"/>
+                </a:solidFill>
+                <a:latin typeface="Continuum Medium"/>
+              </a:rPr>
+              <a:t>Initialization Function (Timer 0)</a:t>
+            </a:r>
+            <a:endParaRPr b="0" lang="en-US" sz="4800" spc="-1" strike="noStrike">
+              <a:solidFill>
+                <a:srgbClr val="000000"/>
+              </a:solidFill>
+              <a:latin typeface="Arial"/>
+            </a:endParaRPr>
+          </a:p>
+        </p:txBody>
+      </p:sp>
+      <p:sp>
+        <p:nvSpPr>
+          <p:cNvPr id="72" name="TextBox 14"/>
+          <p:cNvSpPr/>
+          <p:nvPr/>
+        </p:nvSpPr>
+        <p:spPr>
+          <a:xfrm>
+            <a:off x="671760" y="1150200"/>
+            <a:ext cx="5423760" cy="577440"/>
+          </a:xfrm>
+          <a:prstGeom prst="rect">
+            <a:avLst/>
+          </a:prstGeom>
+          <a:noFill/>
+          <a:ln w="0">
+            <a:noFill/>
+          </a:ln>
+        </p:spPr>
+        <p:style>
+          <a:lnRef idx="0"/>
+          <a:fillRef idx="0"/>
+          <a:effectRef idx="0"/>
+          <a:fontRef idx="minor"/>
+        </p:style>
+        <p:txBody>
+          <a:bodyPr lIns="90000" rIns="90000" tIns="45000" bIns="45000" anchor="t">
+            <a:spAutoFit/>
+          </a:bodyPr>
+          <a:p>
+            <a:pPr defTabSz="914400">
+              <a:lnSpc>
+                <a:spcPct val="100000"/>
+              </a:lnSpc>
+            </a:pPr>
+            <a:r>
+              <a:rPr b="0" lang="en-US" sz="3200" spc="-1" strike="noStrike">
+                <a:solidFill>
+                  <a:schemeClr val="dk1"/>
+                </a:solidFill>
+                <a:latin typeface="Continuum Light"/>
+              </a:rPr>
+              <a:t>0_01_16g.cpp</a:t>
+            </a:r>
+            <a:endParaRPr b="0" lang="en-US" sz="3200" spc="-1" strike="noStrike">
+              <a:solidFill>
+                <a:srgbClr val="000000"/>
+              </a:solidFill>
+              <a:latin typeface="Arial"/>
+            </a:endParaRPr>
+          </a:p>
+        </p:txBody>
+      </p:sp>
+      <p:pic>
+        <p:nvPicPr>
+          <p:cNvPr id="73" name="" descr=""/>
+          <p:cNvPicPr/>
+          <p:nvPr/>
+        </p:nvPicPr>
+        <p:blipFill>
+          <a:blip r:embed="rId2"/>
+          <a:stretch/>
+        </p:blipFill>
+        <p:spPr>
+          <a:xfrm>
+            <a:off x="685800" y="1727640"/>
+            <a:ext cx="7777800" cy="5037120"/>
+          </a:xfrm>
+          <a:prstGeom prst="rect">
+            <a:avLst/>
+          </a:prstGeom>
+          <a:ln w="0">
+            <a:noFill/>
+          </a:ln>
+        </p:spPr>
+      </p:pic>
+    </p:spTree>
+  </p:cSld>
+  <p:transition spd="slow">
+    <p:fade/>
+  </p:transition>
+</p:sld>
+</file>
+
+<file path=ppt/slides/slide11.xml><?xml version="1.0" encoding="utf-8"?>
+<p:sld xmlns:a="http://schemas.openxmlformats.org/drawingml/2006/main" xmlns:p="http://schemas.openxmlformats.org/presentationml/2006/main" xmlns:r="http://schemas.openxmlformats.org/officeDocument/2006/relationships" xmlns:p14="http://schemas.microsoft.com/office/powerpoint/2010/main" xmlns:p15="http://schemas.microsoft.com/office/powerpoint/2012/main" xmlns:mc="http://schemas.openxmlformats.org/markup-compatibility/2006">
+  <p:cSld>
+    <p:bg>
+      <p:bgPr>
+        <a:blipFill rotWithShape="0">
+          <a:blip r:embed="rId1"/>
+          <a:stretch/>
+        </a:blipFill>
+      </p:bgPr>
+    </p:bg>
+    <p:spTree>
+      <p:nvGrpSpPr>
+        <p:cNvPr id="1" name=""/>
+        <p:cNvGrpSpPr/>
+        <p:nvPr/>
+      </p:nvGrpSpPr>
+      <p:grpSpPr>
+        <a:xfrm>
+          <a:off x="0" y="0"/>
+          <a:ext cx="0" cy="0"/>
+          <a:chOff x="0" y="0"/>
+          <a:chExt cx="0" cy="0"/>
+        </a:xfrm>
+      </p:grpSpPr>
+      <p:sp>
+        <p:nvSpPr>
+          <p:cNvPr id="74" name="TextBox 15"/>
+          <p:cNvSpPr/>
+          <p:nvPr/>
+        </p:nvSpPr>
+        <p:spPr>
+          <a:xfrm>
+            <a:off x="457200" y="457200"/>
+            <a:ext cx="9386280" cy="760680"/>
+          </a:xfrm>
+          <a:prstGeom prst="rect">
+            <a:avLst/>
+          </a:prstGeom>
+          <a:noFill/>
+          <a:ln w="0">
+            <a:noFill/>
+          </a:ln>
+        </p:spPr>
+        <p:style>
+          <a:lnRef idx="0"/>
+          <a:fillRef idx="0"/>
+          <a:effectRef idx="0"/>
+          <a:fontRef idx="minor"/>
+        </p:style>
+        <p:txBody>
+          <a:bodyPr lIns="90000" rIns="90000" tIns="45000" bIns="45000" anchor="t">
+            <a:spAutoFit/>
+          </a:bodyPr>
+          <a:p>
+            <a:pPr defTabSz="914400">
+              <a:lnSpc>
+                <a:spcPct val="100000"/>
+              </a:lnSpc>
+            </a:pPr>
+            <a:r>
+              <a:rPr b="0" lang="en-US" sz="4400" spc="-1" strike="noStrike">
+                <a:solidFill>
+                  <a:srgbClr val="ff0000"/>
+                </a:solidFill>
+                <a:latin typeface="Continuum Medium"/>
+              </a:rPr>
+              <a:t>Update Function</a:t>
+            </a:r>
+            <a:endParaRPr b="0" lang="en-US" sz="4400" spc="-1" strike="noStrike">
+              <a:solidFill>
+                <a:srgbClr val="000000"/>
+              </a:solidFill>
+              <a:latin typeface="Arial"/>
+            </a:endParaRPr>
+          </a:p>
+        </p:txBody>
+      </p:sp>
+      <p:sp>
+        <p:nvSpPr>
+          <p:cNvPr id="75" name="TextBox 16"/>
+          <p:cNvSpPr/>
+          <p:nvPr/>
+        </p:nvSpPr>
+        <p:spPr>
+          <a:xfrm>
+            <a:off x="671760" y="1150200"/>
+            <a:ext cx="5423760" cy="577440"/>
+          </a:xfrm>
+          <a:prstGeom prst="rect">
+            <a:avLst/>
+          </a:prstGeom>
+          <a:noFill/>
+          <a:ln w="0">
+            <a:noFill/>
+          </a:ln>
+        </p:spPr>
+        <p:style>
+          <a:lnRef idx="0"/>
+          <a:fillRef idx="0"/>
+          <a:effectRef idx="0"/>
+          <a:fontRef idx="minor"/>
+        </p:style>
+        <p:txBody>
+          <a:bodyPr lIns="90000" rIns="90000" tIns="45000" bIns="45000" anchor="t">
+            <a:spAutoFit/>
+          </a:bodyPr>
+          <a:p>
+            <a:pPr defTabSz="914400">
+              <a:lnSpc>
+                <a:spcPct val="100000"/>
+              </a:lnSpc>
+            </a:pPr>
+            <a:r>
+              <a:rPr b="0" lang="en-US" sz="3200" spc="-1" strike="noStrike">
+                <a:solidFill>
+                  <a:schemeClr val="dk1"/>
+                </a:solidFill>
+                <a:latin typeface="Continuum Light"/>
+              </a:rPr>
+              <a:t>0_01_16g.cpp</a:t>
+            </a:r>
+            <a:endParaRPr b="0" lang="en-US" sz="3200" spc="-1" strike="noStrike">
+              <a:solidFill>
+                <a:srgbClr val="000000"/>
+              </a:solidFill>
+              <a:latin typeface="Arial"/>
+            </a:endParaRPr>
+          </a:p>
+        </p:txBody>
+      </p:sp>
+      <p:pic>
+        <p:nvPicPr>
+          <p:cNvPr id="76" name="" descr=""/>
+          <p:cNvPicPr/>
+          <p:nvPr/>
+        </p:nvPicPr>
+        <p:blipFill>
+          <a:blip r:embed="rId2"/>
+          <a:stretch/>
+        </p:blipFill>
+        <p:spPr>
+          <a:xfrm>
+            <a:off x="5029200" y="670320"/>
+            <a:ext cx="7056720" cy="5730480"/>
+          </a:xfrm>
+          <a:prstGeom prst="rect">
+            <a:avLst/>
+          </a:prstGeom>
+          <a:ln w="0">
+            <a:noFill/>
+          </a:ln>
+        </p:spPr>
+      </p:pic>
+    </p:spTree>
+  </p:cSld>
+  <p:transition spd="slow">
+    <p:fade/>
+  </p:transition>
+</p:sld>
+</file>
+
+<file path=ppt/slides/slide12.xml><?xml version="1.0" encoding="utf-8"?>
+<p:sld xmlns:a="http://schemas.openxmlformats.org/drawingml/2006/main" xmlns:p="http://schemas.openxmlformats.org/presentationml/2006/main" xmlns:r="http://schemas.openxmlformats.org/officeDocument/2006/relationships" xmlns:p14="http://schemas.microsoft.com/office/powerpoint/2010/main" xmlns:p15="http://schemas.microsoft.com/office/powerpoint/2012/main" xmlns:mc="http://schemas.openxmlformats.org/markup-compatibility/2006">
+  <p:cSld>
+    <p:bg>
+      <p:bgPr>
+        <a:blipFill rotWithShape="0">
+          <a:blip r:embed="rId1"/>
+          <a:stretch/>
+        </a:blipFill>
+      </p:bgPr>
+    </p:bg>
+    <p:spTree>
+      <p:nvGrpSpPr>
+        <p:cNvPr id="1" name=""/>
+        <p:cNvGrpSpPr/>
+        <p:nvPr/>
+      </p:nvGrpSpPr>
+      <p:grpSpPr>
+        <a:xfrm>
+          <a:off x="0" y="0"/>
+          <a:ext cx="0" cy="0"/>
+          <a:chOff x="0" y="0"/>
+          <a:chExt cx="0" cy="0"/>
+        </a:xfrm>
+      </p:grpSpPr>
+      <p:sp>
+        <p:nvSpPr>
+          <p:cNvPr id="77" name="TextBox 17"/>
+          <p:cNvSpPr/>
+          <p:nvPr/>
+        </p:nvSpPr>
+        <p:spPr>
+          <a:xfrm>
+            <a:off x="457200" y="457200"/>
+            <a:ext cx="9386280" cy="760680"/>
+          </a:xfrm>
+          <a:prstGeom prst="rect">
+            <a:avLst/>
+          </a:prstGeom>
+          <a:noFill/>
+          <a:ln w="0">
+            <a:noFill/>
+          </a:ln>
+        </p:spPr>
+        <p:style>
+          <a:lnRef idx="0"/>
+          <a:fillRef idx="0"/>
+          <a:effectRef idx="0"/>
+          <a:fontRef idx="minor"/>
+        </p:style>
+        <p:txBody>
+          <a:bodyPr lIns="90000" rIns="90000" tIns="45000" bIns="45000" anchor="t">
+            <a:spAutoFit/>
+          </a:bodyPr>
+          <a:p>
+            <a:pPr defTabSz="914400">
+              <a:lnSpc>
+                <a:spcPct val="100000"/>
+              </a:lnSpc>
+            </a:pPr>
+            <a:r>
+              <a:rPr b="0" lang="en-US" sz="4400" spc="-1" strike="noStrike">
+                <a:solidFill>
+                  <a:srgbClr val="ff0000"/>
+                </a:solidFill>
+                <a:latin typeface="Continuum Medium"/>
+              </a:rPr>
+              <a:t>Add Task </a:t>
+            </a:r>
+            <a:endParaRPr b="0" lang="en-US" sz="4400" spc="-1" strike="noStrike">
+              <a:solidFill>
+                <a:srgbClr val="000000"/>
+              </a:solidFill>
+              <a:latin typeface="Arial"/>
+            </a:endParaRPr>
+          </a:p>
+        </p:txBody>
+      </p:sp>
+      <p:sp>
+        <p:nvSpPr>
+          <p:cNvPr id="78" name="TextBox 18"/>
+          <p:cNvSpPr/>
+          <p:nvPr/>
+        </p:nvSpPr>
+        <p:spPr>
+          <a:xfrm>
+            <a:off x="671760" y="1150200"/>
+            <a:ext cx="5423760" cy="577440"/>
+          </a:xfrm>
+          <a:prstGeom prst="rect">
+            <a:avLst/>
+          </a:prstGeom>
+          <a:noFill/>
+          <a:ln w="0">
+            <a:noFill/>
+          </a:ln>
+        </p:spPr>
+        <p:style>
+          <a:lnRef idx="0"/>
+          <a:fillRef idx="0"/>
+          <a:effectRef idx="0"/>
+          <a:fontRef idx="minor"/>
+        </p:style>
+        <p:txBody>
+          <a:bodyPr lIns="90000" rIns="90000" tIns="45000" bIns="45000" anchor="t">
+            <a:spAutoFit/>
+          </a:bodyPr>
+          <a:p>
+            <a:pPr defTabSz="914400">
+              <a:lnSpc>
+                <a:spcPct val="100000"/>
+              </a:lnSpc>
+            </a:pPr>
+            <a:r>
+              <a:rPr b="0" lang="en-US" sz="3200" spc="-1" strike="noStrike">
+                <a:solidFill>
+                  <a:schemeClr val="dk1"/>
+                </a:solidFill>
+                <a:latin typeface="Continuum Light"/>
+              </a:rPr>
+              <a:t>SCH328P.cpp</a:t>
+            </a:r>
+            <a:endParaRPr b="0" lang="en-US" sz="3200" spc="-1" strike="noStrike">
+              <a:solidFill>
+                <a:srgbClr val="000000"/>
+              </a:solidFill>
+              <a:latin typeface="Arial"/>
+            </a:endParaRPr>
+          </a:p>
+        </p:txBody>
+      </p:sp>
+      <p:pic>
+        <p:nvPicPr>
+          <p:cNvPr id="79" name="" descr=""/>
+          <p:cNvPicPr/>
+          <p:nvPr/>
+        </p:nvPicPr>
+        <p:blipFill>
+          <a:blip r:embed="rId2"/>
+          <a:stretch/>
+        </p:blipFill>
+        <p:spPr>
+          <a:xfrm>
+            <a:off x="3657600" y="295560"/>
+            <a:ext cx="8324640" cy="6333840"/>
+          </a:xfrm>
+          <a:prstGeom prst="rect">
+            <a:avLst/>
+          </a:prstGeom>
+          <a:ln w="0">
+            <a:noFill/>
+          </a:ln>
+        </p:spPr>
+      </p:pic>
+    </p:spTree>
+  </p:cSld>
+  <p:transition spd="slow">
+    <p:fade/>
+  </p:transition>
+</p:sld>
+</file>
+
+<file path=ppt/slides/slide13.xml><?xml version="1.0" encoding="utf-8"?>
+<p:sld xmlns:a="http://schemas.openxmlformats.org/drawingml/2006/main" xmlns:p="http://schemas.openxmlformats.org/presentationml/2006/main" xmlns:r="http://schemas.openxmlformats.org/officeDocument/2006/relationships" xmlns:p14="http://schemas.microsoft.com/office/powerpoint/2010/main" xmlns:p15="http://schemas.microsoft.com/office/powerpoint/2012/main" xmlns:mc="http://schemas.openxmlformats.org/markup-compatibility/2006">
+  <p:cSld>
+    <p:bg>
+      <p:bgPr>
+        <a:blipFill rotWithShape="0">
+          <a:blip r:embed="rId1"/>
+          <a:stretch/>
+        </a:blipFill>
+      </p:bgPr>
+    </p:bg>
+    <p:spTree>
+      <p:nvGrpSpPr>
+        <p:cNvPr id="1" name=""/>
+        <p:cNvGrpSpPr/>
+        <p:nvPr/>
+      </p:nvGrpSpPr>
+      <p:grpSpPr>
+        <a:xfrm>
+          <a:off x="0" y="0"/>
+          <a:ext cx="0" cy="0"/>
+          <a:chOff x="0" y="0"/>
+          <a:chExt cx="0" cy="0"/>
+        </a:xfrm>
+      </p:grpSpPr>
+      <p:sp>
+        <p:nvSpPr>
+          <p:cNvPr id="80" name="TextBox 19"/>
+          <p:cNvSpPr/>
+          <p:nvPr/>
+        </p:nvSpPr>
+        <p:spPr>
+          <a:xfrm>
+            <a:off x="457200" y="457200"/>
+            <a:ext cx="9386280" cy="760680"/>
+          </a:xfrm>
+          <a:prstGeom prst="rect">
+            <a:avLst/>
+          </a:prstGeom>
+          <a:noFill/>
+          <a:ln w="0">
+            <a:noFill/>
+          </a:ln>
+        </p:spPr>
+        <p:style>
+          <a:lnRef idx="0"/>
+          <a:fillRef idx="0"/>
+          <a:effectRef idx="0"/>
+          <a:fontRef idx="minor"/>
+        </p:style>
+        <p:txBody>
+          <a:bodyPr lIns="90000" rIns="90000" tIns="45000" bIns="45000" anchor="t">
+            <a:spAutoFit/>
+          </a:bodyPr>
+          <a:p>
+            <a:pPr defTabSz="914400">
+              <a:lnSpc>
+                <a:spcPct val="100000"/>
+              </a:lnSpc>
+            </a:pPr>
+            <a:r>
+              <a:rPr b="0" lang="en-US" sz="4400" spc="-1" strike="noStrike">
+                <a:solidFill>
+                  <a:srgbClr val="ff0000"/>
+                </a:solidFill>
+                <a:latin typeface="Continuum Medium"/>
+              </a:rPr>
+              <a:t>Dispatch Task </a:t>
+            </a:r>
+            <a:endParaRPr b="0" lang="en-US" sz="4400" spc="-1" strike="noStrike">
+              <a:solidFill>
+                <a:srgbClr val="000000"/>
+              </a:solidFill>
+              <a:latin typeface="Arial"/>
+            </a:endParaRPr>
+          </a:p>
+        </p:txBody>
+      </p:sp>
+      <p:sp>
+        <p:nvSpPr>
+          <p:cNvPr id="81" name="TextBox 20"/>
+          <p:cNvSpPr/>
+          <p:nvPr/>
+        </p:nvSpPr>
+        <p:spPr>
+          <a:xfrm>
+            <a:off x="671760" y="1150200"/>
+            <a:ext cx="5423760" cy="577440"/>
+          </a:xfrm>
+          <a:prstGeom prst="rect">
+            <a:avLst/>
+          </a:prstGeom>
+          <a:noFill/>
+          <a:ln w="0">
+            <a:noFill/>
+          </a:ln>
+        </p:spPr>
+        <p:style>
+          <a:lnRef idx="0"/>
+          <a:fillRef idx="0"/>
+          <a:effectRef idx="0"/>
+          <a:fontRef idx="minor"/>
+        </p:style>
+        <p:txBody>
+          <a:bodyPr lIns="90000" rIns="90000" tIns="45000" bIns="45000" anchor="t">
+            <a:spAutoFit/>
+          </a:bodyPr>
+          <a:p>
+            <a:pPr defTabSz="914400">
+              <a:lnSpc>
+                <a:spcPct val="100000"/>
+              </a:lnSpc>
+            </a:pPr>
+            <a:r>
+              <a:rPr b="0" lang="en-US" sz="3200" spc="-1" strike="noStrike">
+                <a:solidFill>
+                  <a:schemeClr val="dk1"/>
+                </a:solidFill>
+                <a:latin typeface="Continuum Light"/>
+              </a:rPr>
+              <a:t>SCH328P.cpp</a:t>
+            </a:r>
+            <a:endParaRPr b="0" lang="en-US" sz="3200" spc="-1" strike="noStrike">
+              <a:solidFill>
+                <a:srgbClr val="000000"/>
+              </a:solidFill>
+              <a:latin typeface="Arial"/>
+            </a:endParaRPr>
+          </a:p>
+        </p:txBody>
+      </p:sp>
+      <p:pic>
+        <p:nvPicPr>
+          <p:cNvPr id="82" name="" descr=""/>
+          <p:cNvPicPr/>
+          <p:nvPr/>
+        </p:nvPicPr>
+        <p:blipFill>
+          <a:blip r:embed="rId2"/>
+          <a:stretch/>
+        </p:blipFill>
+        <p:spPr>
+          <a:xfrm>
+            <a:off x="4073400" y="1217880"/>
+            <a:ext cx="7813800" cy="5266800"/>
+          </a:xfrm>
+          <a:prstGeom prst="rect">
+            <a:avLst/>
+          </a:prstGeom>
+          <a:ln w="0">
+            <a:noFill/>
+          </a:ln>
+        </p:spPr>
+      </p:pic>
+    </p:spTree>
+  </p:cSld>
+  <p:transition spd="slow">
+    <p:fade/>
+  </p:transition>
+</p:sld>
+</file>
+
+<file path=ppt/slides/slide14.xml><?xml version="1.0" encoding="utf-8"?>
+<p:sld xmlns:a="http://schemas.openxmlformats.org/drawingml/2006/main" xmlns:p="http://schemas.openxmlformats.org/presentationml/2006/main" xmlns:r="http://schemas.openxmlformats.org/officeDocument/2006/relationships" xmlns:p14="http://schemas.microsoft.com/office/powerpoint/2010/main" xmlns:p15="http://schemas.microsoft.com/office/powerpoint/2012/main" xmlns:mc="http://schemas.openxmlformats.org/markup-compatibility/2006">
+  <p:cSld>
+    <p:bg>
+      <p:bgPr>
+        <a:blipFill rotWithShape="0">
+          <a:blip r:embed="rId1"/>
+          <a:stretch/>
+        </a:blipFill>
+      </p:bgPr>
+    </p:bg>
+    <p:spTree>
+      <p:nvGrpSpPr>
+        <p:cNvPr id="1" name=""/>
+        <p:cNvGrpSpPr/>
+        <p:nvPr/>
+      </p:nvGrpSpPr>
+      <p:grpSpPr>
+        <a:xfrm>
+          <a:off x="0" y="0"/>
+          <a:ext cx="0" cy="0"/>
+          <a:chOff x="0" y="0"/>
+          <a:chExt cx="0" cy="0"/>
+        </a:xfrm>
+      </p:grpSpPr>
+      <p:sp>
+        <p:nvSpPr>
+          <p:cNvPr id="83" name="TextBox 21"/>
+          <p:cNvSpPr/>
+          <p:nvPr/>
+        </p:nvSpPr>
+        <p:spPr>
+          <a:xfrm>
+            <a:off x="457200" y="457200"/>
+            <a:ext cx="9386280" cy="760680"/>
+          </a:xfrm>
+          <a:prstGeom prst="rect">
+            <a:avLst/>
+          </a:prstGeom>
+          <a:noFill/>
+          <a:ln w="0">
+            <a:noFill/>
+          </a:ln>
+        </p:spPr>
+        <p:style>
+          <a:lnRef idx="0"/>
+          <a:fillRef idx="0"/>
+          <a:effectRef idx="0"/>
+          <a:fontRef idx="minor"/>
+        </p:style>
+        <p:txBody>
+          <a:bodyPr lIns="90000" rIns="90000" tIns="45000" bIns="45000" anchor="t">
+            <a:spAutoFit/>
+          </a:bodyPr>
+          <a:p>
+            <a:pPr defTabSz="914400">
+              <a:lnSpc>
+                <a:spcPct val="100000"/>
+              </a:lnSpc>
+            </a:pPr>
+            <a:r>
+              <a:rPr b="0" lang="en-US" sz="4400" spc="-1" strike="noStrike">
+                <a:solidFill>
+                  <a:srgbClr val="ff0000"/>
+                </a:solidFill>
+                <a:latin typeface="Continuum Medium"/>
+              </a:rPr>
+              <a:t>Delete Task </a:t>
+            </a:r>
+            <a:endParaRPr b="0" lang="en-US" sz="4400" spc="-1" strike="noStrike">
+              <a:solidFill>
+                <a:srgbClr val="000000"/>
+              </a:solidFill>
+              <a:latin typeface="Arial"/>
+            </a:endParaRPr>
+          </a:p>
+        </p:txBody>
+      </p:sp>
+      <p:sp>
+        <p:nvSpPr>
+          <p:cNvPr id="84" name="TextBox 22"/>
+          <p:cNvSpPr/>
+          <p:nvPr/>
+        </p:nvSpPr>
+        <p:spPr>
+          <a:xfrm>
+            <a:off x="671760" y="1150200"/>
+            <a:ext cx="5423760" cy="577440"/>
+          </a:xfrm>
+          <a:prstGeom prst="rect">
+            <a:avLst/>
+          </a:prstGeom>
+          <a:noFill/>
+          <a:ln w="0">
+            <a:noFill/>
+          </a:ln>
+        </p:spPr>
+        <p:style>
+          <a:lnRef idx="0"/>
+          <a:fillRef idx="0"/>
+          <a:effectRef idx="0"/>
+          <a:fontRef idx="minor"/>
+        </p:style>
+        <p:txBody>
+          <a:bodyPr lIns="90000" rIns="90000" tIns="45000" bIns="45000" anchor="t">
+            <a:spAutoFit/>
+          </a:bodyPr>
+          <a:p>
+            <a:pPr defTabSz="914400">
+              <a:lnSpc>
+                <a:spcPct val="100000"/>
+              </a:lnSpc>
+            </a:pPr>
+            <a:r>
+              <a:rPr b="0" lang="en-US" sz="3200" spc="-1" strike="noStrike">
+                <a:solidFill>
+                  <a:schemeClr val="dk1"/>
+                </a:solidFill>
+                <a:latin typeface="Continuum Light"/>
+              </a:rPr>
+              <a:t>SCH328P.cpp</a:t>
+            </a:r>
+            <a:endParaRPr b="0" lang="en-US" sz="3200" spc="-1" strike="noStrike">
+              <a:solidFill>
+                <a:srgbClr val="000000"/>
+              </a:solidFill>
+              <a:latin typeface="Arial"/>
+            </a:endParaRPr>
+          </a:p>
+        </p:txBody>
+      </p:sp>
+      <p:pic>
+        <p:nvPicPr>
+          <p:cNvPr id="85" name="" descr=""/>
+          <p:cNvPicPr/>
+          <p:nvPr/>
+        </p:nvPicPr>
+        <p:blipFill>
+          <a:blip r:embed="rId2"/>
+          <a:stretch/>
+        </p:blipFill>
+        <p:spPr>
+          <a:xfrm>
+            <a:off x="3657600" y="1371600"/>
+            <a:ext cx="8143560" cy="5095440"/>
+          </a:xfrm>
+          <a:prstGeom prst="rect">
+            <a:avLst/>
+          </a:prstGeom>
+          <a:ln w="0">
+            <a:noFill/>
+          </a:ln>
+        </p:spPr>
+      </p:pic>
+    </p:spTree>
+  </p:cSld>
+  <p:transition spd="slow">
+    <p:fade/>
+  </p:transition>
+</p:sld>
+</file>
+
+<file path=ppt/slides/slide15.xml><?xml version="1.0" encoding="utf-8"?>
+<p:sld xmlns:a="http://schemas.openxmlformats.org/drawingml/2006/main" xmlns:p="http://schemas.openxmlformats.org/presentationml/2006/main" xmlns:r="http://schemas.openxmlformats.org/officeDocument/2006/relationships" xmlns:p14="http://schemas.microsoft.com/office/powerpoint/2010/main" xmlns:p15="http://schemas.microsoft.com/office/powerpoint/2012/main" xmlns:mc="http://schemas.openxmlformats.org/markup-compatibility/2006">
+  <p:cSld>
+    <p:bg>
+      <p:bgPr>
+        <a:blipFill rotWithShape="0">
+          <a:blip r:embed="rId1"/>
+          <a:stretch/>
+        </a:blipFill>
+      </p:bgPr>
+    </p:bg>
+    <p:spTree>
+      <p:nvGrpSpPr>
+        <p:cNvPr id="1" name=""/>
+        <p:cNvGrpSpPr/>
+        <p:nvPr/>
+      </p:nvGrpSpPr>
+      <p:grpSpPr>
+        <a:xfrm>
+          <a:off x="0" y="0"/>
+          <a:ext cx="0" cy="0"/>
+          <a:chOff x="0" y="0"/>
+          <a:chExt cx="0" cy="0"/>
+        </a:xfrm>
+      </p:grpSpPr>
+      <p:sp>
+        <p:nvSpPr>
+          <p:cNvPr id="86" name="TextBox 23"/>
+          <p:cNvSpPr/>
+          <p:nvPr/>
+        </p:nvSpPr>
+        <p:spPr>
+          <a:xfrm>
+            <a:off x="457200" y="457200"/>
+            <a:ext cx="9386280" cy="760680"/>
+          </a:xfrm>
+          <a:prstGeom prst="rect">
+            <a:avLst/>
+          </a:prstGeom>
+          <a:noFill/>
+          <a:ln w="0">
+            <a:noFill/>
+          </a:ln>
+        </p:spPr>
+        <p:style>
+          <a:lnRef idx="0"/>
+          <a:fillRef idx="0"/>
+          <a:effectRef idx="0"/>
+          <a:fontRef idx="minor"/>
+        </p:style>
+        <p:txBody>
+          <a:bodyPr lIns="90000" rIns="90000" tIns="45000" bIns="45000" anchor="t">
+            <a:spAutoFit/>
+          </a:bodyPr>
+          <a:p>
+            <a:pPr defTabSz="914400">
+              <a:lnSpc>
+                <a:spcPct val="100000"/>
+              </a:lnSpc>
+            </a:pPr>
+            <a:r>
+              <a:rPr b="0" lang="en-US" sz="4400" spc="-1" strike="noStrike">
+                <a:solidFill>
+                  <a:srgbClr val="ff0000"/>
+                </a:solidFill>
+                <a:latin typeface="Continuum Medium"/>
+              </a:rPr>
+              <a:t>Start Scheduler function</a:t>
+            </a:r>
+            <a:endParaRPr b="0" lang="en-US" sz="4400" spc="-1" strike="noStrike">
+              <a:solidFill>
+                <a:srgbClr val="000000"/>
+              </a:solidFill>
+              <a:latin typeface="Arial"/>
+            </a:endParaRPr>
+          </a:p>
+        </p:txBody>
+      </p:sp>
+      <p:sp>
+        <p:nvSpPr>
+          <p:cNvPr id="87" name="TextBox 24"/>
+          <p:cNvSpPr/>
+          <p:nvPr/>
+        </p:nvSpPr>
+        <p:spPr>
+          <a:xfrm>
+            <a:off x="671760" y="1150200"/>
+            <a:ext cx="5423760" cy="577440"/>
+          </a:xfrm>
+          <a:prstGeom prst="rect">
+            <a:avLst/>
+          </a:prstGeom>
+          <a:noFill/>
+          <a:ln w="0">
+            <a:noFill/>
+          </a:ln>
+        </p:spPr>
+        <p:style>
+          <a:lnRef idx="0"/>
+          <a:fillRef idx="0"/>
+          <a:effectRef idx="0"/>
+          <a:fontRef idx="minor"/>
+        </p:style>
+        <p:txBody>
+          <a:bodyPr lIns="90000" rIns="90000" tIns="45000" bIns="45000" anchor="t">
+            <a:spAutoFit/>
+          </a:bodyPr>
+          <a:p>
+            <a:pPr defTabSz="914400">
+              <a:lnSpc>
+                <a:spcPct val="100000"/>
+              </a:lnSpc>
+            </a:pPr>
+            <a:r>
+              <a:rPr b="0" lang="en-US" sz="3200" spc="-1" strike="noStrike">
+                <a:solidFill>
+                  <a:schemeClr val="dk1"/>
+                </a:solidFill>
+                <a:latin typeface="Continuum Light"/>
+              </a:rPr>
+              <a:t>0_01_16g.cpp</a:t>
+            </a:r>
+            <a:endParaRPr b="0" lang="en-US" sz="3200" spc="-1" strike="noStrike">
+              <a:solidFill>
+                <a:srgbClr val="000000"/>
+              </a:solidFill>
+              <a:latin typeface="Arial"/>
+            </a:endParaRPr>
+          </a:p>
+        </p:txBody>
+      </p:sp>
+      <p:pic>
+        <p:nvPicPr>
+          <p:cNvPr id="88" name="" descr=""/>
+          <p:cNvPicPr/>
+          <p:nvPr/>
+        </p:nvPicPr>
+        <p:blipFill>
+          <a:blip r:embed="rId2"/>
+          <a:stretch/>
+        </p:blipFill>
+        <p:spPr>
+          <a:xfrm>
+            <a:off x="1695960" y="2057400"/>
+            <a:ext cx="7905240" cy="3362040"/>
+          </a:xfrm>
+          <a:prstGeom prst="rect">
+            <a:avLst/>
+          </a:prstGeom>
+          <a:ln w="0">
+            <a:noFill/>
+          </a:ln>
+        </p:spPr>
+      </p:pic>
+    </p:spTree>
+  </p:cSld>
+  <p:transition spd="slow">
+    <p:fade/>
+  </p:transition>
+</p:sld>
+</file>
+
+<file path=ppt/slides/slide16.xml><?xml version="1.0" encoding="utf-8"?>
+<p:sld xmlns:a="http://schemas.openxmlformats.org/drawingml/2006/main" xmlns:p="http://schemas.openxmlformats.org/presentationml/2006/main" xmlns:r="http://schemas.openxmlformats.org/officeDocument/2006/relationships" xmlns:p14="http://schemas.microsoft.com/office/powerpoint/2010/main" xmlns:p15="http://schemas.microsoft.com/office/powerpoint/2012/main" xmlns:mc="http://schemas.openxmlformats.org/markup-compatibility/2006">
+  <p:cSld>
+    <p:bg>
+      <p:bgPr>
+        <a:blipFill rotWithShape="0">
+          <a:blip r:embed="rId1"/>
+          <a:stretch/>
+        </a:blipFill>
+      </p:bgPr>
+    </p:bg>
+    <p:spTree>
+      <p:nvGrpSpPr>
+        <p:cNvPr id="1" name=""/>
+        <p:cNvGrpSpPr/>
+        <p:nvPr/>
+      </p:nvGrpSpPr>
+      <p:grpSpPr>
+        <a:xfrm>
+          <a:off x="0" y="0"/>
+          <a:ext cx="0" cy="0"/>
+          <a:chOff x="0" y="0"/>
+          <a:chExt cx="0" cy="0"/>
+        </a:xfrm>
+      </p:grpSpPr>
+      <p:sp>
+        <p:nvSpPr>
+          <p:cNvPr id="89" name="TextBox 4"/>
+          <p:cNvSpPr/>
+          <p:nvPr/>
+        </p:nvSpPr>
+        <p:spPr>
+          <a:xfrm>
+            <a:off x="3828960" y="2286000"/>
+            <a:ext cx="4400640" cy="2284200"/>
+          </a:xfrm>
+          <a:prstGeom prst="rect">
+            <a:avLst/>
+          </a:prstGeom>
+          <a:noFill/>
+          <a:ln w="0">
+            <a:noFill/>
+          </a:ln>
+        </p:spPr>
+        <p:style>
+          <a:lnRef idx="0"/>
+          <a:fillRef idx="0"/>
+          <a:effectRef idx="0"/>
+          <a:fontRef idx="minor"/>
+        </p:style>
+        <p:txBody>
+          <a:bodyPr lIns="90000" rIns="90000" tIns="45000" bIns="45000" anchor="t">
+            <a:spAutoFit/>
+          </a:bodyPr>
+          <a:p>
+            <a:pPr algn="ctr" defTabSz="914400">
+              <a:lnSpc>
+                <a:spcPct val="100000"/>
+              </a:lnSpc>
+            </a:pPr>
+            <a:r>
+              <a:rPr b="0" lang="en-US" sz="7200" spc="-1" strike="noStrike">
+                <a:solidFill>
+                  <a:srgbClr val="ff0000"/>
+                </a:solidFill>
+                <a:latin typeface="Continuum Medium"/>
+              </a:rPr>
+              <a:t>Thank You</a:t>
+            </a:r>
+            <a:endParaRPr b="0" lang="en-US" sz="7200" spc="-1" strike="noStrike">
               <a:solidFill>
                 <a:srgbClr val="000000"/>
               </a:solidFill>
@@ -6803,14 +6294,14 @@
       </p:grpSpPr>
       <p:sp>
         <p:nvSpPr>
-          <p:cNvPr id="68" name="TextBox 4"/>
+          <p:cNvPr id="51" name="TextBox 4"/>
           <p:cNvSpPr/>
           <p:nvPr/>
         </p:nvSpPr>
         <p:spPr>
           <a:xfrm>
             <a:off x="3146400" y="2743200"/>
-            <a:ext cx="5997600" cy="1187640"/>
+            <a:ext cx="5997240" cy="1186920"/>
           </a:xfrm>
           <a:prstGeom prst="rect">
             <a:avLst/>
@@ -6889,14 +6380,14 @@
       </p:grpSpPr>
       <p:sp>
         <p:nvSpPr>
-          <p:cNvPr id="69" name="TextBox 3"/>
+          <p:cNvPr id="52" name="TextBox 3"/>
           <p:cNvSpPr/>
           <p:nvPr/>
         </p:nvSpPr>
         <p:spPr>
           <a:xfrm>
             <a:off x="671760" y="441720"/>
-            <a:ext cx="5424120" cy="759960"/>
+            <a:ext cx="5423760" cy="759960"/>
           </a:xfrm>
           <a:prstGeom prst="rect">
             <a:avLst/>
@@ -6942,14 +6433,14 @@
       </p:sp>
       <p:sp>
         <p:nvSpPr>
-          <p:cNvPr id="70" name="TextBox 5"/>
+          <p:cNvPr id="53" name="TextBox 5"/>
           <p:cNvSpPr/>
           <p:nvPr/>
         </p:nvSpPr>
         <p:spPr>
           <a:xfrm>
             <a:off x="671760" y="1150200"/>
-            <a:ext cx="5424120" cy="577440"/>
+            <a:ext cx="5423760" cy="577440"/>
           </a:xfrm>
           <a:prstGeom prst="rect">
             <a:avLst/>
@@ -6995,14 +6486,14 @@
       </p:sp>
       <p:sp>
         <p:nvSpPr>
-          <p:cNvPr id="71" name="TextBox 6"/>
+          <p:cNvPr id="54" name="TextBox 6"/>
           <p:cNvSpPr/>
           <p:nvPr/>
         </p:nvSpPr>
         <p:spPr>
           <a:xfrm>
             <a:off x="671760" y="1866960"/>
-            <a:ext cx="10926000" cy="912600"/>
+            <a:ext cx="10925640" cy="912240"/>
           </a:xfrm>
           <a:prstGeom prst="rect">
             <a:avLst/>
@@ -7072,14 +6563,14 @@
       </p:grpSpPr>
       <p:sp>
         <p:nvSpPr>
-          <p:cNvPr id="72" name="TextBox 4"/>
+          <p:cNvPr id="55" name="TextBox 4"/>
           <p:cNvSpPr/>
           <p:nvPr/>
         </p:nvSpPr>
         <p:spPr>
           <a:xfrm>
             <a:off x="3245400" y="2698560"/>
-            <a:ext cx="5441400" cy="1187640"/>
+            <a:ext cx="5441040" cy="1186920"/>
           </a:xfrm>
           <a:prstGeom prst="rect">
             <a:avLst/>
@@ -7158,14 +6649,14 @@
       </p:grpSpPr>
       <p:sp>
         <p:nvSpPr>
-          <p:cNvPr id="73" name="TextBox 3"/>
+          <p:cNvPr id="56" name="TextBox 3"/>
           <p:cNvSpPr/>
           <p:nvPr/>
         </p:nvSpPr>
         <p:spPr>
           <a:xfrm>
             <a:off x="671760" y="441720"/>
-            <a:ext cx="5424120" cy="759960"/>
+            <a:ext cx="5423760" cy="759960"/>
           </a:xfrm>
           <a:prstGeom prst="rect">
             <a:avLst/>
@@ -7211,14 +6702,14 @@
       </p:sp>
       <p:sp>
         <p:nvSpPr>
-          <p:cNvPr id="74" name="TextBox 5"/>
+          <p:cNvPr id="57" name="TextBox 5"/>
           <p:cNvSpPr/>
           <p:nvPr/>
         </p:nvSpPr>
         <p:spPr>
           <a:xfrm>
             <a:off x="671760" y="1150200"/>
-            <a:ext cx="5424120" cy="577440"/>
+            <a:ext cx="5423760" cy="577440"/>
           </a:xfrm>
           <a:prstGeom prst="rect">
             <a:avLst/>
@@ -7264,7 +6755,7 @@
       </p:sp>
       <p:pic>
         <p:nvPicPr>
-          <p:cNvPr id="75" name="" descr=""/>
+          <p:cNvPr id="58" name="" descr=""/>
           <p:cNvPicPr/>
           <p:nvPr/>
         </p:nvPicPr>
@@ -7275,7 +6766,7 @@
         <p:spPr>
           <a:xfrm>
             <a:off x="1371600" y="1727640"/>
-            <a:ext cx="9144000" cy="4863240"/>
+            <a:ext cx="9143640" cy="4862880"/>
           </a:xfrm>
           <a:prstGeom prst="rect">
             <a:avLst/>
@@ -7320,14 +6811,14 @@
       </p:grpSpPr>
       <p:sp>
         <p:nvSpPr>
-          <p:cNvPr id="76" name="TextBox 2"/>
+          <p:cNvPr id="59" name="TextBox 2"/>
           <p:cNvSpPr/>
           <p:nvPr/>
         </p:nvSpPr>
         <p:spPr>
           <a:xfrm>
             <a:off x="3245400" y="2698560"/>
-            <a:ext cx="5441400" cy="1553400"/>
+            <a:ext cx="5441040" cy="1552680"/>
           </a:xfrm>
           <a:prstGeom prst="rect">
             <a:avLst/>
@@ -7360,16 +6851,7 @@
                 </a:solidFill>
                 <a:latin typeface="Continuum Medium"/>
               </a:rPr>
-              <a:t>Scheduler Data </a:t>
-            </a:r>
-            <a:r>
-              <a:rPr b="0" lang="en-US" sz="4800" spc="-1" strike="noStrike">
-                <a:solidFill>
-                  <a:srgbClr val="ff0000"/>
-                </a:solidFill>
-                <a:latin typeface="Continuum Medium"/>
-              </a:rPr>
-              <a:t>Structure</a:t>
+              <a:t>Scheduler Data Structure</a:t>
             </a:r>
             <a:endParaRPr b="0" lang="en-US" sz="4800" spc="-1" strike="noStrike">
               <a:solidFill>
@@ -7415,14 +6897,14 @@
       </p:grpSpPr>
       <p:sp>
         <p:nvSpPr>
-          <p:cNvPr id="77" name="TextBox 8"/>
+          <p:cNvPr id="60" name="TextBox 8"/>
           <p:cNvSpPr/>
           <p:nvPr/>
         </p:nvSpPr>
         <p:spPr>
           <a:xfrm>
             <a:off x="671760" y="441720"/>
-            <a:ext cx="9386640" cy="760680"/>
+            <a:ext cx="9386280" cy="759960"/>
           </a:xfrm>
           <a:prstGeom prst="rect">
             <a:avLst/>
@@ -7468,14 +6950,14 @@
       </p:sp>
       <p:sp>
         <p:nvSpPr>
-          <p:cNvPr id="78" name="TextBox 9"/>
+          <p:cNvPr id="61" name="TextBox 9"/>
           <p:cNvSpPr/>
           <p:nvPr/>
         </p:nvSpPr>
         <p:spPr>
           <a:xfrm>
             <a:off x="671760" y="1150200"/>
-            <a:ext cx="5424120" cy="577440"/>
+            <a:ext cx="5423760" cy="577440"/>
           </a:xfrm>
           <a:prstGeom prst="rect">
             <a:avLst/>
@@ -7521,7 +7003,7 @@
       </p:sp>
       <p:pic>
         <p:nvPicPr>
-          <p:cNvPr id="79" name="" descr=""/>
+          <p:cNvPr id="62" name="" descr=""/>
           <p:cNvPicPr/>
           <p:nvPr/>
         </p:nvPicPr>
@@ -7532,7 +7014,7 @@
         <p:spPr>
           <a:xfrm>
             <a:off x="457200" y="1828800"/>
-            <a:ext cx="6428880" cy="4314600"/>
+            <a:ext cx="6428520" cy="4314240"/>
           </a:xfrm>
           <a:prstGeom prst="rect">
             <a:avLst/>
@@ -7544,7 +7026,7 @@
       </p:pic>
       <p:pic>
         <p:nvPicPr>
-          <p:cNvPr id="80" name="" descr=""/>
+          <p:cNvPr id="63" name="" descr=""/>
           <p:cNvPicPr/>
           <p:nvPr/>
         </p:nvPicPr>
@@ -7555,7 +7037,7 @@
         <p:spPr>
           <a:xfrm>
             <a:off x="7086600" y="1828800"/>
-            <a:ext cx="4800240" cy="1428480"/>
+            <a:ext cx="4799880" cy="1428120"/>
           </a:xfrm>
           <a:prstGeom prst="rect">
             <a:avLst/>
@@ -7600,14 +7082,14 @@
       </p:grpSpPr>
       <p:sp>
         <p:nvSpPr>
-          <p:cNvPr id="81" name="TextBox 10"/>
+          <p:cNvPr id="64" name="TextBox 10"/>
           <p:cNvSpPr/>
           <p:nvPr/>
         </p:nvSpPr>
         <p:spPr>
           <a:xfrm>
             <a:off x="671760" y="441720"/>
-            <a:ext cx="9386640" cy="760680"/>
+            <a:ext cx="9386280" cy="759960"/>
           </a:xfrm>
           <a:prstGeom prst="rect">
             <a:avLst/>
@@ -7653,14 +7135,14 @@
       </p:sp>
       <p:sp>
         <p:nvSpPr>
-          <p:cNvPr id="82" name="TextBox 11"/>
+          <p:cNvPr id="65" name="TextBox 11"/>
           <p:cNvSpPr/>
           <p:nvPr/>
         </p:nvSpPr>
         <p:spPr>
           <a:xfrm>
             <a:off x="671760" y="1150200"/>
-            <a:ext cx="5424120" cy="577440"/>
+            <a:ext cx="5423760" cy="577440"/>
           </a:xfrm>
           <a:prstGeom prst="rect">
             <a:avLst/>
@@ -7706,7 +7188,7 @@
       </p:sp>
       <p:pic>
         <p:nvPicPr>
-          <p:cNvPr id="83" name="" descr=""/>
+          <p:cNvPr id="66" name="" descr=""/>
           <p:cNvPicPr/>
           <p:nvPr/>
         </p:nvPicPr>
@@ -7717,7 +7199,7 @@
         <p:spPr>
           <a:xfrm>
             <a:off x="457200" y="1828800"/>
-            <a:ext cx="6428880" cy="4314600"/>
+            <a:ext cx="6428520" cy="4314240"/>
           </a:xfrm>
           <a:prstGeom prst="rect">
             <a:avLst/>
@@ -7729,7 +7211,7 @@
       </p:pic>
       <p:pic>
         <p:nvPicPr>
-          <p:cNvPr id="84" name="" descr=""/>
+          <p:cNvPr id="67" name="" descr=""/>
           <p:cNvPicPr/>
           <p:nvPr/>
         </p:nvPicPr>
@@ -7740,7 +7222,83 @@
         <p:spPr>
           <a:xfrm>
             <a:off x="7086600" y="1828800"/>
-            <a:ext cx="4800240" cy="1428480"/>
+            <a:ext cx="4799880" cy="1428120"/>
+          </a:xfrm>
+          <a:prstGeom prst="rect">
+            <a:avLst/>
+          </a:prstGeom>
+          <a:ln w="0">
+            <a:noFill/>
+          </a:ln>
+        </p:spPr>
+      </p:pic>
+      <p:sp>
+        <p:nvSpPr>
+          <p:cNvPr id="68" name="TextBox 1"/>
+          <p:cNvSpPr/>
+          <p:nvPr/>
+        </p:nvSpPr>
+        <p:spPr>
+          <a:xfrm>
+            <a:off x="6920640" y="3429000"/>
+            <a:ext cx="5423760" cy="577440"/>
+          </a:xfrm>
+          <a:prstGeom prst="rect">
+            <a:avLst/>
+          </a:prstGeom>
+          <a:noFill/>
+          <a:ln w="0">
+            <a:noFill/>
+          </a:ln>
+        </p:spPr>
+        <p:style>
+          <a:lnRef idx="0"/>
+          <a:fillRef idx="0"/>
+          <a:effectRef idx="0"/>
+          <a:fontRef idx="minor"/>
+        </p:style>
+        <p:txBody>
+          <a:bodyPr lIns="90000" rIns="90000" tIns="45000" bIns="45000" anchor="t">
+            <a:spAutoFit/>
+          </a:bodyPr>
+          <a:p>
+            <a:pPr defTabSz="914400">
+              <a:lnSpc>
+                <a:spcPct val="100000"/>
+              </a:lnSpc>
+            </a:pPr>
+            <a:r>
+              <a:rPr b="0" lang="en-US" sz="3200" spc="-1" strike="noStrike">
+                <a:solidFill>
+                  <a:schemeClr val="dk1"/>
+                </a:solidFill>
+                <a:latin typeface="Continuum Light"/>
+              </a:rPr>
+              <a:t>SCH328P.cpp</a:t>
+            </a:r>
+            <a:endParaRPr b="0" lang="en-US" sz="3200" spc="-1" strike="noStrike">
+              <a:solidFill>
+                <a:srgbClr val="000000"/>
+              </a:solidFill>
+              <a:latin typeface="Arial"/>
+            </a:endParaRPr>
+          </a:p>
+        </p:txBody>
+      </p:sp>
+      <p:pic>
+        <p:nvPicPr>
+          <p:cNvPr id="69" name="" descr=""/>
+          <p:cNvPicPr/>
+          <p:nvPr/>
+        </p:nvPicPr>
+        <p:blipFill>
+          <a:blip r:embed="rId4"/>
+          <a:stretch/>
+        </p:blipFill>
+        <p:spPr>
+          <a:xfrm>
+            <a:off x="7086600" y="4162680"/>
+            <a:ext cx="4133520" cy="1323720"/>
           </a:xfrm>
           <a:prstGeom prst="rect">
             <a:avLst/>
@@ -7785,14 +7343,14 @@
       </p:grpSpPr>
       <p:sp>
         <p:nvSpPr>
-          <p:cNvPr id="85" name="TextBox 4"/>
+          <p:cNvPr id="70" name="TextBox 12"/>
           <p:cNvSpPr/>
           <p:nvPr/>
         </p:nvSpPr>
         <p:spPr>
           <a:xfrm>
-            <a:off x="3895200" y="2828880"/>
-            <a:ext cx="4401000" cy="2284200"/>
+            <a:off x="3245400" y="2698560"/>
+            <a:ext cx="5441040" cy="1552680"/>
           </a:xfrm>
           <a:prstGeom prst="rect">
             <a:avLst/>
@@ -7813,21 +7371,21 @@
             <a:spAutoFit/>
           </a:bodyPr>
           <a:p>
-            <a:pPr defTabSz="914400">
+            <a:pPr algn="ctr" defTabSz="914400">
               <a:lnSpc>
                 <a:spcPct val="100000"/>
               </a:lnSpc>
             </a:pPr>
             <a:r>
-              <a:rPr b="0" lang="en-US" sz="7200" spc="-1" strike="noStrike">
+              <a:rPr b="0" lang="en-US" sz="4800" spc="-1" strike="noStrike">
                 <a:solidFill>
                   <a:srgbClr val="ff0000"/>
                 </a:solidFill>
                 <a:latin typeface="Continuum Medium"/>
               </a:rPr>
-              <a:t>Thank You</a:t>
-            </a:r>
-            <a:endParaRPr b="0" lang="en-US" sz="7200" spc="-1" strike="noStrike">
+              <a:t>Initialization Function (Timer 0)</a:t>
+            </a:r>
+            <a:endParaRPr b="0" lang="en-US" sz="4800" spc="-1" strike="noStrike">
               <a:solidFill>
                 <a:srgbClr val="000000"/>
               </a:solidFill>
@@ -7838,14 +7396,9 @@
       </p:sp>
     </p:spTree>
   </p:cSld>
-  <mc:AlternateContent>
-    <mc:Choice Requires="p14">
-      <p:transition spd="slow" p14:dur="2000"/>
-    </mc:Choice>
-    <mc:Fallback>
-      <p:transition spd="slow"/>
-    </mc:Fallback>
-  </mc:AlternateContent>
+  <p:transition spd="slow">
+    <p:push dir="u"/>
+  </p:transition>
 </p:sld>
 </file>
 
